--- a/docs/依赖倒置控制反转在.NET中的应用-R1.pptx
+++ b/docs/依赖倒置控制反转在.NET中的应用-R1.pptx
@@ -5,10 +5,10 @@
     <p:sldMasterId id="2147483648" r:id="rId1"/>
   </p:sldMasterIdLst>
   <p:notesMasterIdLst>
-    <p:notesMasterId r:id="rId40"/>
+    <p:notesMasterId r:id="rId42"/>
   </p:notesMasterIdLst>
   <p:handoutMasterIdLst>
-    <p:handoutMasterId r:id="rId41"/>
+    <p:handoutMasterId r:id="rId43"/>
   </p:handoutMasterIdLst>
   <p:sldIdLst>
     <p:sldId id="271" r:id="rId2"/>
@@ -16,39 +16,41 @@
     <p:sldId id="327" r:id="rId4"/>
     <p:sldId id="313" r:id="rId5"/>
     <p:sldId id="314" r:id="rId6"/>
-    <p:sldId id="315" r:id="rId7"/>
-    <p:sldId id="323" r:id="rId8"/>
-    <p:sldId id="316" r:id="rId9"/>
-    <p:sldId id="324" r:id="rId10"/>
-    <p:sldId id="317" r:id="rId11"/>
-    <p:sldId id="318" r:id="rId12"/>
-    <p:sldId id="325" r:id="rId13"/>
-    <p:sldId id="319" r:id="rId14"/>
-    <p:sldId id="330" r:id="rId15"/>
-    <p:sldId id="320" r:id="rId16"/>
-    <p:sldId id="331" r:id="rId17"/>
-    <p:sldId id="333" r:id="rId18"/>
-    <p:sldId id="335" r:id="rId19"/>
-    <p:sldId id="334" r:id="rId20"/>
-    <p:sldId id="321" r:id="rId21"/>
-    <p:sldId id="332" r:id="rId22"/>
-    <p:sldId id="336" r:id="rId23"/>
-    <p:sldId id="351" r:id="rId24"/>
-    <p:sldId id="328" r:id="rId25"/>
-    <p:sldId id="338" r:id="rId26"/>
-    <p:sldId id="339" r:id="rId27"/>
-    <p:sldId id="340" r:id="rId28"/>
-    <p:sldId id="341" r:id="rId29"/>
-    <p:sldId id="342" r:id="rId30"/>
-    <p:sldId id="343" r:id="rId31"/>
-    <p:sldId id="329" r:id="rId32"/>
-    <p:sldId id="353" r:id="rId33"/>
-    <p:sldId id="322" r:id="rId34"/>
-    <p:sldId id="354" r:id="rId35"/>
-    <p:sldId id="344" r:id="rId36"/>
-    <p:sldId id="345" r:id="rId37"/>
-    <p:sldId id="352" r:id="rId38"/>
-    <p:sldId id="272" r:id="rId39"/>
+    <p:sldId id="355" r:id="rId7"/>
+    <p:sldId id="315" r:id="rId8"/>
+    <p:sldId id="323" r:id="rId9"/>
+    <p:sldId id="316" r:id="rId10"/>
+    <p:sldId id="324" r:id="rId11"/>
+    <p:sldId id="317" r:id="rId12"/>
+    <p:sldId id="318" r:id="rId13"/>
+    <p:sldId id="325" r:id="rId14"/>
+    <p:sldId id="319" r:id="rId15"/>
+    <p:sldId id="330" r:id="rId16"/>
+    <p:sldId id="320" r:id="rId17"/>
+    <p:sldId id="331" r:id="rId18"/>
+    <p:sldId id="333" r:id="rId19"/>
+    <p:sldId id="335" r:id="rId20"/>
+    <p:sldId id="334" r:id="rId21"/>
+    <p:sldId id="321" r:id="rId22"/>
+    <p:sldId id="332" r:id="rId23"/>
+    <p:sldId id="336" r:id="rId24"/>
+    <p:sldId id="351" r:id="rId25"/>
+    <p:sldId id="328" r:id="rId26"/>
+    <p:sldId id="338" r:id="rId27"/>
+    <p:sldId id="339" r:id="rId28"/>
+    <p:sldId id="340" r:id="rId29"/>
+    <p:sldId id="341" r:id="rId30"/>
+    <p:sldId id="342" r:id="rId31"/>
+    <p:sldId id="343" r:id="rId32"/>
+    <p:sldId id="329" r:id="rId33"/>
+    <p:sldId id="353" r:id="rId34"/>
+    <p:sldId id="356" r:id="rId35"/>
+    <p:sldId id="322" r:id="rId36"/>
+    <p:sldId id="354" r:id="rId37"/>
+    <p:sldId id="344" r:id="rId38"/>
+    <p:sldId id="352" r:id="rId39"/>
+    <p:sldId id="345" r:id="rId40"/>
+    <p:sldId id="272" r:id="rId41"/>
   </p:sldIdLst>
   <p:sldSz cx="9144000" cy="5143500" type="screen16x9"/>
   <p:notesSz cx="6858000" cy="9144000"/>
@@ -288,7 +290,7 @@
           <a:p>
             <a:fld id="{28F3D451-C806-41D1-A91F-5E234F1BD53C}" type="datetimeFigureOut">
               <a:rPr lang="zh-CN" altLang="en-US" smtClean="0"/>
-              <a:t>2021/4/10</a:t>
+              <a:t>2021/4/11</a:t>
             </a:fld>
             <a:endParaRPr lang="zh-CN" altLang="en-US"/>
           </a:p>
@@ -454,7 +456,7 @@
           <a:p>
             <a:fld id="{0B26CBAA-2AFF-46AC-8EC0-0722BA62B1A7}" type="datetimeFigureOut">
               <a:rPr lang="zh-CN" altLang="en-US" smtClean="0"/>
-              <a:t>2021/4/10</a:t>
+              <a:t>2021/4/11</a:t>
             </a:fld>
             <a:endParaRPr lang="zh-CN" altLang="en-US"/>
           </a:p>
@@ -958,7 +960,7 @@
           <a:p>
             <a:fld id="{B24E811D-EA8B-4CAB-A818-49F192803EEC}" type="slidenum">
               <a:rPr lang="zh-CN" altLang="en-US" smtClean="0"/>
-              <a:t>6</a:t>
+              <a:t>7</a:t>
             </a:fld>
             <a:endParaRPr lang="zh-CN" altLang="en-US"/>
           </a:p>
@@ -1042,7 +1044,7 @@
           <a:p>
             <a:fld id="{B24E811D-EA8B-4CAB-A818-49F192803EEC}" type="slidenum">
               <a:rPr lang="zh-CN" altLang="en-US" smtClean="0"/>
-              <a:t>20</a:t>
+              <a:t>21</a:t>
             </a:fld>
             <a:endParaRPr lang="zh-CN" altLang="en-US"/>
           </a:p>
@@ -1135,7 +1137,7 @@
                   <a:prstClr val="black"/>
                 </a:solidFill>
               </a:rPr>
-              <a:t>38</a:t>
+              <a:t>40</a:t>
             </a:fld>
             <a:endParaRPr lang="en-US">
               <a:solidFill>
@@ -4001,7 +4003,7 @@
           <p:cNvPr id="2" name="Text Placeholder 1">
             <a:extLst>
               <a:ext uri="{FF2B5EF4-FFF2-40B4-BE49-F238E27FC236}">
-                <a16:creationId xmlns:a16="http://schemas.microsoft.com/office/drawing/2014/main" id="{A53B16AC-C672-E54B-8D2F-281D47A1C729}"/>
+                <a16:creationId xmlns:a16="http://schemas.microsoft.com/office/drawing/2014/main" id="{AC0A28B7-2B64-D445-8C48-54C70B700CE8}"/>
               </a:ext>
             </a:extLst>
           </p:cNvPr>
@@ -4012,12 +4014,7 @@
             <p:ph type="body" sz="quarter" idx="11"/>
           </p:nvPr>
         </p:nvSpPr>
-        <p:spPr>
-          <a:xfrm>
-            <a:off x="549076" y="224061"/>
-            <a:ext cx="4598987" cy="287412"/>
-          </a:xfrm>
-        </p:spPr>
+        <p:spPr/>
         <p:txBody>
           <a:bodyPr/>
           <a:lstStyle/>
@@ -4030,6 +4027,9 @@
           <a:p>
             <a:endParaRPr lang="en-CN" dirty="0"/>
           </a:p>
+          <a:p>
+            <a:endParaRPr lang="en-CN" dirty="0"/>
+          </a:p>
         </p:txBody>
       </p:sp>
       <p:sp>
@@ -4037,7 +4037,7 @@
           <p:cNvPr id="3" name="Text Placeholder 2">
             <a:extLst>
               <a:ext uri="{FF2B5EF4-FFF2-40B4-BE49-F238E27FC236}">
-                <a16:creationId xmlns:a16="http://schemas.microsoft.com/office/drawing/2014/main" id="{EC00B379-2B0A-C34D-9E30-4348549EC986}"/>
+                <a16:creationId xmlns:a16="http://schemas.microsoft.com/office/drawing/2014/main" id="{74A7D169-4A8C-CD4F-981B-14CB3CB67424}"/>
               </a:ext>
             </a:extLst>
           </p:cNvPr>
@@ -4053,203 +4053,61 @@
           <a:bodyPr/>
           <a:lstStyle/>
           <a:p>
-            <a:endParaRPr lang="en-CN" dirty="0"/>
-          </a:p>
-        </p:txBody>
-      </p:sp>
-      <p:sp>
-        <p:nvSpPr>
-          <p:cNvPr id="4" name="Rectangle 3">
+            <a:endParaRPr lang="en-CN"/>
+          </a:p>
+        </p:txBody>
+      </p:sp>
+      <p:pic>
+        <p:nvPicPr>
+          <p:cNvPr id="4098" name="Picture 2" descr="反转依赖项关系图">
             <a:extLst>
               <a:ext uri="{FF2B5EF4-FFF2-40B4-BE49-F238E27FC236}">
-                <a16:creationId xmlns:a16="http://schemas.microsoft.com/office/drawing/2014/main" id="{747BCBDA-DA4B-B041-A2CB-0D601CC0DDA3}"/>
+                <a16:creationId xmlns:a16="http://schemas.microsoft.com/office/drawing/2014/main" id="{9887BCAB-ED64-DC45-BBCD-F874EA86AA7F}"/>
               </a:ext>
             </a:extLst>
           </p:cNvPr>
-          <p:cNvSpPr/>
+          <p:cNvPicPr>
+            <a:picLocks noChangeAspect="1" noChangeArrowheads="1"/>
+          </p:cNvPicPr>
           <p:nvPr/>
-        </p:nvSpPr>
-        <p:spPr>
+        </p:nvPicPr>
+        <p:blipFill>
+          <a:blip r:embed="rId2" cstate="print">
+            <a:extLst>
+              <a:ext uri="{28A0092B-C50C-407E-A947-70E740481C1C}">
+                <a14:useLocalDpi xmlns:a14="http://schemas.microsoft.com/office/drawing/2010/main" val="0"/>
+              </a:ext>
+            </a:extLst>
+          </a:blip>
+          <a:srcRect/>
+          <a:stretch>
+            <a:fillRect/>
+          </a:stretch>
+        </p:blipFill>
+        <p:spPr bwMode="auto">
           <a:xfrm>
-            <a:off x="1043608" y="939745"/>
-            <a:ext cx="4572000" cy="369332"/>
-          </a:xfrm>
-          <a:prstGeom prst="rect">
-            <a:avLst/>
-          </a:prstGeom>
-        </p:spPr>
-        <p:txBody>
-          <a:bodyPr>
-            <a:spAutoFit/>
-          </a:bodyPr>
-          <a:lstStyle/>
-          <a:p>
-            <a:r>
-              <a:rPr lang="en-US" dirty="0" err="1"/>
-              <a:t>引入依赖倒置一般的优点和缺点</a:t>
-            </a:r>
-            <a:endParaRPr lang="en-US" dirty="0"/>
-          </a:p>
-        </p:txBody>
-      </p:sp>
-      <p:sp>
-        <p:nvSpPr>
-          <p:cNvPr id="8" name="TextBox 7">
-            <a:extLst>
-              <a:ext uri="{FF2B5EF4-FFF2-40B4-BE49-F238E27FC236}">
-                <a16:creationId xmlns:a16="http://schemas.microsoft.com/office/drawing/2014/main" id="{53FCBE55-2A60-584A-92D9-A5CEFB9F703F}"/>
-              </a:ext>
-            </a:extLst>
-          </p:cNvPr>
-          <p:cNvSpPr txBox="1"/>
-          <p:nvPr/>
-        </p:nvSpPr>
-        <p:spPr>
-          <a:xfrm>
-            <a:off x="1259632" y="1312334"/>
-            <a:ext cx="7128792" cy="3693319"/>
+            <a:off x="971600" y="969492"/>
+            <a:ext cx="7387550" cy="3845117"/>
           </a:xfrm>
           <a:prstGeom prst="rect">
             <a:avLst/>
           </a:prstGeom>
           <a:noFill/>
+          <a:extLst>
+            <a:ext uri="{909E8E84-426E-40DD-AFC4-6F175D3DCCD1}">
+              <a14:hiddenFill xmlns:a14="http://schemas.microsoft.com/office/drawing/2010/main">
+                <a:solidFill>
+                  <a:srgbClr val="FFFFFF"/>
+                </a:solidFill>
+              </a14:hiddenFill>
+            </a:ext>
+          </a:extLst>
         </p:spPr>
-        <p:txBody>
-          <a:bodyPr wrap="square" rtlCol="0">
-            <a:spAutoFit/>
-          </a:bodyPr>
-          <a:lstStyle/>
-          <a:p>
-            <a:pPr marL="285750" indent="-285750">
-              <a:buFont typeface="Arial" panose="020B0604020202020204" pitchFamily="34" charset="0"/>
-              <a:buChar char="•"/>
-            </a:pPr>
-            <a:r>
-              <a:rPr lang="en-CN" dirty="0"/>
-              <a:t>优点</a:t>
-            </a:r>
-          </a:p>
-          <a:p>
-            <a:pPr marL="742950" lvl="1" indent="-285750">
-              <a:buFont typeface="Arial" panose="020B0604020202020204" pitchFamily="34" charset="0"/>
-              <a:buChar char="•"/>
-            </a:pPr>
-            <a:r>
-              <a:rPr lang="zh-CN" altLang="en-US" dirty="0"/>
-              <a:t>一旦抽象类或者接口定义完成，可以认为抽象工作已经完成，换句话说，一个类对外交互的契约已经定义完成</a:t>
-            </a:r>
-            <a:endParaRPr lang="en-US" altLang="zh-CN" dirty="0"/>
-          </a:p>
-          <a:p>
-            <a:pPr marL="742950" lvl="1" indent="-285750">
-              <a:buFont typeface="Arial" panose="020B0604020202020204" pitchFamily="34" charset="0"/>
-              <a:buChar char="•"/>
-            </a:pPr>
-            <a:r>
-              <a:rPr lang="zh-CN" altLang="en-US" dirty="0"/>
-              <a:t>代码的可测试性增强，</a:t>
-            </a:r>
-            <a:r>
-              <a:rPr lang="en-US" altLang="zh-CN" dirty="0"/>
-              <a:t>mock</a:t>
-            </a:r>
-            <a:r>
-              <a:rPr lang="zh-CN" altLang="en-US" dirty="0"/>
-              <a:t>变得极其容易。</a:t>
-            </a:r>
-            <a:endParaRPr lang="en-US" altLang="zh-CN" dirty="0"/>
-          </a:p>
-          <a:p>
-            <a:pPr marL="742950" lvl="1" indent="-285750">
-              <a:buFont typeface="Arial" panose="020B0604020202020204" pitchFamily="34" charset="0"/>
-              <a:buChar char="•"/>
-            </a:pPr>
-            <a:endParaRPr lang="en-CN" dirty="0"/>
-          </a:p>
-          <a:p>
-            <a:pPr marL="285750" indent="-285750">
-              <a:buFont typeface="Arial" panose="020B0604020202020204" pitchFamily="34" charset="0"/>
-              <a:buChar char="•"/>
-            </a:pPr>
-            <a:r>
-              <a:rPr lang="en-CN" dirty="0"/>
-              <a:t>缺点</a:t>
-            </a:r>
-            <a:endParaRPr lang="en-US" dirty="0"/>
-          </a:p>
-          <a:p>
-            <a:pPr marL="742950" lvl="1" indent="-285750">
-              <a:buFont typeface="Arial" panose="020B0604020202020204" pitchFamily="34" charset="0"/>
-              <a:buChar char="•"/>
-            </a:pPr>
-            <a:r>
-              <a:rPr lang="zh-CN" altLang="en-US" dirty="0"/>
-              <a:t>只是为类增加一个接口并不意味着</a:t>
-            </a:r>
-            <a:r>
-              <a:rPr lang="zh-CN" altLang="en-CN" dirty="0"/>
-              <a:t>解藕</a:t>
-            </a:r>
-            <a:r>
-              <a:rPr lang="zh-CN" altLang="en-US" dirty="0"/>
-              <a:t>，只有从交互的角度考虑抽象定义才会实现</a:t>
-            </a:r>
-            <a:r>
-              <a:rPr lang="zh-CN" altLang="en-CN" dirty="0"/>
-              <a:t>解藕</a:t>
-            </a:r>
-            <a:r>
-              <a:rPr lang="zh-CN" altLang="en-US" dirty="0"/>
-              <a:t>。</a:t>
-            </a:r>
-            <a:endParaRPr lang="en-US" altLang="zh-CN" dirty="0"/>
-          </a:p>
-          <a:p>
-            <a:pPr marL="742950" lvl="1" indent="-285750">
-              <a:buFont typeface="Arial" panose="020B0604020202020204" pitchFamily="34" charset="0"/>
-              <a:buChar char="•"/>
-            </a:pPr>
-            <a:r>
-              <a:rPr lang="zh-CN" altLang="en-US" dirty="0"/>
-              <a:t>代码库中接口和实现的分离会导致阅读代码的时候时刻要考虑当前场景中接口使用的是哪种实现</a:t>
-            </a:r>
-            <a:endParaRPr lang="en-US" altLang="zh-CN" dirty="0"/>
-          </a:p>
-          <a:p>
-            <a:pPr marL="742950" lvl="1" indent="-285750">
-              <a:buFont typeface="Arial" panose="020B0604020202020204" pitchFamily="34" charset="0"/>
-              <a:buChar char="•"/>
-            </a:pPr>
-            <a:r>
-              <a:rPr lang="zh-CN" altLang="en-US" dirty="0"/>
-              <a:t>代码中会增加维护依赖关系的代码，比如工厂或依赖注入框架</a:t>
-            </a:r>
-            <a:endParaRPr lang="en-US" altLang="zh-CN" dirty="0"/>
-          </a:p>
-          <a:p>
-            <a:pPr marL="742950" lvl="1" indent="-285750">
-              <a:buFont typeface="Arial" panose="020B0604020202020204" pitchFamily="34" charset="0"/>
-              <a:buChar char="•"/>
-            </a:pPr>
-            <a:r>
-              <a:rPr lang="zh-CN" altLang="en-US" dirty="0"/>
-              <a:t>接口定义并非适用所有编程语言</a:t>
-            </a:r>
-            <a:endParaRPr lang="en-US" altLang="zh-CN" dirty="0"/>
-          </a:p>
-          <a:p>
-            <a:pPr marL="742950" lvl="1" indent="-285750">
-              <a:buFont typeface="Arial" panose="020B0604020202020204" pitchFamily="34" charset="0"/>
-              <a:buChar char="•"/>
-            </a:pPr>
-            <a:endParaRPr lang="en-CN" dirty="0"/>
-          </a:p>
-        </p:txBody>
-      </p:sp>
+      </p:pic>
     </p:spTree>
     <p:extLst>
       <p:ext uri="{BB962C8B-B14F-4D97-AF65-F5344CB8AC3E}">
-        <p14:creationId xmlns:p14="http://schemas.microsoft.com/office/powerpoint/2010/main" val="488014556"/>
+        <p14:creationId xmlns:p14="http://schemas.microsoft.com/office/powerpoint/2010/main" val="1745668444"/>
       </p:ext>
     </p:extLst>
   </p:cSld>
@@ -4281,7 +4139,7 @@
           <p:cNvPr id="2" name="Text Placeholder 1">
             <a:extLst>
               <a:ext uri="{FF2B5EF4-FFF2-40B4-BE49-F238E27FC236}">
-                <a16:creationId xmlns:a16="http://schemas.microsoft.com/office/drawing/2014/main" id="{FF096CE8-01F2-4D4E-8F33-E5372D03DFE2}"/>
+                <a16:creationId xmlns:a16="http://schemas.microsoft.com/office/drawing/2014/main" id="{A53B16AC-C672-E54B-8D2F-281D47A1C729}"/>
               </a:ext>
             </a:extLst>
           </p:cNvPr>
@@ -4292,15 +4150,22 @@
             <p:ph type="body" sz="quarter" idx="11"/>
           </p:nvPr>
         </p:nvSpPr>
-        <p:spPr/>
+        <p:spPr>
+          <a:xfrm>
+            <a:off x="549076" y="224061"/>
+            <a:ext cx="4598987" cy="287412"/>
+          </a:xfrm>
+        </p:spPr>
         <p:txBody>
           <a:bodyPr/>
           <a:lstStyle/>
           <a:p>
             <a:r>
-              <a:rPr lang="zh-CN" altLang="en-CN" dirty="0"/>
+              <a:rPr lang="en-CN" dirty="0"/>
               <a:t>依赖倒置</a:t>
             </a:r>
+          </a:p>
+          <a:p>
             <a:endParaRPr lang="en-CN" dirty="0"/>
           </a:p>
         </p:txBody>
@@ -4310,7 +4175,7 @@
           <p:cNvPr id="3" name="Text Placeholder 2">
             <a:extLst>
               <a:ext uri="{FF2B5EF4-FFF2-40B4-BE49-F238E27FC236}">
-                <a16:creationId xmlns:a16="http://schemas.microsoft.com/office/drawing/2014/main" id="{9BAFDA22-1333-C346-950E-41BAF29B74D4}"/>
+                <a16:creationId xmlns:a16="http://schemas.microsoft.com/office/drawing/2014/main" id="{EC00B379-2B0A-C34D-9E30-4348549EC986}"/>
               </a:ext>
             </a:extLst>
           </p:cNvPr>
@@ -4326,16 +4191,16 @@
           <a:bodyPr/>
           <a:lstStyle/>
           <a:p>
-            <a:endParaRPr lang="en-CN"/>
-          </a:p>
-        </p:txBody>
-      </p:sp>
-      <p:sp>
-        <p:nvSpPr>
-          <p:cNvPr id="5" name="Rectangle 4">
+            <a:endParaRPr lang="en-CN" dirty="0"/>
+          </a:p>
+        </p:txBody>
+      </p:sp>
+      <p:sp>
+        <p:nvSpPr>
+          <p:cNvPr id="4" name="Rectangle 3">
             <a:extLst>
               <a:ext uri="{FF2B5EF4-FFF2-40B4-BE49-F238E27FC236}">
-                <a16:creationId xmlns:a16="http://schemas.microsoft.com/office/drawing/2014/main" id="{05893343-8D72-F74B-AD13-F78EFE6790A3}"/>
+                <a16:creationId xmlns:a16="http://schemas.microsoft.com/office/drawing/2014/main" id="{747BCBDA-DA4B-B041-A2CB-0D601CC0DDA3}"/>
               </a:ext>
             </a:extLst>
           </p:cNvPr>
@@ -4344,7 +4209,7 @@
         </p:nvSpPr>
         <p:spPr>
           <a:xfrm>
-            <a:off x="1043608" y="1059582"/>
+            <a:off x="1043608" y="939745"/>
             <a:ext cx="4572000" cy="369332"/>
           </a:xfrm>
           <a:prstGeom prst="rect">
@@ -4359,7 +4224,7 @@
           <a:p>
             <a:r>
               <a:rPr lang="en-US" dirty="0" err="1"/>
-              <a:t>引入依赖倒置会引入的其它问题</a:t>
+              <a:t>引入依赖倒置一般的优点和缺点</a:t>
             </a:r>
             <a:endParaRPr lang="en-US" dirty="0"/>
           </a:p>
@@ -4367,10 +4232,10 @@
       </p:sp>
       <p:sp>
         <p:nvSpPr>
-          <p:cNvPr id="6" name="TextBox 5">
+          <p:cNvPr id="8" name="TextBox 7">
             <a:extLst>
               <a:ext uri="{FF2B5EF4-FFF2-40B4-BE49-F238E27FC236}">
-                <a16:creationId xmlns:a16="http://schemas.microsoft.com/office/drawing/2014/main" id="{B34BC89A-6B9D-CA4D-87B2-DF4A33BEA14F}"/>
+                <a16:creationId xmlns:a16="http://schemas.microsoft.com/office/drawing/2014/main" id="{53FCBE55-2A60-584A-92D9-A5CEFB9F703F}"/>
               </a:ext>
             </a:extLst>
           </p:cNvPr>
@@ -4379,8 +4244,8 @@
         </p:nvSpPr>
         <p:spPr>
           <a:xfrm>
-            <a:off x="1331640" y="1450757"/>
-            <a:ext cx="6912768" cy="2126864"/>
+            <a:off x="1259632" y="1312334"/>
+            <a:ext cx="7128792" cy="3693319"/>
           </a:xfrm>
           <a:prstGeom prst="rect">
             <a:avLst/>
@@ -4394,82 +4259,127 @@
           <a:lstStyle/>
           <a:p>
             <a:pPr marL="285750" indent="-285750">
-              <a:lnSpc>
-                <a:spcPct val="150000"/>
-              </a:lnSpc>
               <a:buFont typeface="Arial" panose="020B0604020202020204" pitchFamily="34" charset="0"/>
               <a:buChar char="•"/>
             </a:pPr>
             <a:r>
-              <a:rPr lang="en-CN" dirty="0">
-                <a:latin typeface="宋体" panose="02010600030101010101" pitchFamily="2" charset="-122"/>
-                <a:ea typeface="宋体" panose="02010600030101010101" pitchFamily="2" charset="-122"/>
-              </a:rPr>
-              <a:t>成员变量必须是接口或抽象类</a:t>
-            </a:r>
-          </a:p>
-          <a:p>
-            <a:pPr marL="285750" indent="-285750">
-              <a:lnSpc>
-                <a:spcPct val="150000"/>
-              </a:lnSpc>
+              <a:rPr lang="en-CN" dirty="0"/>
+              <a:t>优点</a:t>
+            </a:r>
+          </a:p>
+          <a:p>
+            <a:pPr marL="742950" lvl="1" indent="-285750">
               <a:buFont typeface="Arial" panose="020B0604020202020204" pitchFamily="34" charset="0"/>
               <a:buChar char="•"/>
             </a:pPr>
             <a:r>
-              <a:rPr lang="en-CN" dirty="0">
-                <a:latin typeface="宋体" panose="02010600030101010101" pitchFamily="2" charset="-122"/>
-                <a:ea typeface="宋体" panose="02010600030101010101" pitchFamily="2" charset="-122"/>
-              </a:rPr>
-              <a:t>具体实现类之间通过接口进行依赖关系维护</a:t>
-            </a:r>
-          </a:p>
-          <a:p>
-            <a:pPr marL="285750" indent="-285750">
-              <a:lnSpc>
-                <a:spcPct val="150000"/>
-              </a:lnSpc>
+              <a:rPr lang="zh-CN" altLang="en-US" dirty="0"/>
+              <a:t>一旦抽象类或者接口定义完成，可以认为抽象工作已经完成，换句话说，一个类对外交互的契约已经定义完成</a:t>
+            </a:r>
+            <a:endParaRPr lang="en-US" altLang="zh-CN" dirty="0"/>
+          </a:p>
+          <a:p>
+            <a:pPr marL="742950" lvl="1" indent="-285750">
               <a:buFont typeface="Arial" panose="020B0604020202020204" pitchFamily="34" charset="0"/>
               <a:buChar char="•"/>
             </a:pPr>
             <a:r>
-              <a:rPr lang="en-CN" dirty="0">
-                <a:latin typeface="宋体" panose="02010600030101010101" pitchFamily="2" charset="-122"/>
-                <a:ea typeface="宋体" panose="02010600030101010101" pitchFamily="2" charset="-122"/>
-              </a:rPr>
-              <a:t>需要测试的方法需要定义为接口的实现或者抽象类的实现</a:t>
-            </a:r>
-            <a:endParaRPr lang="en-US" dirty="0">
-              <a:latin typeface="宋体" panose="02010600030101010101" pitchFamily="2" charset="-122"/>
-              <a:ea typeface="宋体" panose="02010600030101010101" pitchFamily="2" charset="-122"/>
-            </a:endParaRPr>
-          </a:p>
-          <a:p>
-            <a:pPr marL="285750" indent="-285750">
-              <a:lnSpc>
-                <a:spcPct val="150000"/>
-              </a:lnSpc>
+              <a:rPr lang="zh-CN" altLang="en-US" dirty="0"/>
+              <a:t>代码的可测试性增强，</a:t>
+            </a:r>
+            <a:r>
+              <a:rPr lang="en-US" altLang="zh-CN" dirty="0"/>
+              <a:t>mock</a:t>
+            </a:r>
+            <a:r>
+              <a:rPr lang="zh-CN" altLang="en-US" dirty="0"/>
+              <a:t>变得极其容易。</a:t>
+            </a:r>
+            <a:endParaRPr lang="en-US" altLang="zh-CN" dirty="0"/>
+          </a:p>
+          <a:p>
+            <a:pPr marL="742950" lvl="1" indent="-285750">
               <a:buFont typeface="Arial" panose="020B0604020202020204" pitchFamily="34" charset="0"/>
               <a:buChar char="•"/>
             </a:pPr>
-            <a:r>
-              <a:rPr lang="zh-CN" altLang="en-US" dirty="0"/>
-              <a:t>代码依赖直观性降低</a:t>
-            </a:r>
-            <a:endParaRPr lang="en-US" altLang="zh-CN" dirty="0"/>
+            <a:endParaRPr lang="en-CN" dirty="0"/>
           </a:p>
           <a:p>
             <a:pPr marL="285750" indent="-285750">
-              <a:lnSpc>
-                <a:spcPct val="150000"/>
-              </a:lnSpc>
               <a:buFont typeface="Arial" panose="020B0604020202020204" pitchFamily="34" charset="0"/>
               <a:buChar char="•"/>
             </a:pPr>
             <a:r>
+              <a:rPr lang="en-CN" dirty="0"/>
+              <a:t>缺点</a:t>
+            </a:r>
+            <a:endParaRPr lang="en-US" dirty="0"/>
+          </a:p>
+          <a:p>
+            <a:pPr marL="742950" lvl="1" indent="-285750">
+              <a:buFont typeface="Arial" panose="020B0604020202020204" pitchFamily="34" charset="0"/>
+              <a:buChar char="•"/>
+            </a:pPr>
+            <a:r>
               <a:rPr lang="zh-CN" altLang="en-US" dirty="0"/>
-              <a:t>其它不适问题</a:t>
-            </a:r>
+              <a:t>只是为类增加一个接口并不意味着</a:t>
+            </a:r>
+            <a:r>
+              <a:rPr lang="zh-CN" altLang="en-CN" dirty="0"/>
+              <a:t>解藕</a:t>
+            </a:r>
+            <a:r>
+              <a:rPr lang="zh-CN" altLang="en-US" dirty="0"/>
+              <a:t>，只有从交互的角度考虑抽象定义才会实现</a:t>
+            </a:r>
+            <a:r>
+              <a:rPr lang="zh-CN" altLang="en-CN" dirty="0"/>
+              <a:t>解藕</a:t>
+            </a:r>
+            <a:r>
+              <a:rPr lang="zh-CN" altLang="en-US" dirty="0"/>
+              <a:t>。</a:t>
+            </a:r>
+            <a:endParaRPr lang="en-US" altLang="zh-CN" dirty="0"/>
+          </a:p>
+          <a:p>
+            <a:pPr marL="742950" lvl="1" indent="-285750">
+              <a:buFont typeface="Arial" panose="020B0604020202020204" pitchFamily="34" charset="0"/>
+              <a:buChar char="•"/>
+            </a:pPr>
+            <a:r>
+              <a:rPr lang="zh-CN" altLang="en-US" dirty="0"/>
+              <a:t>代码库中接口和实现的分离会导致阅读代码的时候时刻要考虑当前场景中接口使用的是哪种实现</a:t>
+            </a:r>
+            <a:endParaRPr lang="en-US" altLang="zh-CN" dirty="0"/>
+          </a:p>
+          <a:p>
+            <a:pPr marL="742950" lvl="1" indent="-285750">
+              <a:buFont typeface="Arial" panose="020B0604020202020204" pitchFamily="34" charset="0"/>
+              <a:buChar char="•"/>
+            </a:pPr>
+            <a:r>
+              <a:rPr lang="zh-CN" altLang="en-US" dirty="0"/>
+              <a:t>代码中会增加维护依赖关系的代码，比如工厂或依赖注入框架</a:t>
+            </a:r>
+            <a:endParaRPr lang="en-US" altLang="zh-CN" dirty="0"/>
+          </a:p>
+          <a:p>
+            <a:pPr marL="742950" lvl="1" indent="-285750">
+              <a:buFont typeface="Arial" panose="020B0604020202020204" pitchFamily="34" charset="0"/>
+              <a:buChar char="•"/>
+            </a:pPr>
+            <a:r>
+              <a:rPr lang="zh-CN" altLang="en-US" dirty="0"/>
+              <a:t>接口定义并非适用所有编程语言</a:t>
+            </a:r>
+            <a:endParaRPr lang="en-US" altLang="zh-CN" dirty="0"/>
+          </a:p>
+          <a:p>
+            <a:pPr marL="742950" lvl="1" indent="-285750">
+              <a:buFont typeface="Arial" panose="020B0604020202020204" pitchFamily="34" charset="0"/>
+              <a:buChar char="•"/>
+            </a:pPr>
             <a:endParaRPr lang="en-CN" dirty="0"/>
           </a:p>
         </p:txBody>
@@ -4477,7 +4387,7 @@
     </p:spTree>
     <p:extLst>
       <p:ext uri="{BB962C8B-B14F-4D97-AF65-F5344CB8AC3E}">
-        <p14:creationId xmlns:p14="http://schemas.microsoft.com/office/powerpoint/2010/main" val="3851058915"/>
+        <p14:creationId xmlns:p14="http://schemas.microsoft.com/office/powerpoint/2010/main" val="488014556"/>
       </p:ext>
     </p:extLst>
   </p:cSld>
@@ -4509,7 +4419,7 @@
           <p:cNvPr id="2" name="Text Placeholder 1">
             <a:extLst>
               <a:ext uri="{FF2B5EF4-FFF2-40B4-BE49-F238E27FC236}">
-                <a16:creationId xmlns:a16="http://schemas.microsoft.com/office/drawing/2014/main" id="{F30EEB40-0339-9E48-BC85-6E374B649CFF}"/>
+                <a16:creationId xmlns:a16="http://schemas.microsoft.com/office/drawing/2014/main" id="{FF096CE8-01F2-4D4E-8F33-E5372D03DFE2}"/>
               </a:ext>
             </a:extLst>
           </p:cNvPr>
@@ -4520,41 +4430,17 @@
             <p:ph type="body" sz="quarter" idx="11"/>
           </p:nvPr>
         </p:nvSpPr>
-        <p:spPr>
-          <a:xfrm>
-            <a:off x="549076" y="224061"/>
-            <a:ext cx="3950915" cy="287412"/>
-          </a:xfrm>
-        </p:spPr>
+        <p:spPr/>
         <p:txBody>
           <a:bodyPr/>
           <a:lstStyle/>
           <a:p>
             <a:r>
-              <a:rPr lang="en-CN" dirty="0"/>
+              <a:rPr lang="zh-CN" altLang="en-CN" dirty="0"/>
               <a:t>依赖倒置</a:t>
             </a:r>
-            <a:r>
-              <a:rPr lang="en-US" altLang="zh-CN" dirty="0"/>
-              <a:t>-</a:t>
-            </a:r>
-            <a:r>
-              <a:rPr lang="en-CN" dirty="0"/>
-              <a:t>典型实现</a:t>
-            </a:r>
-            <a:r>
-              <a:rPr lang="en-US" altLang="zh-CN" dirty="0"/>
-              <a:t>1-</a:t>
-            </a:r>
-            <a:r>
-              <a:rPr lang="zh-CN" altLang="en-US" dirty="0"/>
-              <a:t>高层直接包含抽象</a:t>
-            </a:r>
             <a:endParaRPr lang="en-CN" dirty="0"/>
           </a:p>
-          <a:p>
-            <a:endParaRPr lang="en-CN" dirty="0"/>
-          </a:p>
         </p:txBody>
       </p:sp>
       <p:sp>
@@ -4562,7 +4448,7 @@
           <p:cNvPr id="3" name="Text Placeholder 2">
             <a:extLst>
               <a:ext uri="{FF2B5EF4-FFF2-40B4-BE49-F238E27FC236}">
-                <a16:creationId xmlns:a16="http://schemas.microsoft.com/office/drawing/2014/main" id="{C1D4620A-C384-A945-B8E7-000A104C1FCF}"/>
+                <a16:creationId xmlns:a16="http://schemas.microsoft.com/office/drawing/2014/main" id="{9BAFDA22-1333-C346-950E-41BAF29B74D4}"/>
               </a:ext>
             </a:extLst>
           </p:cNvPr>
@@ -4578,65 +4464,158 @@
           <a:bodyPr/>
           <a:lstStyle/>
           <a:p>
-            <a:r>
-              <a:rPr lang="zh-CN" altLang="en-US" dirty="0"/>
-              <a:t>高层直接包含抽象</a:t>
-            </a:r>
-            <a:endParaRPr lang="en-CN" dirty="0"/>
-          </a:p>
-        </p:txBody>
-      </p:sp>
-      <p:pic>
-        <p:nvPicPr>
-          <p:cNvPr id="5122" name="Picture 2">
+            <a:endParaRPr lang="en-CN"/>
+          </a:p>
+        </p:txBody>
+      </p:sp>
+      <p:sp>
+        <p:nvSpPr>
+          <p:cNvPr id="5" name="Rectangle 4">
             <a:extLst>
               <a:ext uri="{FF2B5EF4-FFF2-40B4-BE49-F238E27FC236}">
-                <a16:creationId xmlns:a16="http://schemas.microsoft.com/office/drawing/2014/main" id="{66FCFF87-D6BD-F041-B1A3-12E5F71BC7DF}"/>
+                <a16:creationId xmlns:a16="http://schemas.microsoft.com/office/drawing/2014/main" id="{05893343-8D72-F74B-AD13-F78EFE6790A3}"/>
               </a:ext>
             </a:extLst>
           </p:cNvPr>
-          <p:cNvPicPr>
-            <a:picLocks noChangeAspect="1" noChangeArrowheads="1"/>
-          </p:cNvPicPr>
+          <p:cNvSpPr/>
           <p:nvPr/>
-        </p:nvPicPr>
-        <p:blipFill>
-          <a:blip r:embed="rId2">
-            <a:extLst>
-              <a:ext uri="{28A0092B-C50C-407E-A947-70E740481C1C}">
-                <a14:useLocalDpi xmlns:a14="http://schemas.microsoft.com/office/drawing/2010/main" val="0"/>
-              </a:ext>
-            </a:extLst>
-          </a:blip>
-          <a:srcRect/>
-          <a:stretch>
-            <a:fillRect/>
-          </a:stretch>
-        </p:blipFill>
-        <p:spPr bwMode="auto">
+        </p:nvSpPr>
+        <p:spPr>
           <a:xfrm>
-            <a:off x="632540" y="772305"/>
-            <a:ext cx="8507040" cy="3568700"/>
+            <a:off x="1043608" y="1059582"/>
+            <a:ext cx="4572000" cy="369332"/>
+          </a:xfrm>
+          <a:prstGeom prst="rect">
+            <a:avLst/>
+          </a:prstGeom>
+        </p:spPr>
+        <p:txBody>
+          <a:bodyPr>
+            <a:spAutoFit/>
+          </a:bodyPr>
+          <a:lstStyle/>
+          <a:p>
+            <a:r>
+              <a:rPr lang="en-US" dirty="0" err="1"/>
+              <a:t>引入依赖倒置会引入的其它问题</a:t>
+            </a:r>
+            <a:endParaRPr lang="en-US" dirty="0"/>
+          </a:p>
+        </p:txBody>
+      </p:sp>
+      <p:sp>
+        <p:nvSpPr>
+          <p:cNvPr id="6" name="TextBox 5">
+            <a:extLst>
+              <a:ext uri="{FF2B5EF4-FFF2-40B4-BE49-F238E27FC236}">
+                <a16:creationId xmlns:a16="http://schemas.microsoft.com/office/drawing/2014/main" id="{B34BC89A-6B9D-CA4D-87B2-DF4A33BEA14F}"/>
+              </a:ext>
+            </a:extLst>
+          </p:cNvPr>
+          <p:cNvSpPr txBox="1"/>
+          <p:nvPr/>
+        </p:nvSpPr>
+        <p:spPr>
+          <a:xfrm>
+            <a:off x="1331640" y="1450757"/>
+            <a:ext cx="6912768" cy="2126864"/>
           </a:xfrm>
           <a:prstGeom prst="rect">
             <a:avLst/>
           </a:prstGeom>
           <a:noFill/>
-          <a:extLst>
-            <a:ext uri="{909E8E84-426E-40DD-AFC4-6F175D3DCCD1}">
-              <a14:hiddenFill xmlns:a14="http://schemas.microsoft.com/office/drawing/2010/main">
-                <a:solidFill>
-                  <a:srgbClr val="FFFFFF"/>
-                </a:solidFill>
-              </a14:hiddenFill>
-            </a:ext>
-          </a:extLst>
         </p:spPr>
-      </p:pic>
+        <p:txBody>
+          <a:bodyPr wrap="square" rtlCol="0">
+            <a:spAutoFit/>
+          </a:bodyPr>
+          <a:lstStyle/>
+          <a:p>
+            <a:pPr marL="285750" indent="-285750">
+              <a:lnSpc>
+                <a:spcPct val="150000"/>
+              </a:lnSpc>
+              <a:buFont typeface="Arial" panose="020B0604020202020204" pitchFamily="34" charset="0"/>
+              <a:buChar char="•"/>
+            </a:pPr>
+            <a:r>
+              <a:rPr lang="en-CN" dirty="0">
+                <a:latin typeface="宋体" panose="02010600030101010101" pitchFamily="2" charset="-122"/>
+                <a:ea typeface="宋体" panose="02010600030101010101" pitchFamily="2" charset="-122"/>
+              </a:rPr>
+              <a:t>成员变量必须是接口或抽象类</a:t>
+            </a:r>
+          </a:p>
+          <a:p>
+            <a:pPr marL="285750" indent="-285750">
+              <a:lnSpc>
+                <a:spcPct val="150000"/>
+              </a:lnSpc>
+              <a:buFont typeface="Arial" panose="020B0604020202020204" pitchFamily="34" charset="0"/>
+              <a:buChar char="•"/>
+            </a:pPr>
+            <a:r>
+              <a:rPr lang="en-CN" dirty="0">
+                <a:latin typeface="宋体" panose="02010600030101010101" pitchFamily="2" charset="-122"/>
+                <a:ea typeface="宋体" panose="02010600030101010101" pitchFamily="2" charset="-122"/>
+              </a:rPr>
+              <a:t>具体实现类之间通过接口进行依赖关系维护</a:t>
+            </a:r>
+          </a:p>
+          <a:p>
+            <a:pPr marL="285750" indent="-285750">
+              <a:lnSpc>
+                <a:spcPct val="150000"/>
+              </a:lnSpc>
+              <a:buFont typeface="Arial" panose="020B0604020202020204" pitchFamily="34" charset="0"/>
+              <a:buChar char="•"/>
+            </a:pPr>
+            <a:r>
+              <a:rPr lang="en-CN" dirty="0">
+                <a:latin typeface="宋体" panose="02010600030101010101" pitchFamily="2" charset="-122"/>
+                <a:ea typeface="宋体" panose="02010600030101010101" pitchFamily="2" charset="-122"/>
+              </a:rPr>
+              <a:t>需要测试的方法需要定义为接口的实现或者抽象类的实现</a:t>
+            </a:r>
+            <a:endParaRPr lang="en-US" dirty="0">
+              <a:latin typeface="宋体" panose="02010600030101010101" pitchFamily="2" charset="-122"/>
+              <a:ea typeface="宋体" panose="02010600030101010101" pitchFamily="2" charset="-122"/>
+            </a:endParaRPr>
+          </a:p>
+          <a:p>
+            <a:pPr marL="285750" indent="-285750">
+              <a:lnSpc>
+                <a:spcPct val="150000"/>
+              </a:lnSpc>
+              <a:buFont typeface="Arial" panose="020B0604020202020204" pitchFamily="34" charset="0"/>
+              <a:buChar char="•"/>
+            </a:pPr>
+            <a:r>
+              <a:rPr lang="zh-CN" altLang="en-US" dirty="0"/>
+              <a:t>代码依赖直观性降低</a:t>
+            </a:r>
+            <a:endParaRPr lang="en-US" altLang="zh-CN" dirty="0"/>
+          </a:p>
+          <a:p>
+            <a:pPr marL="285750" indent="-285750">
+              <a:lnSpc>
+                <a:spcPct val="150000"/>
+              </a:lnSpc>
+              <a:buFont typeface="Arial" panose="020B0604020202020204" pitchFamily="34" charset="0"/>
+              <a:buChar char="•"/>
+            </a:pPr>
+            <a:r>
+              <a:rPr lang="zh-CN" altLang="en-US" dirty="0"/>
+              <a:t>其它不适问题</a:t>
+            </a:r>
+            <a:endParaRPr lang="en-CN" dirty="0"/>
+          </a:p>
+        </p:txBody>
+      </p:sp>
     </p:spTree>
     <p:extLst>
       <p:ext uri="{BB962C8B-B14F-4D97-AF65-F5344CB8AC3E}">
-        <p14:creationId xmlns:p14="http://schemas.microsoft.com/office/powerpoint/2010/main" val="2988172535"/>
+        <p14:creationId xmlns:p14="http://schemas.microsoft.com/office/powerpoint/2010/main" val="3851058915"/>
       </p:ext>
     </p:extLst>
   </p:cSld>
@@ -4668,7 +4647,7 @@
           <p:cNvPr id="2" name="Text Placeholder 1">
             <a:extLst>
               <a:ext uri="{FF2B5EF4-FFF2-40B4-BE49-F238E27FC236}">
-                <a16:creationId xmlns:a16="http://schemas.microsoft.com/office/drawing/2014/main" id="{23A99CCF-7BAF-3346-8700-3185E2F4F2F1}"/>
+                <a16:creationId xmlns:a16="http://schemas.microsoft.com/office/drawing/2014/main" id="{F30EEB40-0339-9E48-BC85-6E374B649CFF}"/>
               </a:ext>
             </a:extLst>
           </p:cNvPr>
@@ -4682,7 +4661,7 @@
         <p:spPr>
           <a:xfrm>
             <a:off x="549076" y="224061"/>
-            <a:ext cx="3734891" cy="287412"/>
+            <a:ext cx="3950915" cy="287412"/>
           </a:xfrm>
         </p:spPr>
         <p:txBody>
@@ -4698,25 +4677,22 @@
               <a:t>-</a:t>
             </a:r>
             <a:r>
+              <a:rPr lang="en-CN" dirty="0"/>
+              <a:t>典型实现</a:t>
+            </a:r>
+            <a:r>
+              <a:rPr lang="en-US" altLang="zh-CN" dirty="0"/>
+              <a:t>1-</a:t>
+            </a:r>
+            <a:r>
               <a:rPr lang="zh-CN" altLang="en-US" dirty="0"/>
-              <a:t>典型实现</a:t>
-            </a:r>
-            <a:r>
-              <a:rPr lang="en-US" altLang="zh-CN" dirty="0"/>
-              <a:t>2-</a:t>
-            </a:r>
-            <a:r>
-              <a:rPr lang="zh-CN" altLang="en-US" dirty="0"/>
-              <a:t>抽象为独立模块</a:t>
+              <a:t>高层直接包含抽象</a:t>
             </a:r>
             <a:endParaRPr lang="en-CN" dirty="0"/>
           </a:p>
           <a:p>
             <a:endParaRPr lang="en-CN" dirty="0"/>
           </a:p>
-          <a:p>
-            <a:endParaRPr lang="en-CN" dirty="0"/>
-          </a:p>
         </p:txBody>
       </p:sp>
       <p:sp>
@@ -4724,7 +4700,7 @@
           <p:cNvPr id="3" name="Text Placeholder 2">
             <a:extLst>
               <a:ext uri="{FF2B5EF4-FFF2-40B4-BE49-F238E27FC236}">
-                <a16:creationId xmlns:a16="http://schemas.microsoft.com/office/drawing/2014/main" id="{1BC9E48E-D27C-6444-BFFE-67E4CBCDFF88}"/>
+                <a16:creationId xmlns:a16="http://schemas.microsoft.com/office/drawing/2014/main" id="{C1D4620A-C384-A945-B8E7-000A104C1FCF}"/>
               </a:ext>
             </a:extLst>
           </p:cNvPr>
@@ -4740,16 +4716,20 @@
           <a:bodyPr/>
           <a:lstStyle/>
           <a:p>
+            <a:r>
+              <a:rPr lang="zh-CN" altLang="en-US" dirty="0"/>
+              <a:t>高层直接包含抽象</a:t>
+            </a:r>
             <a:endParaRPr lang="en-CN" dirty="0"/>
           </a:p>
         </p:txBody>
       </p:sp>
       <p:pic>
         <p:nvPicPr>
-          <p:cNvPr id="6146" name="Picture 2">
+          <p:cNvPr id="5122" name="Picture 2">
             <a:extLst>
               <a:ext uri="{FF2B5EF4-FFF2-40B4-BE49-F238E27FC236}">
-                <a16:creationId xmlns:a16="http://schemas.microsoft.com/office/drawing/2014/main" id="{426E6690-2FD2-F444-BDC7-7728DE868775}"/>
+                <a16:creationId xmlns:a16="http://schemas.microsoft.com/office/drawing/2014/main" id="{66FCFF87-D6BD-F041-B1A3-12E5F71BC7DF}"/>
               </a:ext>
             </a:extLst>
           </p:cNvPr>
@@ -4773,8 +4753,8 @@
         </p:blipFill>
         <p:spPr bwMode="auto">
           <a:xfrm>
-            <a:off x="1043608" y="673197"/>
-            <a:ext cx="6886599" cy="4343504"/>
+            <a:off x="632540" y="772305"/>
+            <a:ext cx="8507040" cy="3568700"/>
           </a:xfrm>
           <a:prstGeom prst="rect">
             <a:avLst/>
@@ -4794,7 +4774,7 @@
     </p:spTree>
     <p:extLst>
       <p:ext uri="{BB962C8B-B14F-4D97-AF65-F5344CB8AC3E}">
-        <p14:creationId xmlns:p14="http://schemas.microsoft.com/office/powerpoint/2010/main" val="2262017841"/>
+        <p14:creationId xmlns:p14="http://schemas.microsoft.com/office/powerpoint/2010/main" val="2988172535"/>
       </p:ext>
     </p:extLst>
   </p:cSld>
@@ -4823,10 +4803,10 @@
       </p:grpSpPr>
       <p:sp>
         <p:nvSpPr>
-          <p:cNvPr id="2" name="文本占位符 1">
+          <p:cNvPr id="2" name="Text Placeholder 1">
             <a:extLst>
               <a:ext uri="{FF2B5EF4-FFF2-40B4-BE49-F238E27FC236}">
-                <a16:creationId xmlns:a16="http://schemas.microsoft.com/office/drawing/2014/main" id="{BAC7A425-3A2E-480C-9BA3-62724B374079}"/>
+                <a16:creationId xmlns:a16="http://schemas.microsoft.com/office/drawing/2014/main" id="{23A99CCF-7BAF-3346-8700-3185E2F4F2F1}"/>
               </a:ext>
             </a:extLst>
           </p:cNvPr>
@@ -4837,21 +4817,52 @@
             <p:ph type="body" sz="quarter" idx="11"/>
           </p:nvPr>
         </p:nvSpPr>
-        <p:spPr/>
+        <p:spPr>
+          <a:xfrm>
+            <a:off x="549076" y="224061"/>
+            <a:ext cx="3734891" cy="287412"/>
+          </a:xfrm>
+        </p:spPr>
         <p:txBody>
           <a:bodyPr/>
           <a:lstStyle/>
           <a:p>
-            <a:endParaRPr lang="en-US"/>
-          </a:p>
-        </p:txBody>
-      </p:sp>
-      <p:sp>
-        <p:nvSpPr>
-          <p:cNvPr id="3" name="文本占位符 2">
+            <a:r>
+              <a:rPr lang="en-CN" dirty="0"/>
+              <a:t>依赖倒置</a:t>
+            </a:r>
+            <a:r>
+              <a:rPr lang="en-US" altLang="zh-CN" dirty="0"/>
+              <a:t>-</a:t>
+            </a:r>
+            <a:r>
+              <a:rPr lang="zh-CN" altLang="en-US" dirty="0"/>
+              <a:t>典型实现</a:t>
+            </a:r>
+            <a:r>
+              <a:rPr lang="en-US" altLang="zh-CN" dirty="0"/>
+              <a:t>2-</a:t>
+            </a:r>
+            <a:r>
+              <a:rPr lang="zh-CN" altLang="en-US" dirty="0"/>
+              <a:t>抽象为独立模块</a:t>
+            </a:r>
+            <a:endParaRPr lang="en-CN" dirty="0"/>
+          </a:p>
+          <a:p>
+            <a:endParaRPr lang="en-CN" dirty="0"/>
+          </a:p>
+          <a:p>
+            <a:endParaRPr lang="en-CN" dirty="0"/>
+          </a:p>
+        </p:txBody>
+      </p:sp>
+      <p:sp>
+        <p:nvSpPr>
+          <p:cNvPr id="3" name="Text Placeholder 2">
             <a:extLst>
               <a:ext uri="{FF2B5EF4-FFF2-40B4-BE49-F238E27FC236}">
-                <a16:creationId xmlns:a16="http://schemas.microsoft.com/office/drawing/2014/main" id="{A8478F12-827D-4F26-B22A-41E76BCC7616}"/>
+                <a16:creationId xmlns:a16="http://schemas.microsoft.com/office/drawing/2014/main" id="{1BC9E48E-D27C-6444-BFFE-67E4CBCDFF88}"/>
               </a:ext>
             </a:extLst>
           </p:cNvPr>
@@ -4867,252 +4878,61 @@
           <a:bodyPr/>
           <a:lstStyle/>
           <a:p>
-            <a:endParaRPr lang="en-US"/>
-          </a:p>
-        </p:txBody>
-      </p:sp>
-      <p:sp>
-        <p:nvSpPr>
-          <p:cNvPr id="4" name="矩形 3">
+            <a:endParaRPr lang="en-CN" dirty="0"/>
+          </a:p>
+        </p:txBody>
+      </p:sp>
+      <p:pic>
+        <p:nvPicPr>
+          <p:cNvPr id="6146" name="Picture 2">
             <a:extLst>
               <a:ext uri="{FF2B5EF4-FFF2-40B4-BE49-F238E27FC236}">
-                <a16:creationId xmlns:a16="http://schemas.microsoft.com/office/drawing/2014/main" id="{8D23002C-FDF4-478F-AD52-73A9CD89A473}"/>
+                <a16:creationId xmlns:a16="http://schemas.microsoft.com/office/drawing/2014/main" id="{426E6690-2FD2-F444-BDC7-7728DE868775}"/>
               </a:ext>
             </a:extLst>
           </p:cNvPr>
-          <p:cNvSpPr/>
+          <p:cNvPicPr>
+            <a:picLocks noChangeAspect="1" noChangeArrowheads="1"/>
+          </p:cNvPicPr>
           <p:nvPr/>
-        </p:nvSpPr>
-        <p:spPr>
+        </p:nvPicPr>
+        <p:blipFill>
+          <a:blip r:embed="rId2">
+            <a:extLst>
+              <a:ext uri="{28A0092B-C50C-407E-A947-70E740481C1C}">
+                <a14:useLocalDpi xmlns:a14="http://schemas.microsoft.com/office/drawing/2010/main" val="0"/>
+              </a:ext>
+            </a:extLst>
+          </a:blip>
+          <a:srcRect/>
+          <a:stretch>
+            <a:fillRect/>
+          </a:stretch>
+        </p:blipFill>
+        <p:spPr bwMode="auto">
           <a:xfrm>
-            <a:off x="2282102" y="1948488"/>
-            <a:ext cx="619080" cy="523220"/>
+            <a:off x="1043608" y="673197"/>
+            <a:ext cx="6886599" cy="4343504"/>
           </a:xfrm>
           <a:prstGeom prst="rect">
             <a:avLst/>
           </a:prstGeom>
-          <a:solidFill>
-            <a:schemeClr val="accent6"/>
-          </a:solidFill>
+          <a:noFill/>
+          <a:extLst>
+            <a:ext uri="{909E8E84-426E-40DD-AFC4-6F175D3DCCD1}">
+              <a14:hiddenFill xmlns:a14="http://schemas.microsoft.com/office/drawing/2010/main">
+                <a:solidFill>
+                  <a:srgbClr val="FFFFFF"/>
+                </a:solidFill>
+              </a14:hiddenFill>
+            </a:ext>
+          </a:extLst>
         </p:spPr>
-        <p:txBody>
-          <a:bodyPr wrap="none">
-            <a:spAutoFit/>
-          </a:bodyPr>
-          <a:lstStyle/>
-          <a:p>
-            <a:r>
-              <a:rPr lang="zh-CN" altLang="en-US" sz="2800" dirty="0">
-                <a:solidFill>
-                  <a:schemeClr val="bg1"/>
-                </a:solidFill>
-                <a:latin typeface="Impact" panose="020B0806030902050204" pitchFamily="34" charset="0"/>
-              </a:rPr>
-              <a:t> </a:t>
-            </a:r>
-            <a:r>
-              <a:rPr lang="en-US" altLang="zh-CN" sz="2800" dirty="0">
-                <a:solidFill>
-                  <a:schemeClr val="bg1"/>
-                </a:solidFill>
-                <a:latin typeface="Impact" panose="020B0806030902050204" pitchFamily="34" charset="0"/>
-              </a:rPr>
-              <a:t>02</a:t>
-            </a:r>
-          </a:p>
-        </p:txBody>
-      </p:sp>
-      <p:sp>
-        <p:nvSpPr>
-          <p:cNvPr id="5" name="TextBox 4">
-            <a:extLst>
-              <a:ext uri="{FF2B5EF4-FFF2-40B4-BE49-F238E27FC236}">
-                <a16:creationId xmlns:a16="http://schemas.microsoft.com/office/drawing/2014/main" id="{B400B9AB-C0F2-4C52-84F8-857D8EC72C00}"/>
-              </a:ext>
-            </a:extLst>
-          </p:cNvPr>
-          <p:cNvSpPr txBox="1">
-            <a:spLocks noChangeArrowheads="1"/>
-          </p:cNvSpPr>
-          <p:nvPr/>
-        </p:nvSpPr>
-        <p:spPr bwMode="auto">
-          <a:xfrm>
-            <a:off x="3005875" y="2011635"/>
-            <a:ext cx="3495039" cy="417871"/>
-          </a:xfrm>
-          <a:prstGeom prst="rect">
-            <a:avLst/>
-          </a:prstGeom>
-          <a:solidFill>
-            <a:schemeClr val="accent6"/>
-          </a:solidFill>
-          <a:ln>
-            <a:noFill/>
-          </a:ln>
-        </p:spPr>
-        <p:txBody>
-          <a:bodyPr wrap="square">
-            <a:spAutoFit/>
-          </a:bodyPr>
-          <a:lstStyle>
-            <a:lvl1pPr eaLnBrk="0" hangingPunct="0">
-              <a:defRPr sz="1600">
-                <a:solidFill>
-                  <a:schemeClr val="tx1"/>
-                </a:solidFill>
-                <a:latin typeface="Arial" panose="020B0604020202020204" pitchFamily="34" charset="0"/>
-              </a:defRPr>
-            </a:lvl1pPr>
-            <a:lvl2pPr marL="742950" indent="-285750" eaLnBrk="0" hangingPunct="0">
-              <a:defRPr sz="1600">
-                <a:solidFill>
-                  <a:schemeClr val="tx1"/>
-                </a:solidFill>
-                <a:latin typeface="Arial" panose="020B0604020202020204" pitchFamily="34" charset="0"/>
-              </a:defRPr>
-            </a:lvl2pPr>
-            <a:lvl3pPr marL="1143000" indent="-228600" eaLnBrk="0" hangingPunct="0">
-              <a:defRPr sz="1600">
-                <a:solidFill>
-                  <a:schemeClr val="tx1"/>
-                </a:solidFill>
-                <a:latin typeface="Arial" panose="020B0604020202020204" pitchFamily="34" charset="0"/>
-              </a:defRPr>
-            </a:lvl3pPr>
-            <a:lvl4pPr marL="1600200" indent="-228600" eaLnBrk="0" hangingPunct="0">
-              <a:defRPr sz="1600">
-                <a:solidFill>
-                  <a:schemeClr val="tx1"/>
-                </a:solidFill>
-                <a:latin typeface="Arial" panose="020B0604020202020204" pitchFamily="34" charset="0"/>
-              </a:defRPr>
-            </a:lvl4pPr>
-            <a:lvl5pPr marL="2057400" indent="-228600" eaLnBrk="0" hangingPunct="0">
-              <a:defRPr sz="1600">
-                <a:solidFill>
-                  <a:schemeClr val="tx1"/>
-                </a:solidFill>
-                <a:latin typeface="Arial" panose="020B0604020202020204" pitchFamily="34" charset="0"/>
-              </a:defRPr>
-            </a:lvl5pPr>
-            <a:lvl6pPr marL="2514600" indent="-228600" eaLnBrk="0" fontAlgn="base" hangingPunct="0">
-              <a:spcBef>
-                <a:spcPct val="0"/>
-              </a:spcBef>
-              <a:spcAft>
-                <a:spcPct val="0"/>
-              </a:spcAft>
-              <a:defRPr sz="1600">
-                <a:solidFill>
-                  <a:schemeClr val="tx1"/>
-                </a:solidFill>
-                <a:latin typeface="Arial" panose="020B0604020202020204" pitchFamily="34" charset="0"/>
-              </a:defRPr>
-            </a:lvl6pPr>
-            <a:lvl7pPr marL="2971800" indent="-228600" eaLnBrk="0" fontAlgn="base" hangingPunct="0">
-              <a:spcBef>
-                <a:spcPct val="0"/>
-              </a:spcBef>
-              <a:spcAft>
-                <a:spcPct val="0"/>
-              </a:spcAft>
-              <a:defRPr sz="1600">
-                <a:solidFill>
-                  <a:schemeClr val="tx1"/>
-                </a:solidFill>
-                <a:latin typeface="Arial" panose="020B0604020202020204" pitchFamily="34" charset="0"/>
-              </a:defRPr>
-            </a:lvl7pPr>
-            <a:lvl8pPr marL="3429000" indent="-228600" eaLnBrk="0" fontAlgn="base" hangingPunct="0">
-              <a:spcBef>
-                <a:spcPct val="0"/>
-              </a:spcBef>
-              <a:spcAft>
-                <a:spcPct val="0"/>
-              </a:spcAft>
-              <a:defRPr sz="1600">
-                <a:solidFill>
-                  <a:schemeClr val="tx1"/>
-                </a:solidFill>
-                <a:latin typeface="Arial" panose="020B0604020202020204" pitchFamily="34" charset="0"/>
-              </a:defRPr>
-            </a:lvl8pPr>
-            <a:lvl9pPr marL="3886200" indent="-228600" eaLnBrk="0" fontAlgn="base" hangingPunct="0">
-              <a:spcBef>
-                <a:spcPct val="0"/>
-              </a:spcBef>
-              <a:spcAft>
-                <a:spcPct val="0"/>
-              </a:spcAft>
-              <a:defRPr sz="1600">
-                <a:solidFill>
-                  <a:schemeClr val="tx1"/>
-                </a:solidFill>
-                <a:latin typeface="Arial" panose="020B0604020202020204" pitchFamily="34" charset="0"/>
-              </a:defRPr>
-            </a:lvl9pPr>
-          </a:lstStyle>
-          <a:p>
-            <a:pPr algn="ctr" eaLnBrk="1" hangingPunct="1">
-              <a:lnSpc>
-                <a:spcPct val="150000"/>
-              </a:lnSpc>
-            </a:pPr>
-            <a:r>
-              <a:rPr lang="en-US" altLang="zh-CN" b="1" dirty="0">
-                <a:solidFill>
-                  <a:schemeClr val="bg1"/>
-                </a:solidFill>
-                <a:latin typeface="Franklin Gothic Book" panose="020B0503020102020204" pitchFamily="34" charset="0"/>
-                <a:ea typeface="微软雅黑" panose="020B0503020204020204" pitchFamily="34" charset="-122"/>
-              </a:rPr>
-              <a:t>.NET</a:t>
-            </a:r>
-            <a:r>
-              <a:rPr lang="zh-CN" altLang="en-US" b="1" dirty="0">
-                <a:solidFill>
-                  <a:schemeClr val="bg1"/>
-                </a:solidFill>
-                <a:latin typeface="Franklin Gothic Book" panose="020B0503020102020204" pitchFamily="34" charset="0"/>
-                <a:ea typeface="微软雅黑" panose="020B0503020204020204" pitchFamily="34" charset="-122"/>
-              </a:rPr>
-              <a:t>中的实现</a:t>
-            </a:r>
-            <a:r>
-              <a:rPr lang="en-US" altLang="zh-CN" b="1" dirty="0">
-                <a:solidFill>
-                  <a:schemeClr val="bg1"/>
-                </a:solidFill>
-                <a:latin typeface="Franklin Gothic Book" panose="020B0503020102020204" pitchFamily="34" charset="0"/>
-                <a:ea typeface="微软雅黑" panose="020B0503020204020204" pitchFamily="34" charset="-122"/>
-              </a:rPr>
-              <a:t>-</a:t>
-            </a:r>
-            <a:r>
-              <a:rPr lang="zh-CN" altLang="en-US" b="1" dirty="0">
-                <a:solidFill>
-                  <a:schemeClr val="bg1"/>
-                </a:solidFill>
-                <a:latin typeface="Franklin Gothic Book" panose="020B0503020102020204" pitchFamily="34" charset="0"/>
-                <a:ea typeface="微软雅黑" panose="020B0503020204020204" pitchFamily="34" charset="-122"/>
-              </a:rPr>
-              <a:t>依赖注入</a:t>
-            </a:r>
-            <a:endParaRPr lang="zh-CN" b="1" dirty="0">
-              <a:solidFill>
-                <a:schemeClr val="bg1"/>
-              </a:solidFill>
-              <a:latin typeface="Franklin Gothic Book" panose="020B0503020102020204" pitchFamily="34" charset="0"/>
-              <a:ea typeface="微软雅黑" panose="020B0503020204020204" pitchFamily="34" charset="-122"/>
-            </a:endParaRPr>
-          </a:p>
-        </p:txBody>
-      </p:sp>
+      </p:pic>
     </p:spTree>
     <p:extLst>
       <p:ext uri="{BB962C8B-B14F-4D97-AF65-F5344CB8AC3E}">
-        <p14:creationId xmlns:p14="http://schemas.microsoft.com/office/powerpoint/2010/main" val="4116736775"/>
+        <p14:creationId xmlns:p14="http://schemas.microsoft.com/office/powerpoint/2010/main" val="2262017841"/>
       </p:ext>
     </p:extLst>
   </p:cSld>
@@ -5141,10 +4961,10 @@
       </p:grpSpPr>
       <p:sp>
         <p:nvSpPr>
-          <p:cNvPr id="2" name="Text Placeholder 1">
+          <p:cNvPr id="2" name="文本占位符 1">
             <a:extLst>
               <a:ext uri="{FF2B5EF4-FFF2-40B4-BE49-F238E27FC236}">
-                <a16:creationId xmlns:a16="http://schemas.microsoft.com/office/drawing/2014/main" id="{4FBA5D8A-14E4-F54F-B69A-92795C69AE29}"/>
+                <a16:creationId xmlns:a16="http://schemas.microsoft.com/office/drawing/2014/main" id="{BAC7A425-3A2E-480C-9BA3-62724B374079}"/>
               </a:ext>
             </a:extLst>
           </p:cNvPr>
@@ -5160,24 +4980,16 @@
           <a:bodyPr/>
           <a:lstStyle/>
           <a:p>
-            <a:r>
-              <a:rPr lang="en-US" altLang="zh-CN" dirty="0"/>
-              <a:t>.NET</a:t>
-            </a:r>
-            <a:r>
-              <a:rPr lang="zh-CN" altLang="en-US" dirty="0"/>
-              <a:t>中的实现</a:t>
-            </a:r>
-            <a:endParaRPr lang="en-CN" dirty="0"/>
-          </a:p>
-        </p:txBody>
-      </p:sp>
-      <p:sp>
-        <p:nvSpPr>
-          <p:cNvPr id="3" name="Text Placeholder 2">
+            <a:endParaRPr lang="en-US"/>
+          </a:p>
+        </p:txBody>
+      </p:sp>
+      <p:sp>
+        <p:nvSpPr>
+          <p:cNvPr id="3" name="文本占位符 2">
             <a:extLst>
               <a:ext uri="{FF2B5EF4-FFF2-40B4-BE49-F238E27FC236}">
-                <a16:creationId xmlns:a16="http://schemas.microsoft.com/office/drawing/2014/main" id="{ED19B96F-9F5C-CE4A-9A3D-9BE5872F752C}"/>
+                <a16:creationId xmlns:a16="http://schemas.microsoft.com/office/drawing/2014/main" id="{A8478F12-827D-4F26-B22A-41E76BCC7616}"/>
               </a:ext>
             </a:extLst>
           </p:cNvPr>
@@ -5193,253 +5005,252 @@
           <a:bodyPr/>
           <a:lstStyle/>
           <a:p>
-            <a:endParaRPr lang="en-CN"/>
-          </a:p>
-        </p:txBody>
-      </p:sp>
-      <p:sp>
-        <p:nvSpPr>
-          <p:cNvPr id="6" name="TextBox 5">
+            <a:endParaRPr lang="en-US"/>
+          </a:p>
+        </p:txBody>
+      </p:sp>
+      <p:sp>
+        <p:nvSpPr>
+          <p:cNvPr id="4" name="矩形 3">
             <a:extLst>
               <a:ext uri="{FF2B5EF4-FFF2-40B4-BE49-F238E27FC236}">
-                <a16:creationId xmlns:a16="http://schemas.microsoft.com/office/drawing/2014/main" id="{3E0AB039-EA0E-C64F-BD68-3B94DFE6CD3F}"/>
+                <a16:creationId xmlns:a16="http://schemas.microsoft.com/office/drawing/2014/main" id="{8D23002C-FDF4-478F-AD52-73A9CD89A473}"/>
               </a:ext>
             </a:extLst>
           </p:cNvPr>
-          <p:cNvSpPr txBox="1"/>
+          <p:cNvSpPr/>
           <p:nvPr/>
         </p:nvSpPr>
         <p:spPr>
           <a:xfrm>
-            <a:off x="755576" y="915566"/>
-            <a:ext cx="7864653" cy="3970318"/>
+            <a:off x="2282102" y="1948488"/>
+            <a:ext cx="619080" cy="523220"/>
           </a:xfrm>
           <a:prstGeom prst="rect">
             <a:avLst/>
           </a:prstGeom>
-          <a:noFill/>
+          <a:solidFill>
+            <a:schemeClr val="accent6"/>
+          </a:solidFill>
         </p:spPr>
         <p:txBody>
-          <a:bodyPr wrap="none" rtlCol="0">
+          <a:bodyPr wrap="none">
             <a:spAutoFit/>
           </a:bodyPr>
           <a:lstStyle/>
           <a:p>
             <a:r>
-              <a:rPr lang="en-US" dirty="0"/>
-              <a:t>.NET </a:t>
-            </a:r>
-            <a:r>
-              <a:rPr lang="zh-CN" altLang="en-US" dirty="0"/>
-              <a:t>支持依赖关系注入 </a:t>
-            </a:r>
-            <a:r>
-              <a:rPr lang="en-US" altLang="zh-CN" dirty="0"/>
-              <a:t>(</a:t>
-            </a:r>
-            <a:r>
-              <a:rPr lang="en-US" dirty="0"/>
-              <a:t>DI) </a:t>
-            </a:r>
-            <a:r>
-              <a:rPr lang="zh-CN" altLang="en-US" dirty="0"/>
-              <a:t>软件设计模式，这是一种在类及其依赖项之间</a:t>
-            </a:r>
-            <a:endParaRPr lang="en-US" altLang="zh-CN" dirty="0"/>
-          </a:p>
-          <a:p>
-            <a:r>
-              <a:rPr lang="zh-CN" altLang="en-US" dirty="0"/>
-              <a:t>实现控制反转 </a:t>
-            </a:r>
-            <a:r>
-              <a:rPr lang="en-US" altLang="zh-CN" dirty="0"/>
-              <a:t>(</a:t>
-            </a:r>
-            <a:r>
-              <a:rPr lang="en-US" dirty="0" err="1"/>
-              <a:t>IoC</a:t>
-            </a:r>
-            <a:r>
-              <a:rPr lang="en-US" dirty="0"/>
-              <a:t>) </a:t>
-            </a:r>
-            <a:r>
-              <a:rPr lang="zh-CN" altLang="en-US" dirty="0"/>
-              <a:t>的技术。 </a:t>
-            </a:r>
-            <a:r>
-              <a:rPr lang="en-US" altLang="zh-CN" dirty="0"/>
-              <a:t>.</a:t>
-            </a:r>
-            <a:r>
-              <a:rPr lang="en-US" dirty="0"/>
-              <a:t>NET </a:t>
-            </a:r>
-            <a:r>
-              <a:rPr lang="zh-CN" altLang="en-US" dirty="0"/>
-              <a:t>中的依赖关系注入是“一等公民”，</a:t>
-            </a:r>
-            <a:endParaRPr lang="en-US" altLang="zh-CN" dirty="0"/>
-          </a:p>
-          <a:p>
-            <a:r>
-              <a:rPr lang="zh-CN" altLang="en-US" dirty="0"/>
-              <a:t>提供配置、日志记录和选项模式。</a:t>
-            </a:r>
-            <a:endParaRPr lang="en-US" altLang="zh-CN" dirty="0"/>
-          </a:p>
-          <a:p>
-            <a:r>
-              <a:rPr lang="en-US" altLang="zh-CN" dirty="0"/>
-              <a:t>.NET supports the </a:t>
-            </a:r>
-            <a:r>
-              <a:rPr lang="en-US" altLang="zh-CN" dirty="0">
-                <a:solidFill>
-                  <a:srgbClr val="FF0000"/>
-                </a:solidFill>
-              </a:rPr>
-              <a:t>dependency injection </a:t>
-            </a:r>
-            <a:r>
-              <a:rPr lang="en-US" altLang="zh-CN" dirty="0"/>
-              <a:t>(DI) software design pattern,</a:t>
-            </a:r>
-          </a:p>
-          <a:p>
-            <a:r>
-              <a:rPr lang="en-US" altLang="zh-CN" dirty="0"/>
-              <a:t> which is a technique for achieving </a:t>
-            </a:r>
-            <a:r>
-              <a:rPr lang="en-US" altLang="zh-CN" dirty="0">
-                <a:solidFill>
-                  <a:srgbClr val="FF0000"/>
-                </a:solidFill>
-              </a:rPr>
-              <a:t>Inversion of Control</a:t>
-            </a:r>
-            <a:r>
-              <a:rPr lang="en-US" altLang="zh-CN" dirty="0"/>
-              <a:t> (IoC) between classes </a:t>
-            </a:r>
-          </a:p>
-          <a:p>
-            <a:r>
-              <a:rPr lang="en-US" altLang="zh-CN" dirty="0"/>
-              <a:t>and their dependencies. </a:t>
-            </a:r>
-            <a:r>
-              <a:rPr lang="en-US" altLang="zh-CN" dirty="0">
-                <a:solidFill>
-                  <a:srgbClr val="FF0000"/>
-                </a:solidFill>
-              </a:rPr>
-              <a:t>Dependency injection in .NET is a first-class citizen</a:t>
-            </a:r>
-            <a:r>
-              <a:rPr lang="en-US" altLang="zh-CN" dirty="0"/>
-              <a:t>, </a:t>
-            </a:r>
-          </a:p>
-          <a:p>
-            <a:r>
-              <a:rPr lang="en-US" altLang="zh-CN" dirty="0">
-                <a:solidFill>
-                  <a:srgbClr val="FF0000"/>
-                </a:solidFill>
-              </a:rPr>
-              <a:t>along with configuration, logging, and the options pattern</a:t>
-            </a:r>
-            <a:r>
-              <a:rPr lang="en-US" altLang="zh-CN" dirty="0"/>
-              <a:t>.</a:t>
-            </a:r>
-          </a:p>
-          <a:p>
-            <a:endParaRPr lang="en-US" altLang="zh-CN" dirty="0"/>
-          </a:p>
-          <a:p>
-            <a:r>
-              <a:rPr lang="en-US" altLang="zh-CN" i="1" dirty="0"/>
-              <a:t>In programming language design, a </a:t>
-            </a:r>
-            <a:r>
-              <a:rPr lang="en-US" altLang="zh-CN" i="1" dirty="0">
-                <a:solidFill>
-                  <a:srgbClr val="FF0000"/>
-                </a:solidFill>
-              </a:rPr>
-              <a:t>first-class citizen</a:t>
-            </a:r>
-            <a:r>
-              <a:rPr lang="en-US" altLang="zh-CN" i="1" dirty="0"/>
+              <a:rPr lang="zh-CN" altLang="en-US" sz="2800" dirty="0">
+                <a:solidFill>
+                  <a:schemeClr val="bg1"/>
+                </a:solidFill>
+                <a:latin typeface="Impact" panose="020B0806030902050204" pitchFamily="34" charset="0"/>
+              </a:rPr>
               <a:t> </a:t>
             </a:r>
-          </a:p>
-          <a:p>
-            <a:r>
-              <a:rPr lang="en-US" altLang="zh-CN" i="1" dirty="0"/>
-              <a:t>(</a:t>
-            </a:r>
-            <a:r>
-              <a:rPr lang="en-US" altLang="zh-CN" i="1" dirty="0">
-                <a:solidFill>
-                  <a:srgbClr val="FF0000"/>
-                </a:solidFill>
-              </a:rPr>
-              <a:t>also type, object, entity, or value</a:t>
-            </a:r>
-            <a:r>
-              <a:rPr lang="en-US" altLang="zh-CN" i="1" dirty="0"/>
-              <a:t>) in a given programming language </a:t>
-            </a:r>
-          </a:p>
-          <a:p>
-            <a:r>
-              <a:rPr lang="en-US" altLang="zh-CN" i="1" dirty="0"/>
-              <a:t>is an entity which supports all the operations generally available to other entities. </a:t>
-            </a:r>
-          </a:p>
-          <a:p>
-            <a:r>
-              <a:rPr lang="en-US" altLang="zh-CN" i="1" dirty="0"/>
-              <a:t>These operations typically include being </a:t>
-            </a:r>
-            <a:r>
-              <a:rPr lang="en-US" altLang="zh-CN" i="1" dirty="0">
-                <a:solidFill>
-                  <a:srgbClr val="FF0000"/>
-                </a:solidFill>
-              </a:rPr>
-              <a:t>passed as an argument, </a:t>
-            </a:r>
-          </a:p>
-          <a:p>
-            <a:r>
-              <a:rPr lang="en-US" altLang="zh-CN" i="1" dirty="0">
-                <a:solidFill>
-                  <a:srgbClr val="FF0000"/>
-                </a:solidFill>
-              </a:rPr>
-              <a:t>returned from a function, modified, and assigned to a variable</a:t>
-            </a:r>
-            <a:r>
-              <a:rPr lang="en-US" altLang="zh-CN" i="1" dirty="0"/>
-              <a:t>.</a:t>
-            </a:r>
-            <a:endParaRPr lang="zh-CN" altLang="en-US" i="1" dirty="0"/>
-          </a:p>
-          <a:p>
-            <a:endParaRPr lang="en-CN" dirty="0"/>
+            <a:r>
+              <a:rPr lang="en-US" altLang="zh-CN" sz="2800" dirty="0">
+                <a:solidFill>
+                  <a:schemeClr val="bg1"/>
+                </a:solidFill>
+                <a:latin typeface="Impact" panose="020B0806030902050204" pitchFamily="34" charset="0"/>
+              </a:rPr>
+              <a:t>02</a:t>
+            </a:r>
+          </a:p>
+        </p:txBody>
+      </p:sp>
+      <p:sp>
+        <p:nvSpPr>
+          <p:cNvPr id="5" name="TextBox 4">
+            <a:extLst>
+              <a:ext uri="{FF2B5EF4-FFF2-40B4-BE49-F238E27FC236}">
+                <a16:creationId xmlns:a16="http://schemas.microsoft.com/office/drawing/2014/main" id="{B400B9AB-C0F2-4C52-84F8-857D8EC72C00}"/>
+              </a:ext>
+            </a:extLst>
+          </p:cNvPr>
+          <p:cNvSpPr txBox="1">
+            <a:spLocks noChangeArrowheads="1"/>
+          </p:cNvSpPr>
+          <p:nvPr/>
+        </p:nvSpPr>
+        <p:spPr bwMode="auto">
+          <a:xfrm>
+            <a:off x="3005875" y="2011635"/>
+            <a:ext cx="3495039" cy="417871"/>
+          </a:xfrm>
+          <a:prstGeom prst="rect">
+            <a:avLst/>
+          </a:prstGeom>
+          <a:solidFill>
+            <a:schemeClr val="accent6"/>
+          </a:solidFill>
+          <a:ln>
+            <a:noFill/>
+          </a:ln>
+        </p:spPr>
+        <p:txBody>
+          <a:bodyPr wrap="square">
+            <a:spAutoFit/>
+          </a:bodyPr>
+          <a:lstStyle>
+            <a:lvl1pPr eaLnBrk="0" hangingPunct="0">
+              <a:defRPr sz="1600">
+                <a:solidFill>
+                  <a:schemeClr val="tx1"/>
+                </a:solidFill>
+                <a:latin typeface="Arial" panose="020B0604020202020204" pitchFamily="34" charset="0"/>
+              </a:defRPr>
+            </a:lvl1pPr>
+            <a:lvl2pPr marL="742950" indent="-285750" eaLnBrk="0" hangingPunct="0">
+              <a:defRPr sz="1600">
+                <a:solidFill>
+                  <a:schemeClr val="tx1"/>
+                </a:solidFill>
+                <a:latin typeface="Arial" panose="020B0604020202020204" pitchFamily="34" charset="0"/>
+              </a:defRPr>
+            </a:lvl2pPr>
+            <a:lvl3pPr marL="1143000" indent="-228600" eaLnBrk="0" hangingPunct="0">
+              <a:defRPr sz="1600">
+                <a:solidFill>
+                  <a:schemeClr val="tx1"/>
+                </a:solidFill>
+                <a:latin typeface="Arial" panose="020B0604020202020204" pitchFamily="34" charset="0"/>
+              </a:defRPr>
+            </a:lvl3pPr>
+            <a:lvl4pPr marL="1600200" indent="-228600" eaLnBrk="0" hangingPunct="0">
+              <a:defRPr sz="1600">
+                <a:solidFill>
+                  <a:schemeClr val="tx1"/>
+                </a:solidFill>
+                <a:latin typeface="Arial" panose="020B0604020202020204" pitchFamily="34" charset="0"/>
+              </a:defRPr>
+            </a:lvl4pPr>
+            <a:lvl5pPr marL="2057400" indent="-228600" eaLnBrk="0" hangingPunct="0">
+              <a:defRPr sz="1600">
+                <a:solidFill>
+                  <a:schemeClr val="tx1"/>
+                </a:solidFill>
+                <a:latin typeface="Arial" panose="020B0604020202020204" pitchFamily="34" charset="0"/>
+              </a:defRPr>
+            </a:lvl5pPr>
+            <a:lvl6pPr marL="2514600" indent="-228600" eaLnBrk="0" fontAlgn="base" hangingPunct="0">
+              <a:spcBef>
+                <a:spcPct val="0"/>
+              </a:spcBef>
+              <a:spcAft>
+                <a:spcPct val="0"/>
+              </a:spcAft>
+              <a:defRPr sz="1600">
+                <a:solidFill>
+                  <a:schemeClr val="tx1"/>
+                </a:solidFill>
+                <a:latin typeface="Arial" panose="020B0604020202020204" pitchFamily="34" charset="0"/>
+              </a:defRPr>
+            </a:lvl6pPr>
+            <a:lvl7pPr marL="2971800" indent="-228600" eaLnBrk="0" fontAlgn="base" hangingPunct="0">
+              <a:spcBef>
+                <a:spcPct val="0"/>
+              </a:spcBef>
+              <a:spcAft>
+                <a:spcPct val="0"/>
+              </a:spcAft>
+              <a:defRPr sz="1600">
+                <a:solidFill>
+                  <a:schemeClr val="tx1"/>
+                </a:solidFill>
+                <a:latin typeface="Arial" panose="020B0604020202020204" pitchFamily="34" charset="0"/>
+              </a:defRPr>
+            </a:lvl7pPr>
+            <a:lvl8pPr marL="3429000" indent="-228600" eaLnBrk="0" fontAlgn="base" hangingPunct="0">
+              <a:spcBef>
+                <a:spcPct val="0"/>
+              </a:spcBef>
+              <a:spcAft>
+                <a:spcPct val="0"/>
+              </a:spcAft>
+              <a:defRPr sz="1600">
+                <a:solidFill>
+                  <a:schemeClr val="tx1"/>
+                </a:solidFill>
+                <a:latin typeface="Arial" panose="020B0604020202020204" pitchFamily="34" charset="0"/>
+              </a:defRPr>
+            </a:lvl8pPr>
+            <a:lvl9pPr marL="3886200" indent="-228600" eaLnBrk="0" fontAlgn="base" hangingPunct="0">
+              <a:spcBef>
+                <a:spcPct val="0"/>
+              </a:spcBef>
+              <a:spcAft>
+                <a:spcPct val="0"/>
+              </a:spcAft>
+              <a:defRPr sz="1600">
+                <a:solidFill>
+                  <a:schemeClr val="tx1"/>
+                </a:solidFill>
+                <a:latin typeface="Arial" panose="020B0604020202020204" pitchFamily="34" charset="0"/>
+              </a:defRPr>
+            </a:lvl9pPr>
+          </a:lstStyle>
+          <a:p>
+            <a:pPr algn="ctr" eaLnBrk="1" hangingPunct="1">
+              <a:lnSpc>
+                <a:spcPct val="150000"/>
+              </a:lnSpc>
+            </a:pPr>
+            <a:r>
+              <a:rPr lang="en-US" altLang="zh-CN" b="1" dirty="0">
+                <a:solidFill>
+                  <a:schemeClr val="bg1"/>
+                </a:solidFill>
+                <a:latin typeface="Franklin Gothic Book" panose="020B0503020102020204" pitchFamily="34" charset="0"/>
+                <a:ea typeface="微软雅黑" panose="020B0503020204020204" pitchFamily="34" charset="-122"/>
+              </a:rPr>
+              <a:t>.NET</a:t>
+            </a:r>
+            <a:r>
+              <a:rPr lang="zh-CN" altLang="en-US" b="1" dirty="0">
+                <a:solidFill>
+                  <a:schemeClr val="bg1"/>
+                </a:solidFill>
+                <a:latin typeface="Franklin Gothic Book" panose="020B0503020102020204" pitchFamily="34" charset="0"/>
+                <a:ea typeface="微软雅黑" panose="020B0503020204020204" pitchFamily="34" charset="-122"/>
+              </a:rPr>
+              <a:t>中的实现</a:t>
+            </a:r>
+            <a:r>
+              <a:rPr lang="en-US" altLang="zh-CN" b="1" dirty="0">
+                <a:solidFill>
+                  <a:schemeClr val="bg1"/>
+                </a:solidFill>
+                <a:latin typeface="Franklin Gothic Book" panose="020B0503020102020204" pitchFamily="34" charset="0"/>
+                <a:ea typeface="微软雅黑" panose="020B0503020204020204" pitchFamily="34" charset="-122"/>
+              </a:rPr>
+              <a:t>-</a:t>
+            </a:r>
+            <a:r>
+              <a:rPr lang="zh-CN" altLang="en-US" b="1" dirty="0">
+                <a:solidFill>
+                  <a:schemeClr val="bg1"/>
+                </a:solidFill>
+                <a:latin typeface="Franklin Gothic Book" panose="020B0503020102020204" pitchFamily="34" charset="0"/>
+                <a:ea typeface="微软雅黑" panose="020B0503020204020204" pitchFamily="34" charset="-122"/>
+              </a:rPr>
+              <a:t>依赖注入</a:t>
+            </a:r>
+            <a:endParaRPr lang="zh-CN" b="1" dirty="0">
+              <a:solidFill>
+                <a:schemeClr val="bg1"/>
+              </a:solidFill>
+              <a:latin typeface="Franklin Gothic Book" panose="020B0503020102020204" pitchFamily="34" charset="0"/>
+              <a:ea typeface="微软雅黑" panose="020B0503020204020204" pitchFamily="34" charset="-122"/>
+            </a:endParaRPr>
           </a:p>
         </p:txBody>
       </p:sp>
     </p:spTree>
     <p:extLst>
       <p:ext uri="{BB962C8B-B14F-4D97-AF65-F5344CB8AC3E}">
-        <p14:creationId xmlns:p14="http://schemas.microsoft.com/office/powerpoint/2010/main" val="2608570682"/>
+        <p14:creationId xmlns:p14="http://schemas.microsoft.com/office/powerpoint/2010/main" val="4116736775"/>
       </p:ext>
     </p:extLst>
   </p:cSld>
@@ -5468,6 +5279,333 @@
       </p:grpSpPr>
       <p:sp>
         <p:nvSpPr>
+          <p:cNvPr id="2" name="Text Placeholder 1">
+            <a:extLst>
+              <a:ext uri="{FF2B5EF4-FFF2-40B4-BE49-F238E27FC236}">
+                <a16:creationId xmlns:a16="http://schemas.microsoft.com/office/drawing/2014/main" id="{4FBA5D8A-14E4-F54F-B69A-92795C69AE29}"/>
+              </a:ext>
+            </a:extLst>
+          </p:cNvPr>
+          <p:cNvSpPr>
+            <a:spLocks noGrp="1"/>
+          </p:cNvSpPr>
+          <p:nvPr>
+            <p:ph type="body" sz="quarter" idx="11"/>
+          </p:nvPr>
+        </p:nvSpPr>
+        <p:spPr/>
+        <p:txBody>
+          <a:bodyPr/>
+          <a:lstStyle/>
+          <a:p>
+            <a:r>
+              <a:rPr lang="en-US" altLang="zh-CN" dirty="0"/>
+              <a:t>.NET</a:t>
+            </a:r>
+            <a:r>
+              <a:rPr lang="zh-CN" altLang="en-US" dirty="0"/>
+              <a:t>中的实现</a:t>
+            </a:r>
+            <a:endParaRPr lang="en-CN" dirty="0"/>
+          </a:p>
+        </p:txBody>
+      </p:sp>
+      <p:sp>
+        <p:nvSpPr>
+          <p:cNvPr id="3" name="Text Placeholder 2">
+            <a:extLst>
+              <a:ext uri="{FF2B5EF4-FFF2-40B4-BE49-F238E27FC236}">
+                <a16:creationId xmlns:a16="http://schemas.microsoft.com/office/drawing/2014/main" id="{ED19B96F-9F5C-CE4A-9A3D-9BE5872F752C}"/>
+              </a:ext>
+            </a:extLst>
+          </p:cNvPr>
+          <p:cNvSpPr>
+            <a:spLocks noGrp="1"/>
+          </p:cNvSpPr>
+          <p:nvPr>
+            <p:ph type="body" sz="quarter" idx="12"/>
+          </p:nvPr>
+        </p:nvSpPr>
+        <p:spPr/>
+        <p:txBody>
+          <a:bodyPr/>
+          <a:lstStyle/>
+          <a:p>
+            <a:endParaRPr lang="en-CN"/>
+          </a:p>
+        </p:txBody>
+      </p:sp>
+      <p:sp>
+        <p:nvSpPr>
+          <p:cNvPr id="6" name="TextBox 5">
+            <a:extLst>
+              <a:ext uri="{FF2B5EF4-FFF2-40B4-BE49-F238E27FC236}">
+                <a16:creationId xmlns:a16="http://schemas.microsoft.com/office/drawing/2014/main" id="{3E0AB039-EA0E-C64F-BD68-3B94DFE6CD3F}"/>
+              </a:ext>
+            </a:extLst>
+          </p:cNvPr>
+          <p:cNvSpPr txBox="1"/>
+          <p:nvPr/>
+        </p:nvSpPr>
+        <p:spPr>
+          <a:xfrm>
+            <a:off x="755576" y="915566"/>
+            <a:ext cx="7864653" cy="3970318"/>
+          </a:xfrm>
+          <a:prstGeom prst="rect">
+            <a:avLst/>
+          </a:prstGeom>
+          <a:noFill/>
+        </p:spPr>
+        <p:txBody>
+          <a:bodyPr wrap="none" rtlCol="0">
+            <a:spAutoFit/>
+          </a:bodyPr>
+          <a:lstStyle/>
+          <a:p>
+            <a:r>
+              <a:rPr lang="en-US" dirty="0"/>
+              <a:t>.NET </a:t>
+            </a:r>
+            <a:r>
+              <a:rPr lang="zh-CN" altLang="en-US" dirty="0"/>
+              <a:t>支持依赖关系注入 </a:t>
+            </a:r>
+            <a:r>
+              <a:rPr lang="en-US" altLang="zh-CN" dirty="0"/>
+              <a:t>(</a:t>
+            </a:r>
+            <a:r>
+              <a:rPr lang="en-US" dirty="0"/>
+              <a:t>DI) </a:t>
+            </a:r>
+            <a:r>
+              <a:rPr lang="zh-CN" altLang="en-US" dirty="0"/>
+              <a:t>软件设计模式，这是一种在类及其依赖项之间</a:t>
+            </a:r>
+            <a:endParaRPr lang="en-US" altLang="zh-CN" dirty="0"/>
+          </a:p>
+          <a:p>
+            <a:r>
+              <a:rPr lang="zh-CN" altLang="en-US" dirty="0"/>
+              <a:t>实现控制反转 </a:t>
+            </a:r>
+            <a:r>
+              <a:rPr lang="en-US" altLang="zh-CN" dirty="0"/>
+              <a:t>(</a:t>
+            </a:r>
+            <a:r>
+              <a:rPr lang="en-US" dirty="0" err="1"/>
+              <a:t>IoC</a:t>
+            </a:r>
+            <a:r>
+              <a:rPr lang="en-US" dirty="0"/>
+              <a:t>) </a:t>
+            </a:r>
+            <a:r>
+              <a:rPr lang="zh-CN" altLang="en-US" dirty="0"/>
+              <a:t>的技术。 </a:t>
+            </a:r>
+            <a:r>
+              <a:rPr lang="en-US" altLang="zh-CN" dirty="0"/>
+              <a:t>.</a:t>
+            </a:r>
+            <a:r>
+              <a:rPr lang="en-US" dirty="0"/>
+              <a:t>NET </a:t>
+            </a:r>
+            <a:r>
+              <a:rPr lang="zh-CN" altLang="en-US" dirty="0"/>
+              <a:t>中的依赖关系注入是“一等公民”，</a:t>
+            </a:r>
+            <a:endParaRPr lang="en-US" altLang="zh-CN" dirty="0"/>
+          </a:p>
+          <a:p>
+            <a:r>
+              <a:rPr lang="zh-CN" altLang="en-US" dirty="0"/>
+              <a:t>提供配置、日志记录和选项模式。</a:t>
+            </a:r>
+            <a:endParaRPr lang="en-US" altLang="zh-CN" dirty="0"/>
+          </a:p>
+          <a:p>
+            <a:r>
+              <a:rPr lang="en-US" altLang="zh-CN" dirty="0"/>
+              <a:t>.NET supports the </a:t>
+            </a:r>
+            <a:r>
+              <a:rPr lang="en-US" altLang="zh-CN" dirty="0">
+                <a:solidFill>
+                  <a:srgbClr val="FF0000"/>
+                </a:solidFill>
+              </a:rPr>
+              <a:t>dependency injection </a:t>
+            </a:r>
+            <a:r>
+              <a:rPr lang="en-US" altLang="zh-CN" dirty="0"/>
+              <a:t>(DI) software design pattern,</a:t>
+            </a:r>
+          </a:p>
+          <a:p>
+            <a:r>
+              <a:rPr lang="en-US" altLang="zh-CN" dirty="0"/>
+              <a:t> which is a technique for achieving </a:t>
+            </a:r>
+            <a:r>
+              <a:rPr lang="en-US" altLang="zh-CN" dirty="0">
+                <a:solidFill>
+                  <a:srgbClr val="FF0000"/>
+                </a:solidFill>
+              </a:rPr>
+              <a:t>Inversion of Control</a:t>
+            </a:r>
+            <a:r>
+              <a:rPr lang="en-US" altLang="zh-CN" dirty="0"/>
+              <a:t> (IoC) between classes </a:t>
+            </a:r>
+          </a:p>
+          <a:p>
+            <a:r>
+              <a:rPr lang="en-US" altLang="zh-CN" dirty="0"/>
+              <a:t>and their dependencies. </a:t>
+            </a:r>
+            <a:r>
+              <a:rPr lang="en-US" altLang="zh-CN" dirty="0">
+                <a:solidFill>
+                  <a:srgbClr val="FF0000"/>
+                </a:solidFill>
+              </a:rPr>
+              <a:t>Dependency injection in .NET is a first-class citizen</a:t>
+            </a:r>
+            <a:r>
+              <a:rPr lang="en-US" altLang="zh-CN" dirty="0"/>
+              <a:t>, </a:t>
+            </a:r>
+          </a:p>
+          <a:p>
+            <a:r>
+              <a:rPr lang="en-US" altLang="zh-CN" dirty="0">
+                <a:solidFill>
+                  <a:srgbClr val="FF0000"/>
+                </a:solidFill>
+              </a:rPr>
+              <a:t>along with configuration, logging, and the options pattern</a:t>
+            </a:r>
+            <a:r>
+              <a:rPr lang="en-US" altLang="zh-CN" dirty="0"/>
+              <a:t>.</a:t>
+            </a:r>
+          </a:p>
+          <a:p>
+            <a:endParaRPr lang="en-US" altLang="zh-CN" dirty="0"/>
+          </a:p>
+          <a:p>
+            <a:r>
+              <a:rPr lang="en-US" altLang="zh-CN" i="1" dirty="0"/>
+              <a:t>In programming language design, a </a:t>
+            </a:r>
+            <a:r>
+              <a:rPr lang="en-US" altLang="zh-CN" i="1" dirty="0">
+                <a:solidFill>
+                  <a:srgbClr val="FF0000"/>
+                </a:solidFill>
+              </a:rPr>
+              <a:t>first-class citizen</a:t>
+            </a:r>
+            <a:r>
+              <a:rPr lang="en-US" altLang="zh-CN" i="1" dirty="0"/>
+              <a:t> </a:t>
+            </a:r>
+          </a:p>
+          <a:p>
+            <a:r>
+              <a:rPr lang="en-US" altLang="zh-CN" i="1" dirty="0"/>
+              <a:t>(</a:t>
+            </a:r>
+            <a:r>
+              <a:rPr lang="en-US" altLang="zh-CN" i="1" dirty="0">
+                <a:solidFill>
+                  <a:srgbClr val="FF0000"/>
+                </a:solidFill>
+              </a:rPr>
+              <a:t>also type, object, entity, or value</a:t>
+            </a:r>
+            <a:r>
+              <a:rPr lang="en-US" altLang="zh-CN" i="1" dirty="0"/>
+              <a:t>) in a given programming language </a:t>
+            </a:r>
+          </a:p>
+          <a:p>
+            <a:r>
+              <a:rPr lang="en-US" altLang="zh-CN" i="1" dirty="0"/>
+              <a:t>is an entity which supports all the operations generally available to other entities. </a:t>
+            </a:r>
+          </a:p>
+          <a:p>
+            <a:r>
+              <a:rPr lang="en-US" altLang="zh-CN" i="1" dirty="0"/>
+              <a:t>These operations typically include being </a:t>
+            </a:r>
+            <a:r>
+              <a:rPr lang="en-US" altLang="zh-CN" i="1" dirty="0">
+                <a:solidFill>
+                  <a:srgbClr val="FF0000"/>
+                </a:solidFill>
+              </a:rPr>
+              <a:t>passed as an argument, </a:t>
+            </a:r>
+          </a:p>
+          <a:p>
+            <a:r>
+              <a:rPr lang="en-US" altLang="zh-CN" i="1" dirty="0">
+                <a:solidFill>
+                  <a:srgbClr val="FF0000"/>
+                </a:solidFill>
+              </a:rPr>
+              <a:t>returned from a function, modified, and assigned to a variable</a:t>
+            </a:r>
+            <a:r>
+              <a:rPr lang="en-US" altLang="zh-CN" i="1" dirty="0"/>
+              <a:t>.</a:t>
+            </a:r>
+            <a:endParaRPr lang="zh-CN" altLang="en-US" i="1" dirty="0"/>
+          </a:p>
+          <a:p>
+            <a:endParaRPr lang="en-CN" dirty="0"/>
+          </a:p>
+        </p:txBody>
+      </p:sp>
+    </p:spTree>
+    <p:extLst>
+      <p:ext uri="{BB962C8B-B14F-4D97-AF65-F5344CB8AC3E}">
+        <p14:creationId xmlns:p14="http://schemas.microsoft.com/office/powerpoint/2010/main" val="2608570682"/>
+      </p:ext>
+    </p:extLst>
+  </p:cSld>
+  <p:clrMapOvr>
+    <a:masterClrMapping/>
+  </p:clrMapOvr>
+</p:sld>
+</file>
+
+<file path=ppt/slides/slide17.xml><?xml version="1.0" encoding="utf-8"?>
+<p:sld xmlns:a="http://schemas.openxmlformats.org/drawingml/2006/main" xmlns:r="http://schemas.openxmlformats.org/officeDocument/2006/relationships" xmlns:p="http://schemas.openxmlformats.org/presentationml/2006/main">
+  <p:cSld>
+    <p:spTree>
+      <p:nvGrpSpPr>
+        <p:cNvPr id="1" name=""/>
+        <p:cNvGrpSpPr/>
+        <p:nvPr/>
+      </p:nvGrpSpPr>
+      <p:grpSpPr>
+        <a:xfrm>
+          <a:off x="0" y="0"/>
+          <a:ext cx="0" cy="0"/>
+          <a:chOff x="0" y="0"/>
+          <a:chExt cx="0" cy="0"/>
+        </a:xfrm>
+      </p:grpSpPr>
+      <p:sp>
+        <p:nvSpPr>
           <p:cNvPr id="2" name="文本占位符 1">
             <a:extLst>
               <a:ext uri="{FF2B5EF4-FFF2-40B4-BE49-F238E27FC236}">
@@ -5820,7 +5958,7 @@
 </p:sld>
 </file>
 
-<file path=ppt/slides/slide17.xml><?xml version="1.0" encoding="utf-8"?>
+<file path=ppt/slides/slide18.xml><?xml version="1.0" encoding="utf-8"?>
 <p:sld xmlns:a="http://schemas.openxmlformats.org/drawingml/2006/main" xmlns:r="http://schemas.openxmlformats.org/officeDocument/2006/relationships" xmlns:p="http://schemas.openxmlformats.org/presentationml/2006/main">
   <p:cSld>
     <p:spTree>
@@ -5968,7 +6106,7 @@
 </p:sld>
 </file>
 
-<file path=ppt/slides/slide18.xml><?xml version="1.0" encoding="utf-8"?>
+<file path=ppt/slides/slide19.xml><?xml version="1.0" encoding="utf-8"?>
 <p:sld xmlns:a="http://schemas.openxmlformats.org/drawingml/2006/main" xmlns:r="http://schemas.openxmlformats.org/officeDocument/2006/relationships" xmlns:p="http://schemas.openxmlformats.org/presentationml/2006/main">
   <p:cSld>
     <p:spTree>
@@ -6077,129 +6215,6 @@
     <p:extLst>
       <p:ext uri="{BB962C8B-B14F-4D97-AF65-F5344CB8AC3E}">
         <p14:creationId xmlns:p14="http://schemas.microsoft.com/office/powerpoint/2010/main" val="2290165615"/>
-      </p:ext>
-    </p:extLst>
-  </p:cSld>
-  <p:clrMapOvr>
-    <a:masterClrMapping/>
-  </p:clrMapOvr>
-</p:sld>
-</file>
-
-<file path=ppt/slides/slide19.xml><?xml version="1.0" encoding="utf-8"?>
-<p:sld xmlns:a="http://schemas.openxmlformats.org/drawingml/2006/main" xmlns:r="http://schemas.openxmlformats.org/officeDocument/2006/relationships" xmlns:p="http://schemas.openxmlformats.org/presentationml/2006/main">
-  <p:cSld>
-    <p:spTree>
-      <p:nvGrpSpPr>
-        <p:cNvPr id="1" name=""/>
-        <p:cNvGrpSpPr/>
-        <p:nvPr/>
-      </p:nvGrpSpPr>
-      <p:grpSpPr>
-        <a:xfrm>
-          <a:off x="0" y="0"/>
-          <a:ext cx="0" cy="0"/>
-          <a:chOff x="0" y="0"/>
-          <a:chExt cx="0" cy="0"/>
-        </a:xfrm>
-      </p:grpSpPr>
-      <p:sp>
-        <p:nvSpPr>
-          <p:cNvPr id="2" name="文本占位符 1">
-            <a:extLst>
-              <a:ext uri="{FF2B5EF4-FFF2-40B4-BE49-F238E27FC236}">
-                <a16:creationId xmlns:a16="http://schemas.microsoft.com/office/drawing/2014/main" id="{919B4760-85B8-4198-B45E-062A1A253CDC}"/>
-              </a:ext>
-            </a:extLst>
-          </p:cNvPr>
-          <p:cNvSpPr>
-            <a:spLocks noGrp="1"/>
-          </p:cNvSpPr>
-          <p:nvPr>
-            <p:ph type="body" sz="quarter" idx="11"/>
-          </p:nvPr>
-        </p:nvSpPr>
-        <p:spPr>
-          <a:xfrm>
-            <a:off x="549076" y="224061"/>
-            <a:ext cx="2870795" cy="287412"/>
-          </a:xfrm>
-        </p:spPr>
-        <p:txBody>
-          <a:bodyPr/>
-          <a:lstStyle/>
-          <a:p>
-            <a:r>
-              <a:rPr lang="en-US" altLang="zh-CN" dirty="0"/>
-              <a:t>.NET</a:t>
-            </a:r>
-            <a:r>
-              <a:rPr lang="zh-CN" altLang="en-US" dirty="0"/>
-              <a:t>中的实现</a:t>
-            </a:r>
-            <a:endParaRPr lang="en-CN" dirty="0"/>
-          </a:p>
-        </p:txBody>
-      </p:sp>
-      <p:sp>
-        <p:nvSpPr>
-          <p:cNvPr id="3" name="文本占位符 2">
-            <a:extLst>
-              <a:ext uri="{FF2B5EF4-FFF2-40B4-BE49-F238E27FC236}">
-                <a16:creationId xmlns:a16="http://schemas.microsoft.com/office/drawing/2014/main" id="{16EF6AC7-7858-45D2-B214-D8B2BAACB36A}"/>
-              </a:ext>
-            </a:extLst>
-          </p:cNvPr>
-          <p:cNvSpPr>
-            <a:spLocks noGrp="1"/>
-          </p:cNvSpPr>
-          <p:nvPr>
-            <p:ph type="body" sz="quarter" idx="12"/>
-          </p:nvPr>
-        </p:nvSpPr>
-        <p:spPr/>
-        <p:txBody>
-          <a:bodyPr/>
-          <a:lstStyle/>
-          <a:p>
-            <a:endParaRPr lang="en-US"/>
-          </a:p>
-        </p:txBody>
-      </p:sp>
-      <p:pic>
-        <p:nvPicPr>
-          <p:cNvPr id="5" name="图片 4">
-            <a:extLst>
-              <a:ext uri="{FF2B5EF4-FFF2-40B4-BE49-F238E27FC236}">
-                <a16:creationId xmlns:a16="http://schemas.microsoft.com/office/drawing/2014/main" id="{1204D16F-E091-4D81-81E3-5CF905B33BC8}"/>
-              </a:ext>
-            </a:extLst>
-          </p:cNvPr>
-          <p:cNvPicPr>
-            <a:picLocks noChangeAspect="1"/>
-          </p:cNvPicPr>
-          <p:nvPr/>
-        </p:nvPicPr>
-        <p:blipFill>
-          <a:blip r:embed="rId2"/>
-          <a:stretch>
-            <a:fillRect/>
-          </a:stretch>
-        </p:blipFill>
-        <p:spPr>
-          <a:xfrm>
-            <a:off x="1115616" y="986229"/>
-            <a:ext cx="7471991" cy="3169697"/>
-          </a:xfrm>
-          <a:prstGeom prst="rect">
-            <a:avLst/>
-          </a:prstGeom>
-        </p:spPr>
-      </p:pic>
-    </p:spTree>
-    <p:extLst>
-      <p:ext uri="{BB962C8B-B14F-4D97-AF65-F5344CB8AC3E}">
-        <p14:creationId xmlns:p14="http://schemas.microsoft.com/office/powerpoint/2010/main" val="3052490176"/>
       </p:ext>
     </p:extLst>
   </p:cSld>
@@ -7053,10 +7068,10 @@
       </p:grpSpPr>
       <p:sp>
         <p:nvSpPr>
-          <p:cNvPr id="2" name="Text Placeholder 1">
+          <p:cNvPr id="2" name="文本占位符 1">
             <a:extLst>
               <a:ext uri="{FF2B5EF4-FFF2-40B4-BE49-F238E27FC236}">
-                <a16:creationId xmlns:a16="http://schemas.microsoft.com/office/drawing/2014/main" id="{CB04C0FF-D122-2E40-B362-B94087948D0D}"/>
+                <a16:creationId xmlns:a16="http://schemas.microsoft.com/office/drawing/2014/main" id="{919B4760-85B8-4198-B45E-062A1A253CDC}"/>
               </a:ext>
             </a:extLst>
           </p:cNvPr>
@@ -7067,7 +7082,12 @@
             <p:ph type="body" sz="quarter" idx="11"/>
           </p:nvPr>
         </p:nvSpPr>
-        <p:spPr/>
+        <p:spPr>
+          <a:xfrm>
+            <a:off x="549076" y="224061"/>
+            <a:ext cx="2870795" cy="287412"/>
+          </a:xfrm>
+        </p:spPr>
         <p:txBody>
           <a:bodyPr/>
           <a:lstStyle/>
@@ -7086,10 +7106,10 @@
       </p:sp>
       <p:sp>
         <p:nvSpPr>
-          <p:cNvPr id="3" name="Text Placeholder 2">
+          <p:cNvPr id="3" name="文本占位符 2">
             <a:extLst>
               <a:ext uri="{FF2B5EF4-FFF2-40B4-BE49-F238E27FC236}">
-                <a16:creationId xmlns:a16="http://schemas.microsoft.com/office/drawing/2014/main" id="{01FBDBAE-8687-D74F-8A7C-04E92822036A}"/>
+                <a16:creationId xmlns:a16="http://schemas.microsoft.com/office/drawing/2014/main" id="{16EF6AC7-7858-45D2-B214-D8B2BAACB36A}"/>
               </a:ext>
             </a:extLst>
           </p:cNvPr>
@@ -7105,128 +7125,44 @@
           <a:bodyPr/>
           <a:lstStyle/>
           <a:p>
-            <a:endParaRPr lang="en-CN"/>
-          </a:p>
-        </p:txBody>
-      </p:sp>
-      <p:sp>
-        <p:nvSpPr>
-          <p:cNvPr id="6" name="Rectangle 5">
+            <a:endParaRPr lang="en-US"/>
+          </a:p>
+        </p:txBody>
+      </p:sp>
+      <p:pic>
+        <p:nvPicPr>
+          <p:cNvPr id="5" name="图片 4">
             <a:extLst>
               <a:ext uri="{FF2B5EF4-FFF2-40B4-BE49-F238E27FC236}">
-                <a16:creationId xmlns:a16="http://schemas.microsoft.com/office/drawing/2014/main" id="{E23D115B-FFC8-A44C-8ED0-BD3332274C31}"/>
+                <a16:creationId xmlns:a16="http://schemas.microsoft.com/office/drawing/2014/main" id="{1204D16F-E091-4D81-81E3-5CF905B33BC8}"/>
               </a:ext>
             </a:extLst>
           </p:cNvPr>
-          <p:cNvSpPr/>
+          <p:cNvPicPr>
+            <a:picLocks noChangeAspect="1"/>
+          </p:cNvPicPr>
           <p:nvPr/>
-        </p:nvSpPr>
+        </p:nvPicPr>
+        <p:blipFill>
+          <a:blip r:embed="rId2"/>
+          <a:stretch>
+            <a:fillRect/>
+          </a:stretch>
+        </p:blipFill>
         <p:spPr>
           <a:xfrm>
-            <a:off x="971600" y="981285"/>
-            <a:ext cx="1592103" cy="369332"/>
+            <a:off x="1115616" y="986229"/>
+            <a:ext cx="7471991" cy="3169697"/>
           </a:xfrm>
           <a:prstGeom prst="rect">
             <a:avLst/>
           </a:prstGeom>
         </p:spPr>
-        <p:txBody>
-          <a:bodyPr wrap="none">
-            <a:spAutoFit/>
-          </a:bodyPr>
-          <a:lstStyle/>
-          <a:p>
-            <a:r>
-              <a:rPr lang="en-CN" dirty="0"/>
-              <a:t>.NET 通用主机</a:t>
-            </a:r>
-          </a:p>
-        </p:txBody>
-      </p:sp>
-      <p:sp>
-        <p:nvSpPr>
-          <p:cNvPr id="7" name="Rectangle 6">
-            <a:extLst>
-              <a:ext uri="{FF2B5EF4-FFF2-40B4-BE49-F238E27FC236}">
-                <a16:creationId xmlns:a16="http://schemas.microsoft.com/office/drawing/2014/main" id="{3EAF7BA2-2EE9-9D40-84C1-B3D5F50E8417}"/>
-              </a:ext>
-            </a:extLst>
-          </p:cNvPr>
-          <p:cNvSpPr/>
-          <p:nvPr/>
-        </p:nvSpPr>
-        <p:spPr>
-          <a:xfrm>
-            <a:off x="1763688" y="1417588"/>
-            <a:ext cx="6696744" cy="1754326"/>
-          </a:xfrm>
-          <a:prstGeom prst="rect">
-            <a:avLst/>
-          </a:prstGeom>
-        </p:spPr>
-        <p:txBody>
-          <a:bodyPr wrap="square">
-            <a:spAutoFit/>
-          </a:bodyPr>
-          <a:lstStyle/>
-          <a:p>
-            <a:r>
-              <a:rPr lang="en-CN" dirty="0"/>
-              <a:t>通用主机可用于其他类型的 .NET 应用程序，如控制台应用。</a:t>
-            </a:r>
-          </a:p>
-          <a:p>
-            <a:r>
-              <a:rPr lang="en-CN" dirty="0"/>
-              <a:t>主机是封装应用资源的对象，例如：</a:t>
-            </a:r>
-          </a:p>
-          <a:p>
-            <a:pPr marL="742950" lvl="1" indent="-285750">
-              <a:buFont typeface="Arial" panose="020B0604020202020204" pitchFamily="34" charset="0"/>
-              <a:buChar char="•"/>
-            </a:pPr>
-            <a:r>
-              <a:rPr lang="en-CN" dirty="0"/>
-              <a:t>依赖关系注入 (DI)</a:t>
-            </a:r>
-          </a:p>
-          <a:p>
-            <a:pPr marL="742950" lvl="1" indent="-285750">
-              <a:buFont typeface="Arial" panose="020B0604020202020204" pitchFamily="34" charset="0"/>
-              <a:buChar char="•"/>
-            </a:pPr>
-            <a:r>
-              <a:rPr lang="en-CN" dirty="0"/>
-              <a:t>Logging</a:t>
-            </a:r>
-          </a:p>
-          <a:p>
-            <a:pPr marL="742950" lvl="1" indent="-285750">
-              <a:buFont typeface="Arial" panose="020B0604020202020204" pitchFamily="34" charset="0"/>
-              <a:buChar char="•"/>
-            </a:pPr>
-            <a:r>
-              <a:rPr lang="en-CN" dirty="0"/>
-              <a:t>Configuration</a:t>
-            </a:r>
-          </a:p>
-          <a:p>
-            <a:pPr marL="742950" lvl="1" indent="-285750">
-              <a:buFont typeface="Arial" panose="020B0604020202020204" pitchFamily="34" charset="0"/>
-              <a:buChar char="•"/>
-            </a:pPr>
-            <a:r>
-              <a:rPr lang="en-CN" dirty="0"/>
-              <a:t>IHostedService 实现</a:t>
-            </a:r>
-          </a:p>
-        </p:txBody>
-      </p:sp>
+      </p:pic>
     </p:spTree>
     <p:extLst>
       <p:ext uri="{BB962C8B-B14F-4D97-AF65-F5344CB8AC3E}">
-        <p14:creationId xmlns:p14="http://schemas.microsoft.com/office/powerpoint/2010/main" val="2543559585"/>
+        <p14:creationId xmlns:p14="http://schemas.microsoft.com/office/powerpoint/2010/main" val="3052490176"/>
       </p:ext>
     </p:extLst>
   </p:cSld>
@@ -7255,6 +7191,208 @@
       </p:grpSpPr>
       <p:sp>
         <p:nvSpPr>
+          <p:cNvPr id="2" name="Text Placeholder 1">
+            <a:extLst>
+              <a:ext uri="{FF2B5EF4-FFF2-40B4-BE49-F238E27FC236}">
+                <a16:creationId xmlns:a16="http://schemas.microsoft.com/office/drawing/2014/main" id="{CB04C0FF-D122-2E40-B362-B94087948D0D}"/>
+              </a:ext>
+            </a:extLst>
+          </p:cNvPr>
+          <p:cNvSpPr>
+            <a:spLocks noGrp="1"/>
+          </p:cNvSpPr>
+          <p:nvPr>
+            <p:ph type="body" sz="quarter" idx="11"/>
+          </p:nvPr>
+        </p:nvSpPr>
+        <p:spPr/>
+        <p:txBody>
+          <a:bodyPr/>
+          <a:lstStyle/>
+          <a:p>
+            <a:r>
+              <a:rPr lang="en-US" altLang="zh-CN" dirty="0"/>
+              <a:t>.NET</a:t>
+            </a:r>
+            <a:r>
+              <a:rPr lang="zh-CN" altLang="en-US" dirty="0"/>
+              <a:t>中的实现</a:t>
+            </a:r>
+            <a:endParaRPr lang="en-CN" dirty="0"/>
+          </a:p>
+        </p:txBody>
+      </p:sp>
+      <p:sp>
+        <p:nvSpPr>
+          <p:cNvPr id="3" name="Text Placeholder 2">
+            <a:extLst>
+              <a:ext uri="{FF2B5EF4-FFF2-40B4-BE49-F238E27FC236}">
+                <a16:creationId xmlns:a16="http://schemas.microsoft.com/office/drawing/2014/main" id="{01FBDBAE-8687-D74F-8A7C-04E92822036A}"/>
+              </a:ext>
+            </a:extLst>
+          </p:cNvPr>
+          <p:cNvSpPr>
+            <a:spLocks noGrp="1"/>
+          </p:cNvSpPr>
+          <p:nvPr>
+            <p:ph type="body" sz="quarter" idx="12"/>
+          </p:nvPr>
+        </p:nvSpPr>
+        <p:spPr/>
+        <p:txBody>
+          <a:bodyPr/>
+          <a:lstStyle/>
+          <a:p>
+            <a:endParaRPr lang="en-CN"/>
+          </a:p>
+        </p:txBody>
+      </p:sp>
+      <p:sp>
+        <p:nvSpPr>
+          <p:cNvPr id="6" name="Rectangle 5">
+            <a:extLst>
+              <a:ext uri="{FF2B5EF4-FFF2-40B4-BE49-F238E27FC236}">
+                <a16:creationId xmlns:a16="http://schemas.microsoft.com/office/drawing/2014/main" id="{E23D115B-FFC8-A44C-8ED0-BD3332274C31}"/>
+              </a:ext>
+            </a:extLst>
+          </p:cNvPr>
+          <p:cNvSpPr/>
+          <p:nvPr/>
+        </p:nvSpPr>
+        <p:spPr>
+          <a:xfrm>
+            <a:off x="971600" y="981285"/>
+            <a:ext cx="1592103" cy="369332"/>
+          </a:xfrm>
+          <a:prstGeom prst="rect">
+            <a:avLst/>
+          </a:prstGeom>
+        </p:spPr>
+        <p:txBody>
+          <a:bodyPr wrap="none">
+            <a:spAutoFit/>
+          </a:bodyPr>
+          <a:lstStyle/>
+          <a:p>
+            <a:r>
+              <a:rPr lang="en-CN" dirty="0"/>
+              <a:t>.NET 通用主机</a:t>
+            </a:r>
+          </a:p>
+        </p:txBody>
+      </p:sp>
+      <p:sp>
+        <p:nvSpPr>
+          <p:cNvPr id="7" name="Rectangle 6">
+            <a:extLst>
+              <a:ext uri="{FF2B5EF4-FFF2-40B4-BE49-F238E27FC236}">
+                <a16:creationId xmlns:a16="http://schemas.microsoft.com/office/drawing/2014/main" id="{3EAF7BA2-2EE9-9D40-84C1-B3D5F50E8417}"/>
+              </a:ext>
+            </a:extLst>
+          </p:cNvPr>
+          <p:cNvSpPr/>
+          <p:nvPr/>
+        </p:nvSpPr>
+        <p:spPr>
+          <a:xfrm>
+            <a:off x="1763688" y="1417588"/>
+            <a:ext cx="6696744" cy="1754326"/>
+          </a:xfrm>
+          <a:prstGeom prst="rect">
+            <a:avLst/>
+          </a:prstGeom>
+        </p:spPr>
+        <p:txBody>
+          <a:bodyPr wrap="square">
+            <a:spAutoFit/>
+          </a:bodyPr>
+          <a:lstStyle/>
+          <a:p>
+            <a:r>
+              <a:rPr lang="en-CN" dirty="0"/>
+              <a:t>通用主机可用于其他类型的 .NET 应用程序，如控制台应用。</a:t>
+            </a:r>
+          </a:p>
+          <a:p>
+            <a:r>
+              <a:rPr lang="en-CN" dirty="0"/>
+              <a:t>主机是封装应用资源的对象，例如：</a:t>
+            </a:r>
+          </a:p>
+          <a:p>
+            <a:pPr marL="742950" lvl="1" indent="-285750">
+              <a:buFont typeface="Arial" panose="020B0604020202020204" pitchFamily="34" charset="0"/>
+              <a:buChar char="•"/>
+            </a:pPr>
+            <a:r>
+              <a:rPr lang="en-CN" dirty="0"/>
+              <a:t>依赖关系注入 (DI)</a:t>
+            </a:r>
+          </a:p>
+          <a:p>
+            <a:pPr marL="742950" lvl="1" indent="-285750">
+              <a:buFont typeface="Arial" panose="020B0604020202020204" pitchFamily="34" charset="0"/>
+              <a:buChar char="•"/>
+            </a:pPr>
+            <a:r>
+              <a:rPr lang="en-CN" dirty="0"/>
+              <a:t>Logging</a:t>
+            </a:r>
+          </a:p>
+          <a:p>
+            <a:pPr marL="742950" lvl="1" indent="-285750">
+              <a:buFont typeface="Arial" panose="020B0604020202020204" pitchFamily="34" charset="0"/>
+              <a:buChar char="•"/>
+            </a:pPr>
+            <a:r>
+              <a:rPr lang="en-CN" dirty="0"/>
+              <a:t>Configuration</a:t>
+            </a:r>
+          </a:p>
+          <a:p>
+            <a:pPr marL="742950" lvl="1" indent="-285750">
+              <a:buFont typeface="Arial" panose="020B0604020202020204" pitchFamily="34" charset="0"/>
+              <a:buChar char="•"/>
+            </a:pPr>
+            <a:r>
+              <a:rPr lang="en-CN" dirty="0"/>
+              <a:t>IHostedService 实现</a:t>
+            </a:r>
+          </a:p>
+        </p:txBody>
+      </p:sp>
+    </p:spTree>
+    <p:extLst>
+      <p:ext uri="{BB962C8B-B14F-4D97-AF65-F5344CB8AC3E}">
+        <p14:creationId xmlns:p14="http://schemas.microsoft.com/office/powerpoint/2010/main" val="2543559585"/>
+      </p:ext>
+    </p:extLst>
+  </p:cSld>
+  <p:clrMapOvr>
+    <a:masterClrMapping/>
+  </p:clrMapOvr>
+</p:sld>
+</file>
+
+<file path=ppt/slides/slide22.xml><?xml version="1.0" encoding="utf-8"?>
+<p:sld xmlns:a="http://schemas.openxmlformats.org/drawingml/2006/main" xmlns:r="http://schemas.openxmlformats.org/officeDocument/2006/relationships" xmlns:p="http://schemas.openxmlformats.org/presentationml/2006/main">
+  <p:cSld>
+    <p:spTree>
+      <p:nvGrpSpPr>
+        <p:cNvPr id="1" name=""/>
+        <p:cNvGrpSpPr/>
+        <p:nvPr/>
+      </p:nvGrpSpPr>
+      <p:grpSpPr>
+        <a:xfrm>
+          <a:off x="0" y="0"/>
+          <a:ext cx="0" cy="0"/>
+          <a:chOff x="0" y="0"/>
+          <a:chExt cx="0" cy="0"/>
+        </a:xfrm>
+      </p:grpSpPr>
+      <p:sp>
+        <p:nvSpPr>
           <p:cNvPr id="2" name="文本占位符 1">
             <a:extLst>
               <a:ext uri="{FF2B5EF4-FFF2-40B4-BE49-F238E27FC236}">
@@ -7555,7 +7693,7 @@
 </p:sld>
 </file>
 
-<file path=ppt/slides/slide22.xml><?xml version="1.0" encoding="utf-8"?>
+<file path=ppt/slides/slide23.xml><?xml version="1.0" encoding="utf-8"?>
 <p:sld xmlns:a="http://schemas.openxmlformats.org/drawingml/2006/main" xmlns:r="http://schemas.openxmlformats.org/officeDocument/2006/relationships" xmlns:p="http://schemas.openxmlformats.org/presentationml/2006/main">
   <p:cSld>
     <p:spTree>
@@ -7676,319 +7814,6 @@
 </p:sld>
 </file>
 
-<file path=ppt/slides/slide23.xml><?xml version="1.0" encoding="utf-8"?>
-<p:sld xmlns:a="http://schemas.openxmlformats.org/drawingml/2006/main" xmlns:r="http://schemas.openxmlformats.org/officeDocument/2006/relationships" xmlns:p="http://schemas.openxmlformats.org/presentationml/2006/main">
-  <p:cSld>
-    <p:spTree>
-      <p:nvGrpSpPr>
-        <p:cNvPr id="1" name=""/>
-        <p:cNvGrpSpPr/>
-        <p:nvPr/>
-      </p:nvGrpSpPr>
-      <p:grpSpPr>
-        <a:xfrm>
-          <a:off x="0" y="0"/>
-          <a:ext cx="0" cy="0"/>
-          <a:chOff x="0" y="0"/>
-          <a:chExt cx="0" cy="0"/>
-        </a:xfrm>
-      </p:grpSpPr>
-      <p:sp>
-        <p:nvSpPr>
-          <p:cNvPr id="2" name="文本占位符 1">
-            <a:extLst>
-              <a:ext uri="{FF2B5EF4-FFF2-40B4-BE49-F238E27FC236}">
-                <a16:creationId xmlns:a16="http://schemas.microsoft.com/office/drawing/2014/main" id="{919B4760-85B8-4198-B45E-062A1A253CDC}"/>
-              </a:ext>
-            </a:extLst>
-          </p:cNvPr>
-          <p:cNvSpPr>
-            <a:spLocks noGrp="1"/>
-          </p:cNvSpPr>
-          <p:nvPr>
-            <p:ph type="body" sz="quarter" idx="11"/>
-          </p:nvPr>
-        </p:nvSpPr>
-        <p:spPr>
-          <a:xfrm>
-            <a:off x="549076" y="224061"/>
-            <a:ext cx="2870795" cy="287412"/>
-          </a:xfrm>
-        </p:spPr>
-        <p:txBody>
-          <a:bodyPr/>
-          <a:lstStyle/>
-          <a:p>
-            <a:r>
-              <a:rPr lang="en-US" altLang="zh-CN" dirty="0"/>
-              <a:t>.NET</a:t>
-            </a:r>
-            <a:r>
-              <a:rPr lang="zh-CN" altLang="en-US" dirty="0"/>
-              <a:t>中的实现</a:t>
-            </a:r>
-            <a:endParaRPr lang="en-CN" dirty="0"/>
-          </a:p>
-        </p:txBody>
-      </p:sp>
-      <p:sp>
-        <p:nvSpPr>
-          <p:cNvPr id="3" name="文本占位符 2">
-            <a:extLst>
-              <a:ext uri="{FF2B5EF4-FFF2-40B4-BE49-F238E27FC236}">
-                <a16:creationId xmlns:a16="http://schemas.microsoft.com/office/drawing/2014/main" id="{16EF6AC7-7858-45D2-B214-D8B2BAACB36A}"/>
-              </a:ext>
-            </a:extLst>
-          </p:cNvPr>
-          <p:cNvSpPr>
-            <a:spLocks noGrp="1"/>
-          </p:cNvSpPr>
-          <p:nvPr>
-            <p:ph type="body" sz="quarter" idx="12"/>
-          </p:nvPr>
-        </p:nvSpPr>
-        <p:spPr/>
-        <p:txBody>
-          <a:bodyPr/>
-          <a:lstStyle/>
-          <a:p>
-            <a:endParaRPr lang="en-US"/>
-          </a:p>
-        </p:txBody>
-      </p:sp>
-      <p:sp>
-        <p:nvSpPr>
-          <p:cNvPr id="6" name="文本框 5">
-            <a:extLst>
-              <a:ext uri="{FF2B5EF4-FFF2-40B4-BE49-F238E27FC236}">
-                <a16:creationId xmlns:a16="http://schemas.microsoft.com/office/drawing/2014/main" id="{36D9210F-093F-4B9C-9F3B-E99F88849B55}"/>
-              </a:ext>
-            </a:extLst>
-          </p:cNvPr>
-          <p:cNvSpPr txBox="1"/>
-          <p:nvPr/>
-        </p:nvSpPr>
-        <p:spPr>
-          <a:xfrm>
-            <a:off x="611560" y="711730"/>
-            <a:ext cx="7560840" cy="3539430"/>
-          </a:xfrm>
-          <a:prstGeom prst="rect">
-            <a:avLst/>
-          </a:prstGeom>
-          <a:noFill/>
-        </p:spPr>
-        <p:txBody>
-          <a:bodyPr wrap="square">
-            <a:spAutoFit/>
-          </a:bodyPr>
-          <a:lstStyle/>
-          <a:p>
-            <a:r>
-              <a:rPr lang="en-US" sz="1400" dirty="0" err="1"/>
-              <a:t>内置的服务容器旨在满足框架和大多数消费者应用的需求</a:t>
-            </a:r>
-            <a:r>
-              <a:rPr lang="en-US" sz="1400" dirty="0"/>
-              <a:t>。 </a:t>
-            </a:r>
-            <a:r>
-              <a:rPr lang="en-US" sz="1400" dirty="0" err="1"/>
-              <a:t>我们建议使用内置容器，除非你需要的特定功能不受它支持，例如</a:t>
-            </a:r>
-            <a:r>
-              <a:rPr lang="en-US" sz="1400" dirty="0"/>
-              <a:t>：</a:t>
-            </a:r>
-          </a:p>
-          <a:p>
-            <a:pPr marL="742950" lvl="1" indent="-285750">
-              <a:buFont typeface="Arial" panose="020B0604020202020204" pitchFamily="34" charset="0"/>
-              <a:buChar char="•"/>
-            </a:pPr>
-            <a:r>
-              <a:rPr lang="en-US" sz="1400" dirty="0" err="1"/>
-              <a:t>属性注入</a:t>
-            </a:r>
-            <a:endParaRPr lang="en-US" sz="1400" dirty="0"/>
-          </a:p>
-          <a:p>
-            <a:pPr marL="742950" lvl="1" indent="-285750">
-              <a:buFont typeface="Arial" panose="020B0604020202020204" pitchFamily="34" charset="0"/>
-              <a:buChar char="•"/>
-            </a:pPr>
-            <a:r>
-              <a:rPr lang="en-US" sz="1400" dirty="0" err="1"/>
-              <a:t>基于名称的注入</a:t>
-            </a:r>
-            <a:endParaRPr lang="en-US" sz="1400" dirty="0"/>
-          </a:p>
-          <a:p>
-            <a:pPr marL="742950" lvl="1" indent="-285750">
-              <a:buFont typeface="Arial" panose="020B0604020202020204" pitchFamily="34" charset="0"/>
-              <a:buChar char="•"/>
-            </a:pPr>
-            <a:r>
-              <a:rPr lang="en-US" sz="1400" dirty="0" err="1"/>
-              <a:t>子容器</a:t>
-            </a:r>
-            <a:endParaRPr lang="en-US" sz="1400" dirty="0"/>
-          </a:p>
-          <a:p>
-            <a:pPr marL="742950" lvl="1" indent="-285750">
-              <a:buFont typeface="Arial" panose="020B0604020202020204" pitchFamily="34" charset="0"/>
-              <a:buChar char="•"/>
-            </a:pPr>
-            <a:r>
-              <a:rPr lang="en-US" sz="1400" dirty="0" err="1"/>
-              <a:t>自定义生存期管理</a:t>
-            </a:r>
-            <a:endParaRPr lang="en-US" sz="1400" dirty="0"/>
-          </a:p>
-          <a:p>
-            <a:pPr marL="742950" lvl="1" indent="-285750">
-              <a:buFont typeface="Arial" panose="020B0604020202020204" pitchFamily="34" charset="0"/>
-              <a:buChar char="•"/>
-            </a:pPr>
-            <a:r>
-              <a:rPr lang="en-US" sz="1400" dirty="0" err="1"/>
-              <a:t>对迟缓初始化的</a:t>
-            </a:r>
-            <a:r>
-              <a:rPr lang="en-US" sz="1400" dirty="0"/>
-              <a:t> </a:t>
-            </a:r>
-            <a:r>
-              <a:rPr lang="en-US" sz="1400" dirty="0" err="1"/>
-              <a:t>Func</a:t>
-            </a:r>
-            <a:r>
-              <a:rPr lang="en-US" sz="1400" dirty="0"/>
-              <a:t>&lt;T&gt; </a:t>
-            </a:r>
-            <a:r>
-              <a:rPr lang="en-US" sz="1400" dirty="0" err="1"/>
-              <a:t>支持</a:t>
-            </a:r>
-            <a:endParaRPr lang="en-US" sz="1400" dirty="0"/>
-          </a:p>
-          <a:p>
-            <a:pPr marL="742950" lvl="1" indent="-285750">
-              <a:buFont typeface="Arial" panose="020B0604020202020204" pitchFamily="34" charset="0"/>
-              <a:buChar char="•"/>
-            </a:pPr>
-            <a:r>
-              <a:rPr lang="en-US" sz="1400" dirty="0" err="1"/>
-              <a:t>基于约定的注册</a:t>
-            </a:r>
-            <a:endParaRPr lang="en-US" sz="1400" dirty="0"/>
-          </a:p>
-          <a:p>
-            <a:r>
-              <a:rPr lang="en-US" sz="1400" dirty="0" err="1"/>
-              <a:t>以下第三方容器可用于</a:t>
-            </a:r>
-            <a:r>
-              <a:rPr lang="en-US" sz="1400" dirty="0"/>
-              <a:t> ASP.NET Core </a:t>
-            </a:r>
-            <a:r>
-              <a:rPr lang="en-US" sz="1400" dirty="0" err="1"/>
-              <a:t>应用</a:t>
-            </a:r>
-            <a:r>
-              <a:rPr lang="en-US" sz="1400" dirty="0"/>
-              <a:t>：</a:t>
-            </a:r>
-          </a:p>
-          <a:p>
-            <a:pPr marL="742950" lvl="1" indent="-285750">
-              <a:buFont typeface="Arial" panose="020B0604020202020204" pitchFamily="34" charset="0"/>
-              <a:buChar char="•"/>
-            </a:pPr>
-            <a:r>
-              <a:rPr lang="en-US" sz="1400" dirty="0" err="1"/>
-              <a:t>Autofac</a:t>
-            </a:r>
-            <a:endParaRPr lang="en-US" sz="1400" dirty="0"/>
-          </a:p>
-          <a:p>
-            <a:pPr marL="742950" lvl="1" indent="-285750">
-              <a:buFont typeface="Arial" panose="020B0604020202020204" pitchFamily="34" charset="0"/>
-              <a:buChar char="•"/>
-            </a:pPr>
-            <a:r>
-              <a:rPr lang="en-US" sz="1400" dirty="0" err="1"/>
-              <a:t>DryIoc</a:t>
-            </a:r>
-            <a:endParaRPr lang="en-US" sz="1400" dirty="0"/>
-          </a:p>
-          <a:p>
-            <a:pPr marL="742950" lvl="1" indent="-285750">
-              <a:buFont typeface="Arial" panose="020B0604020202020204" pitchFamily="34" charset="0"/>
-              <a:buChar char="•"/>
-            </a:pPr>
-            <a:r>
-              <a:rPr lang="en-US" sz="1400" dirty="0"/>
-              <a:t>Grace</a:t>
-            </a:r>
-          </a:p>
-          <a:p>
-            <a:pPr marL="742950" lvl="1" indent="-285750">
-              <a:buFont typeface="Arial" panose="020B0604020202020204" pitchFamily="34" charset="0"/>
-              <a:buChar char="•"/>
-            </a:pPr>
-            <a:r>
-              <a:rPr lang="en-US" sz="1400" dirty="0" err="1"/>
-              <a:t>LightInject</a:t>
-            </a:r>
-            <a:endParaRPr lang="en-US" sz="1400" dirty="0"/>
-          </a:p>
-          <a:p>
-            <a:pPr marL="742950" lvl="1" indent="-285750">
-              <a:buFont typeface="Arial" panose="020B0604020202020204" pitchFamily="34" charset="0"/>
-              <a:buChar char="•"/>
-            </a:pPr>
-            <a:r>
-              <a:rPr lang="en-US" sz="1400" dirty="0"/>
-              <a:t>Lamar</a:t>
-            </a:r>
-          </a:p>
-          <a:p>
-            <a:pPr marL="742950" lvl="1" indent="-285750">
-              <a:buFont typeface="Arial" panose="020B0604020202020204" pitchFamily="34" charset="0"/>
-              <a:buChar char="•"/>
-            </a:pPr>
-            <a:r>
-              <a:rPr lang="en-US" sz="1400" dirty="0"/>
-              <a:t>Stashbox</a:t>
-            </a:r>
-          </a:p>
-          <a:p>
-            <a:pPr marL="742950" lvl="1" indent="-285750">
-              <a:buFont typeface="Arial" panose="020B0604020202020204" pitchFamily="34" charset="0"/>
-              <a:buChar char="•"/>
-            </a:pPr>
-            <a:r>
-              <a:rPr lang="en-US" sz="1400" dirty="0"/>
-              <a:t>Unity</a:t>
-            </a:r>
-          </a:p>
-        </p:txBody>
-      </p:sp>
-    </p:spTree>
-    <p:extLst>
-      <p:ext uri="{BB962C8B-B14F-4D97-AF65-F5344CB8AC3E}">
-        <p14:creationId xmlns:p14="http://schemas.microsoft.com/office/powerpoint/2010/main" val="2934579411"/>
-      </p:ext>
-    </p:extLst>
-  </p:cSld>
-  <p:clrMapOvr>
-    <a:masterClrMapping/>
-  </p:clrMapOvr>
-</p:sld>
-</file>
-
 <file path=ppt/slides/slide24.xml><?xml version="1.0" encoding="utf-8"?>
 <p:sld xmlns:a="http://schemas.openxmlformats.org/drawingml/2006/main" xmlns:r="http://schemas.openxmlformats.org/officeDocument/2006/relationships" xmlns:p="http://schemas.openxmlformats.org/presentationml/2006/main">
   <p:cSld>
@@ -8011,6 +7836,327 @@
           <p:cNvPr id="2" name="文本占位符 1">
             <a:extLst>
               <a:ext uri="{FF2B5EF4-FFF2-40B4-BE49-F238E27FC236}">
+                <a16:creationId xmlns:a16="http://schemas.microsoft.com/office/drawing/2014/main" id="{919B4760-85B8-4198-B45E-062A1A253CDC}"/>
+              </a:ext>
+            </a:extLst>
+          </p:cNvPr>
+          <p:cNvSpPr>
+            <a:spLocks noGrp="1"/>
+          </p:cNvSpPr>
+          <p:nvPr>
+            <p:ph type="body" sz="quarter" idx="11"/>
+          </p:nvPr>
+        </p:nvSpPr>
+        <p:spPr>
+          <a:xfrm>
+            <a:off x="549076" y="224061"/>
+            <a:ext cx="2870795" cy="287412"/>
+          </a:xfrm>
+        </p:spPr>
+        <p:txBody>
+          <a:bodyPr/>
+          <a:lstStyle/>
+          <a:p>
+            <a:r>
+              <a:rPr lang="en-US" altLang="zh-CN" dirty="0"/>
+              <a:t>.NET</a:t>
+            </a:r>
+            <a:r>
+              <a:rPr lang="zh-CN" altLang="en-US" dirty="0"/>
+              <a:t>中的实现</a:t>
+            </a:r>
+            <a:r>
+              <a:rPr lang="en-US" altLang="zh-CN" dirty="0"/>
+              <a:t>-</a:t>
+            </a:r>
+            <a:r>
+              <a:rPr lang="zh-CN" altLang="en-US" dirty="0"/>
+              <a:t>容器扩展</a:t>
+            </a:r>
+            <a:endParaRPr lang="en-CN" dirty="0"/>
+          </a:p>
+        </p:txBody>
+      </p:sp>
+      <p:sp>
+        <p:nvSpPr>
+          <p:cNvPr id="3" name="文本占位符 2">
+            <a:extLst>
+              <a:ext uri="{FF2B5EF4-FFF2-40B4-BE49-F238E27FC236}">
+                <a16:creationId xmlns:a16="http://schemas.microsoft.com/office/drawing/2014/main" id="{16EF6AC7-7858-45D2-B214-D8B2BAACB36A}"/>
+              </a:ext>
+            </a:extLst>
+          </p:cNvPr>
+          <p:cNvSpPr>
+            <a:spLocks noGrp="1"/>
+          </p:cNvSpPr>
+          <p:nvPr>
+            <p:ph type="body" sz="quarter" idx="12"/>
+          </p:nvPr>
+        </p:nvSpPr>
+        <p:spPr/>
+        <p:txBody>
+          <a:bodyPr/>
+          <a:lstStyle/>
+          <a:p>
+            <a:endParaRPr lang="en-US"/>
+          </a:p>
+        </p:txBody>
+      </p:sp>
+      <p:sp>
+        <p:nvSpPr>
+          <p:cNvPr id="6" name="文本框 5">
+            <a:extLst>
+              <a:ext uri="{FF2B5EF4-FFF2-40B4-BE49-F238E27FC236}">
+                <a16:creationId xmlns:a16="http://schemas.microsoft.com/office/drawing/2014/main" id="{36D9210F-093F-4B9C-9F3B-E99F88849B55}"/>
+              </a:ext>
+            </a:extLst>
+          </p:cNvPr>
+          <p:cNvSpPr txBox="1"/>
+          <p:nvPr/>
+        </p:nvSpPr>
+        <p:spPr>
+          <a:xfrm>
+            <a:off x="611560" y="711730"/>
+            <a:ext cx="7560840" cy="3539430"/>
+          </a:xfrm>
+          <a:prstGeom prst="rect">
+            <a:avLst/>
+          </a:prstGeom>
+          <a:noFill/>
+        </p:spPr>
+        <p:txBody>
+          <a:bodyPr wrap="square">
+            <a:spAutoFit/>
+          </a:bodyPr>
+          <a:lstStyle/>
+          <a:p>
+            <a:r>
+              <a:rPr lang="en-US" sz="1400" dirty="0" err="1"/>
+              <a:t>内置的服务容器旨在满足框架和大多数消费者应用的需求</a:t>
+            </a:r>
+            <a:r>
+              <a:rPr lang="en-US" sz="1400" dirty="0"/>
+              <a:t>。 </a:t>
+            </a:r>
+            <a:r>
+              <a:rPr lang="en-US" sz="1400" dirty="0" err="1"/>
+              <a:t>我们建议使用内置容器，除非你需要的特定功能不受它支持，例如</a:t>
+            </a:r>
+            <a:r>
+              <a:rPr lang="en-US" sz="1400" dirty="0"/>
+              <a:t>：</a:t>
+            </a:r>
+          </a:p>
+          <a:p>
+            <a:pPr marL="742950" lvl="1" indent="-285750">
+              <a:buFont typeface="Arial" panose="020B0604020202020204" pitchFamily="34" charset="0"/>
+              <a:buChar char="•"/>
+            </a:pPr>
+            <a:r>
+              <a:rPr lang="en-US" sz="1400" dirty="0" err="1"/>
+              <a:t>属性注入</a:t>
+            </a:r>
+            <a:endParaRPr lang="en-US" sz="1400" dirty="0"/>
+          </a:p>
+          <a:p>
+            <a:pPr marL="742950" lvl="1" indent="-285750">
+              <a:buFont typeface="Arial" panose="020B0604020202020204" pitchFamily="34" charset="0"/>
+              <a:buChar char="•"/>
+            </a:pPr>
+            <a:r>
+              <a:rPr lang="en-US" sz="1400" dirty="0" err="1"/>
+              <a:t>基于名称的注入</a:t>
+            </a:r>
+            <a:endParaRPr lang="en-US" sz="1400" dirty="0"/>
+          </a:p>
+          <a:p>
+            <a:pPr marL="742950" lvl="1" indent="-285750">
+              <a:buFont typeface="Arial" panose="020B0604020202020204" pitchFamily="34" charset="0"/>
+              <a:buChar char="•"/>
+            </a:pPr>
+            <a:r>
+              <a:rPr lang="en-US" sz="1400" dirty="0" err="1"/>
+              <a:t>子容器</a:t>
+            </a:r>
+            <a:endParaRPr lang="en-US" sz="1400" dirty="0"/>
+          </a:p>
+          <a:p>
+            <a:pPr marL="742950" lvl="1" indent="-285750">
+              <a:buFont typeface="Arial" panose="020B0604020202020204" pitchFamily="34" charset="0"/>
+              <a:buChar char="•"/>
+            </a:pPr>
+            <a:r>
+              <a:rPr lang="en-US" sz="1400" dirty="0" err="1"/>
+              <a:t>自定义生存期管理</a:t>
+            </a:r>
+            <a:endParaRPr lang="en-US" sz="1400" dirty="0"/>
+          </a:p>
+          <a:p>
+            <a:pPr marL="742950" lvl="1" indent="-285750">
+              <a:buFont typeface="Arial" panose="020B0604020202020204" pitchFamily="34" charset="0"/>
+              <a:buChar char="•"/>
+            </a:pPr>
+            <a:r>
+              <a:rPr lang="en-US" sz="1400" dirty="0" err="1"/>
+              <a:t>对迟缓初始化的</a:t>
+            </a:r>
+            <a:r>
+              <a:rPr lang="en-US" sz="1400" dirty="0"/>
+              <a:t> </a:t>
+            </a:r>
+            <a:r>
+              <a:rPr lang="en-US" sz="1400" dirty="0" err="1"/>
+              <a:t>Func</a:t>
+            </a:r>
+            <a:r>
+              <a:rPr lang="en-US" sz="1400" dirty="0"/>
+              <a:t>&lt;T&gt; </a:t>
+            </a:r>
+            <a:r>
+              <a:rPr lang="en-US" sz="1400" dirty="0" err="1"/>
+              <a:t>支持</a:t>
+            </a:r>
+            <a:endParaRPr lang="en-US" sz="1400" dirty="0"/>
+          </a:p>
+          <a:p>
+            <a:pPr marL="742950" lvl="1" indent="-285750">
+              <a:buFont typeface="Arial" panose="020B0604020202020204" pitchFamily="34" charset="0"/>
+              <a:buChar char="•"/>
+            </a:pPr>
+            <a:r>
+              <a:rPr lang="en-US" sz="1400" dirty="0" err="1"/>
+              <a:t>基于约定的注册</a:t>
+            </a:r>
+            <a:endParaRPr lang="en-US" sz="1400" dirty="0"/>
+          </a:p>
+          <a:p>
+            <a:r>
+              <a:rPr lang="en-US" sz="1400" dirty="0" err="1"/>
+              <a:t>以下第三方容器可用于</a:t>
+            </a:r>
+            <a:r>
+              <a:rPr lang="en-US" sz="1400" dirty="0"/>
+              <a:t> ASP.NET Core </a:t>
+            </a:r>
+            <a:r>
+              <a:rPr lang="en-US" sz="1400" dirty="0" err="1"/>
+              <a:t>应用</a:t>
+            </a:r>
+            <a:r>
+              <a:rPr lang="en-US" sz="1400" dirty="0"/>
+              <a:t>：</a:t>
+            </a:r>
+          </a:p>
+          <a:p>
+            <a:pPr marL="742950" lvl="1" indent="-285750">
+              <a:buFont typeface="Arial" panose="020B0604020202020204" pitchFamily="34" charset="0"/>
+              <a:buChar char="•"/>
+            </a:pPr>
+            <a:r>
+              <a:rPr lang="en-US" sz="1400" dirty="0" err="1"/>
+              <a:t>Autofac</a:t>
+            </a:r>
+            <a:endParaRPr lang="en-US" sz="1400" dirty="0"/>
+          </a:p>
+          <a:p>
+            <a:pPr marL="742950" lvl="1" indent="-285750">
+              <a:buFont typeface="Arial" panose="020B0604020202020204" pitchFamily="34" charset="0"/>
+              <a:buChar char="•"/>
+            </a:pPr>
+            <a:r>
+              <a:rPr lang="en-US" sz="1400" dirty="0" err="1"/>
+              <a:t>DryIoc</a:t>
+            </a:r>
+            <a:endParaRPr lang="en-US" sz="1400" dirty="0"/>
+          </a:p>
+          <a:p>
+            <a:pPr marL="742950" lvl="1" indent="-285750">
+              <a:buFont typeface="Arial" panose="020B0604020202020204" pitchFamily="34" charset="0"/>
+              <a:buChar char="•"/>
+            </a:pPr>
+            <a:r>
+              <a:rPr lang="en-US" sz="1400" dirty="0"/>
+              <a:t>Grace</a:t>
+            </a:r>
+          </a:p>
+          <a:p>
+            <a:pPr marL="742950" lvl="1" indent="-285750">
+              <a:buFont typeface="Arial" panose="020B0604020202020204" pitchFamily="34" charset="0"/>
+              <a:buChar char="•"/>
+            </a:pPr>
+            <a:r>
+              <a:rPr lang="en-US" sz="1400" dirty="0" err="1"/>
+              <a:t>LightInject</a:t>
+            </a:r>
+            <a:endParaRPr lang="en-US" sz="1400" dirty="0"/>
+          </a:p>
+          <a:p>
+            <a:pPr marL="742950" lvl="1" indent="-285750">
+              <a:buFont typeface="Arial" panose="020B0604020202020204" pitchFamily="34" charset="0"/>
+              <a:buChar char="•"/>
+            </a:pPr>
+            <a:r>
+              <a:rPr lang="en-US" sz="1400" dirty="0"/>
+              <a:t>Lamar</a:t>
+            </a:r>
+          </a:p>
+          <a:p>
+            <a:pPr marL="742950" lvl="1" indent="-285750">
+              <a:buFont typeface="Arial" panose="020B0604020202020204" pitchFamily="34" charset="0"/>
+              <a:buChar char="•"/>
+            </a:pPr>
+            <a:r>
+              <a:rPr lang="en-US" sz="1400" dirty="0"/>
+              <a:t>Stashbox</a:t>
+            </a:r>
+          </a:p>
+          <a:p>
+            <a:pPr marL="742950" lvl="1" indent="-285750">
+              <a:buFont typeface="Arial" panose="020B0604020202020204" pitchFamily="34" charset="0"/>
+              <a:buChar char="•"/>
+            </a:pPr>
+            <a:r>
+              <a:rPr lang="en-US" sz="1400" dirty="0"/>
+              <a:t>Unity</a:t>
+            </a:r>
+          </a:p>
+        </p:txBody>
+      </p:sp>
+    </p:spTree>
+    <p:extLst>
+      <p:ext uri="{BB962C8B-B14F-4D97-AF65-F5344CB8AC3E}">
+        <p14:creationId xmlns:p14="http://schemas.microsoft.com/office/powerpoint/2010/main" val="2934579411"/>
+      </p:ext>
+    </p:extLst>
+  </p:cSld>
+  <p:clrMapOvr>
+    <a:masterClrMapping/>
+  </p:clrMapOvr>
+</p:sld>
+</file>
+
+<file path=ppt/slides/slide25.xml><?xml version="1.0" encoding="utf-8"?>
+<p:sld xmlns:a="http://schemas.openxmlformats.org/drawingml/2006/main" xmlns:r="http://schemas.openxmlformats.org/officeDocument/2006/relationships" xmlns:p="http://schemas.openxmlformats.org/presentationml/2006/main">
+  <p:cSld>
+    <p:spTree>
+      <p:nvGrpSpPr>
+        <p:cNvPr id="1" name=""/>
+        <p:cNvGrpSpPr/>
+        <p:nvPr/>
+      </p:nvGrpSpPr>
+      <p:grpSpPr>
+        <a:xfrm>
+          <a:off x="0" y="0"/>
+          <a:ext cx="0" cy="0"/>
+          <a:chOff x="0" y="0"/>
+          <a:chExt cx="0" cy="0"/>
+        </a:xfrm>
+      </p:grpSpPr>
+      <p:sp>
+        <p:nvSpPr>
+          <p:cNvPr id="2" name="文本占位符 1">
+            <a:extLst>
+              <a:ext uri="{FF2B5EF4-FFF2-40B4-BE49-F238E27FC236}">
                 <a16:creationId xmlns:a16="http://schemas.microsoft.com/office/drawing/2014/main" id="{BAC7A425-3A2E-480C-9BA3-62724B374079}"/>
               </a:ext>
             </a:extLst>
@@ -8277,7 +8423,7 @@
 </p:sld>
 </file>
 
-<file path=ppt/slides/slide25.xml><?xml version="1.0" encoding="utf-8"?>
+<file path=ppt/slides/slide26.xml><?xml version="1.0" encoding="utf-8"?>
 <p:sld xmlns:a="http://schemas.openxmlformats.org/drawingml/2006/main" xmlns:r="http://schemas.openxmlformats.org/officeDocument/2006/relationships" xmlns:p="http://schemas.openxmlformats.org/presentationml/2006/main">
   <p:cSld>
     <p:spTree>
@@ -8440,7 +8586,7 @@
 </p:sld>
 </file>
 
-<file path=ppt/slides/slide26.xml><?xml version="1.0" encoding="utf-8"?>
+<file path=ppt/slides/slide27.xml><?xml version="1.0" encoding="utf-8"?>
 <p:sld xmlns:a="http://schemas.openxmlformats.org/drawingml/2006/main" xmlns:r="http://schemas.openxmlformats.org/officeDocument/2006/relationships" xmlns:p="http://schemas.openxmlformats.org/presentationml/2006/main">
   <p:cSld>
     <p:spTree>
@@ -8584,7 +8730,7 @@
 </p:sld>
 </file>
 
-<file path=ppt/slides/slide27.xml><?xml version="1.0" encoding="utf-8"?>
+<file path=ppt/slides/slide28.xml><?xml version="1.0" encoding="utf-8"?>
 <p:sld xmlns:a="http://schemas.openxmlformats.org/drawingml/2006/main" xmlns:r="http://schemas.openxmlformats.org/officeDocument/2006/relationships" xmlns:p="http://schemas.openxmlformats.org/presentationml/2006/main">
   <p:cSld>
     <p:spTree>
@@ -8728,7 +8874,7 @@
 </p:sld>
 </file>
 
-<file path=ppt/slides/slide28.xml><?xml version="1.0" encoding="utf-8"?>
+<file path=ppt/slides/slide29.xml><?xml version="1.0" encoding="utf-8"?>
 <p:sld xmlns:a="http://schemas.openxmlformats.org/drawingml/2006/main" xmlns:r="http://schemas.openxmlformats.org/officeDocument/2006/relationships" xmlns:p="http://schemas.openxmlformats.org/presentationml/2006/main">
   <p:cSld>
     <p:spTree>
@@ -8855,7 +9001,295 @@
 </p:sld>
 </file>
 
-<file path=ppt/slides/slide29.xml><?xml version="1.0" encoding="utf-8"?>
+<file path=ppt/slides/slide3.xml><?xml version="1.0" encoding="utf-8"?>
+<p:sld xmlns:a="http://schemas.openxmlformats.org/drawingml/2006/main" xmlns:r="http://schemas.openxmlformats.org/officeDocument/2006/relationships" xmlns:p="http://schemas.openxmlformats.org/presentationml/2006/main">
+  <p:cSld>
+    <p:spTree>
+      <p:nvGrpSpPr>
+        <p:cNvPr id="1" name=""/>
+        <p:cNvGrpSpPr/>
+        <p:nvPr/>
+      </p:nvGrpSpPr>
+      <p:grpSpPr>
+        <a:xfrm>
+          <a:off x="0" y="0"/>
+          <a:ext cx="0" cy="0"/>
+          <a:chOff x="0" y="0"/>
+          <a:chExt cx="0" cy="0"/>
+        </a:xfrm>
+      </p:grpSpPr>
+      <p:sp>
+        <p:nvSpPr>
+          <p:cNvPr id="2" name="文本占位符 1">
+            <a:extLst>
+              <a:ext uri="{FF2B5EF4-FFF2-40B4-BE49-F238E27FC236}">
+                <a16:creationId xmlns:a16="http://schemas.microsoft.com/office/drawing/2014/main" id="{BAC7A425-3A2E-480C-9BA3-62724B374079}"/>
+              </a:ext>
+            </a:extLst>
+          </p:cNvPr>
+          <p:cNvSpPr>
+            <a:spLocks noGrp="1"/>
+          </p:cNvSpPr>
+          <p:nvPr>
+            <p:ph type="body" sz="quarter" idx="11"/>
+          </p:nvPr>
+        </p:nvSpPr>
+        <p:spPr/>
+        <p:txBody>
+          <a:bodyPr/>
+          <a:lstStyle/>
+          <a:p>
+            <a:endParaRPr lang="en-US"/>
+          </a:p>
+        </p:txBody>
+      </p:sp>
+      <p:sp>
+        <p:nvSpPr>
+          <p:cNvPr id="3" name="文本占位符 2">
+            <a:extLst>
+              <a:ext uri="{FF2B5EF4-FFF2-40B4-BE49-F238E27FC236}">
+                <a16:creationId xmlns:a16="http://schemas.microsoft.com/office/drawing/2014/main" id="{A8478F12-827D-4F26-B22A-41E76BCC7616}"/>
+              </a:ext>
+            </a:extLst>
+          </p:cNvPr>
+          <p:cNvSpPr>
+            <a:spLocks noGrp="1"/>
+          </p:cNvSpPr>
+          <p:nvPr>
+            <p:ph type="body" sz="quarter" idx="12"/>
+          </p:nvPr>
+        </p:nvSpPr>
+        <p:spPr/>
+        <p:txBody>
+          <a:bodyPr/>
+          <a:lstStyle/>
+          <a:p>
+            <a:endParaRPr lang="en-US"/>
+          </a:p>
+        </p:txBody>
+      </p:sp>
+      <p:sp>
+        <p:nvSpPr>
+          <p:cNvPr id="4" name="矩形 3">
+            <a:extLst>
+              <a:ext uri="{FF2B5EF4-FFF2-40B4-BE49-F238E27FC236}">
+                <a16:creationId xmlns:a16="http://schemas.microsoft.com/office/drawing/2014/main" id="{8D23002C-FDF4-478F-AD52-73A9CD89A473}"/>
+              </a:ext>
+            </a:extLst>
+          </p:cNvPr>
+          <p:cNvSpPr/>
+          <p:nvPr/>
+        </p:nvSpPr>
+        <p:spPr>
+          <a:xfrm>
+            <a:off x="2282102" y="1948488"/>
+            <a:ext cx="575799" cy="523220"/>
+          </a:xfrm>
+          <a:prstGeom prst="rect">
+            <a:avLst/>
+          </a:prstGeom>
+          <a:solidFill>
+            <a:schemeClr val="accent6"/>
+          </a:solidFill>
+        </p:spPr>
+        <p:txBody>
+          <a:bodyPr wrap="none">
+            <a:spAutoFit/>
+          </a:bodyPr>
+          <a:lstStyle/>
+          <a:p>
+            <a:r>
+              <a:rPr lang="zh-CN" altLang="en-US" sz="2800" dirty="0">
+                <a:solidFill>
+                  <a:schemeClr val="bg1"/>
+                </a:solidFill>
+                <a:latin typeface="Impact" panose="020B0806030902050204" pitchFamily="34" charset="0"/>
+              </a:rPr>
+              <a:t> </a:t>
+            </a:r>
+            <a:r>
+              <a:rPr lang="en-US" altLang="zh-CN" sz="2800" dirty="0">
+                <a:solidFill>
+                  <a:schemeClr val="bg1"/>
+                </a:solidFill>
+                <a:latin typeface="Impact" panose="020B0806030902050204" pitchFamily="34" charset="0"/>
+              </a:rPr>
+              <a:t>01</a:t>
+            </a:r>
+          </a:p>
+        </p:txBody>
+      </p:sp>
+      <p:sp>
+        <p:nvSpPr>
+          <p:cNvPr id="5" name="TextBox 4">
+            <a:extLst>
+              <a:ext uri="{FF2B5EF4-FFF2-40B4-BE49-F238E27FC236}">
+                <a16:creationId xmlns:a16="http://schemas.microsoft.com/office/drawing/2014/main" id="{B400B9AB-C0F2-4C52-84F8-857D8EC72C00}"/>
+              </a:ext>
+            </a:extLst>
+          </p:cNvPr>
+          <p:cNvSpPr txBox="1">
+            <a:spLocks noChangeArrowheads="1"/>
+          </p:cNvSpPr>
+          <p:nvPr/>
+        </p:nvSpPr>
+        <p:spPr bwMode="auto">
+          <a:xfrm>
+            <a:off x="3005875" y="2011635"/>
+            <a:ext cx="3495039" cy="417871"/>
+          </a:xfrm>
+          <a:prstGeom prst="rect">
+            <a:avLst/>
+          </a:prstGeom>
+          <a:solidFill>
+            <a:schemeClr val="accent6"/>
+          </a:solidFill>
+          <a:ln>
+            <a:noFill/>
+          </a:ln>
+        </p:spPr>
+        <p:txBody>
+          <a:bodyPr wrap="square">
+            <a:spAutoFit/>
+          </a:bodyPr>
+          <a:lstStyle>
+            <a:lvl1pPr eaLnBrk="0" hangingPunct="0">
+              <a:defRPr sz="1600">
+                <a:solidFill>
+                  <a:schemeClr val="tx1"/>
+                </a:solidFill>
+                <a:latin typeface="Arial" panose="020B0604020202020204" pitchFamily="34" charset="0"/>
+              </a:defRPr>
+            </a:lvl1pPr>
+            <a:lvl2pPr marL="742950" indent="-285750" eaLnBrk="0" hangingPunct="0">
+              <a:defRPr sz="1600">
+                <a:solidFill>
+                  <a:schemeClr val="tx1"/>
+                </a:solidFill>
+                <a:latin typeface="Arial" panose="020B0604020202020204" pitchFamily="34" charset="0"/>
+              </a:defRPr>
+            </a:lvl2pPr>
+            <a:lvl3pPr marL="1143000" indent="-228600" eaLnBrk="0" hangingPunct="0">
+              <a:defRPr sz="1600">
+                <a:solidFill>
+                  <a:schemeClr val="tx1"/>
+                </a:solidFill>
+                <a:latin typeface="Arial" panose="020B0604020202020204" pitchFamily="34" charset="0"/>
+              </a:defRPr>
+            </a:lvl3pPr>
+            <a:lvl4pPr marL="1600200" indent="-228600" eaLnBrk="0" hangingPunct="0">
+              <a:defRPr sz="1600">
+                <a:solidFill>
+                  <a:schemeClr val="tx1"/>
+                </a:solidFill>
+                <a:latin typeface="Arial" panose="020B0604020202020204" pitchFamily="34" charset="0"/>
+              </a:defRPr>
+            </a:lvl4pPr>
+            <a:lvl5pPr marL="2057400" indent="-228600" eaLnBrk="0" hangingPunct="0">
+              <a:defRPr sz="1600">
+                <a:solidFill>
+                  <a:schemeClr val="tx1"/>
+                </a:solidFill>
+                <a:latin typeface="Arial" panose="020B0604020202020204" pitchFamily="34" charset="0"/>
+              </a:defRPr>
+            </a:lvl5pPr>
+            <a:lvl6pPr marL="2514600" indent="-228600" eaLnBrk="0" fontAlgn="base" hangingPunct="0">
+              <a:spcBef>
+                <a:spcPct val="0"/>
+              </a:spcBef>
+              <a:spcAft>
+                <a:spcPct val="0"/>
+              </a:spcAft>
+              <a:defRPr sz="1600">
+                <a:solidFill>
+                  <a:schemeClr val="tx1"/>
+                </a:solidFill>
+                <a:latin typeface="Arial" panose="020B0604020202020204" pitchFamily="34" charset="0"/>
+              </a:defRPr>
+            </a:lvl6pPr>
+            <a:lvl7pPr marL="2971800" indent="-228600" eaLnBrk="0" fontAlgn="base" hangingPunct="0">
+              <a:spcBef>
+                <a:spcPct val="0"/>
+              </a:spcBef>
+              <a:spcAft>
+                <a:spcPct val="0"/>
+              </a:spcAft>
+              <a:defRPr sz="1600">
+                <a:solidFill>
+                  <a:schemeClr val="tx1"/>
+                </a:solidFill>
+                <a:latin typeface="Arial" panose="020B0604020202020204" pitchFamily="34" charset="0"/>
+              </a:defRPr>
+            </a:lvl7pPr>
+            <a:lvl8pPr marL="3429000" indent="-228600" eaLnBrk="0" fontAlgn="base" hangingPunct="0">
+              <a:spcBef>
+                <a:spcPct val="0"/>
+              </a:spcBef>
+              <a:spcAft>
+                <a:spcPct val="0"/>
+              </a:spcAft>
+              <a:defRPr sz="1600">
+                <a:solidFill>
+                  <a:schemeClr val="tx1"/>
+                </a:solidFill>
+                <a:latin typeface="Arial" panose="020B0604020202020204" pitchFamily="34" charset="0"/>
+              </a:defRPr>
+            </a:lvl8pPr>
+            <a:lvl9pPr marL="3886200" indent="-228600" eaLnBrk="0" fontAlgn="base" hangingPunct="0">
+              <a:spcBef>
+                <a:spcPct val="0"/>
+              </a:spcBef>
+              <a:spcAft>
+                <a:spcPct val="0"/>
+              </a:spcAft>
+              <a:defRPr sz="1600">
+                <a:solidFill>
+                  <a:schemeClr val="tx1"/>
+                </a:solidFill>
+                <a:latin typeface="Arial" panose="020B0604020202020204" pitchFamily="34" charset="0"/>
+              </a:defRPr>
+            </a:lvl9pPr>
+          </a:lstStyle>
+          <a:p>
+            <a:pPr algn="ctr" eaLnBrk="1" hangingPunct="1">
+              <a:lnSpc>
+                <a:spcPct val="150000"/>
+              </a:lnSpc>
+            </a:pPr>
+            <a:r>
+              <a:rPr lang="zh-CN" altLang="en-US" b="1" dirty="0">
+                <a:solidFill>
+                  <a:schemeClr val="bg1"/>
+                </a:solidFill>
+                <a:latin typeface="Franklin Gothic Book" panose="020B0503020102020204" pitchFamily="34" charset="0"/>
+                <a:ea typeface="微软雅黑" panose="020B0503020204020204" pitchFamily="34" charset="-122"/>
+              </a:rPr>
+              <a:t>依赖倒置</a:t>
+            </a:r>
+            <a:endParaRPr lang="zh-CN" b="1" dirty="0">
+              <a:solidFill>
+                <a:schemeClr val="bg1"/>
+              </a:solidFill>
+              <a:latin typeface="Franklin Gothic Book" panose="020B0503020102020204" pitchFamily="34" charset="0"/>
+              <a:ea typeface="微软雅黑" panose="020B0503020204020204" pitchFamily="34" charset="-122"/>
+            </a:endParaRPr>
+          </a:p>
+        </p:txBody>
+      </p:sp>
+    </p:spTree>
+    <p:extLst>
+      <p:ext uri="{BB962C8B-B14F-4D97-AF65-F5344CB8AC3E}">
+        <p14:creationId xmlns:p14="http://schemas.microsoft.com/office/powerpoint/2010/main" val="4084272990"/>
+      </p:ext>
+    </p:extLst>
+  </p:cSld>
+  <p:clrMapOvr>
+    <a:masterClrMapping/>
+  </p:clrMapOvr>
+</p:sld>
+</file>
+
+<file path=ppt/slides/slide30.xml><?xml version="1.0" encoding="utf-8"?>
 <p:sld xmlns:a="http://schemas.openxmlformats.org/drawingml/2006/main" xmlns:r="http://schemas.openxmlformats.org/officeDocument/2006/relationships" xmlns:p="http://schemas.openxmlformats.org/presentationml/2006/main">
   <p:cSld>
     <p:spTree>
@@ -8985,295 +9419,7 @@
 </p:sld>
 </file>
 
-<file path=ppt/slides/slide3.xml><?xml version="1.0" encoding="utf-8"?>
-<p:sld xmlns:a="http://schemas.openxmlformats.org/drawingml/2006/main" xmlns:r="http://schemas.openxmlformats.org/officeDocument/2006/relationships" xmlns:p="http://schemas.openxmlformats.org/presentationml/2006/main">
-  <p:cSld>
-    <p:spTree>
-      <p:nvGrpSpPr>
-        <p:cNvPr id="1" name=""/>
-        <p:cNvGrpSpPr/>
-        <p:nvPr/>
-      </p:nvGrpSpPr>
-      <p:grpSpPr>
-        <a:xfrm>
-          <a:off x="0" y="0"/>
-          <a:ext cx="0" cy="0"/>
-          <a:chOff x="0" y="0"/>
-          <a:chExt cx="0" cy="0"/>
-        </a:xfrm>
-      </p:grpSpPr>
-      <p:sp>
-        <p:nvSpPr>
-          <p:cNvPr id="2" name="文本占位符 1">
-            <a:extLst>
-              <a:ext uri="{FF2B5EF4-FFF2-40B4-BE49-F238E27FC236}">
-                <a16:creationId xmlns:a16="http://schemas.microsoft.com/office/drawing/2014/main" id="{BAC7A425-3A2E-480C-9BA3-62724B374079}"/>
-              </a:ext>
-            </a:extLst>
-          </p:cNvPr>
-          <p:cNvSpPr>
-            <a:spLocks noGrp="1"/>
-          </p:cNvSpPr>
-          <p:nvPr>
-            <p:ph type="body" sz="quarter" idx="11"/>
-          </p:nvPr>
-        </p:nvSpPr>
-        <p:spPr/>
-        <p:txBody>
-          <a:bodyPr/>
-          <a:lstStyle/>
-          <a:p>
-            <a:endParaRPr lang="en-US"/>
-          </a:p>
-        </p:txBody>
-      </p:sp>
-      <p:sp>
-        <p:nvSpPr>
-          <p:cNvPr id="3" name="文本占位符 2">
-            <a:extLst>
-              <a:ext uri="{FF2B5EF4-FFF2-40B4-BE49-F238E27FC236}">
-                <a16:creationId xmlns:a16="http://schemas.microsoft.com/office/drawing/2014/main" id="{A8478F12-827D-4F26-B22A-41E76BCC7616}"/>
-              </a:ext>
-            </a:extLst>
-          </p:cNvPr>
-          <p:cNvSpPr>
-            <a:spLocks noGrp="1"/>
-          </p:cNvSpPr>
-          <p:nvPr>
-            <p:ph type="body" sz="quarter" idx="12"/>
-          </p:nvPr>
-        </p:nvSpPr>
-        <p:spPr/>
-        <p:txBody>
-          <a:bodyPr/>
-          <a:lstStyle/>
-          <a:p>
-            <a:endParaRPr lang="en-US"/>
-          </a:p>
-        </p:txBody>
-      </p:sp>
-      <p:sp>
-        <p:nvSpPr>
-          <p:cNvPr id="4" name="矩形 3">
-            <a:extLst>
-              <a:ext uri="{FF2B5EF4-FFF2-40B4-BE49-F238E27FC236}">
-                <a16:creationId xmlns:a16="http://schemas.microsoft.com/office/drawing/2014/main" id="{8D23002C-FDF4-478F-AD52-73A9CD89A473}"/>
-              </a:ext>
-            </a:extLst>
-          </p:cNvPr>
-          <p:cNvSpPr/>
-          <p:nvPr/>
-        </p:nvSpPr>
-        <p:spPr>
-          <a:xfrm>
-            <a:off x="2282102" y="1948488"/>
-            <a:ext cx="575799" cy="523220"/>
-          </a:xfrm>
-          <a:prstGeom prst="rect">
-            <a:avLst/>
-          </a:prstGeom>
-          <a:solidFill>
-            <a:schemeClr val="accent6"/>
-          </a:solidFill>
-        </p:spPr>
-        <p:txBody>
-          <a:bodyPr wrap="none">
-            <a:spAutoFit/>
-          </a:bodyPr>
-          <a:lstStyle/>
-          <a:p>
-            <a:r>
-              <a:rPr lang="zh-CN" altLang="en-US" sz="2800" dirty="0">
-                <a:solidFill>
-                  <a:schemeClr val="bg1"/>
-                </a:solidFill>
-                <a:latin typeface="Impact" panose="020B0806030902050204" pitchFamily="34" charset="0"/>
-              </a:rPr>
-              <a:t> </a:t>
-            </a:r>
-            <a:r>
-              <a:rPr lang="en-US" altLang="zh-CN" sz="2800" dirty="0">
-                <a:solidFill>
-                  <a:schemeClr val="bg1"/>
-                </a:solidFill>
-                <a:latin typeface="Impact" panose="020B0806030902050204" pitchFamily="34" charset="0"/>
-              </a:rPr>
-              <a:t>01</a:t>
-            </a:r>
-          </a:p>
-        </p:txBody>
-      </p:sp>
-      <p:sp>
-        <p:nvSpPr>
-          <p:cNvPr id="5" name="TextBox 4">
-            <a:extLst>
-              <a:ext uri="{FF2B5EF4-FFF2-40B4-BE49-F238E27FC236}">
-                <a16:creationId xmlns:a16="http://schemas.microsoft.com/office/drawing/2014/main" id="{B400B9AB-C0F2-4C52-84F8-857D8EC72C00}"/>
-              </a:ext>
-            </a:extLst>
-          </p:cNvPr>
-          <p:cNvSpPr txBox="1">
-            <a:spLocks noChangeArrowheads="1"/>
-          </p:cNvSpPr>
-          <p:nvPr/>
-        </p:nvSpPr>
-        <p:spPr bwMode="auto">
-          <a:xfrm>
-            <a:off x="3005875" y="2011635"/>
-            <a:ext cx="3495039" cy="417871"/>
-          </a:xfrm>
-          <a:prstGeom prst="rect">
-            <a:avLst/>
-          </a:prstGeom>
-          <a:solidFill>
-            <a:schemeClr val="accent6"/>
-          </a:solidFill>
-          <a:ln>
-            <a:noFill/>
-          </a:ln>
-        </p:spPr>
-        <p:txBody>
-          <a:bodyPr wrap="square">
-            <a:spAutoFit/>
-          </a:bodyPr>
-          <a:lstStyle>
-            <a:lvl1pPr eaLnBrk="0" hangingPunct="0">
-              <a:defRPr sz="1600">
-                <a:solidFill>
-                  <a:schemeClr val="tx1"/>
-                </a:solidFill>
-                <a:latin typeface="Arial" panose="020B0604020202020204" pitchFamily="34" charset="0"/>
-              </a:defRPr>
-            </a:lvl1pPr>
-            <a:lvl2pPr marL="742950" indent="-285750" eaLnBrk="0" hangingPunct="0">
-              <a:defRPr sz="1600">
-                <a:solidFill>
-                  <a:schemeClr val="tx1"/>
-                </a:solidFill>
-                <a:latin typeface="Arial" panose="020B0604020202020204" pitchFamily="34" charset="0"/>
-              </a:defRPr>
-            </a:lvl2pPr>
-            <a:lvl3pPr marL="1143000" indent="-228600" eaLnBrk="0" hangingPunct="0">
-              <a:defRPr sz="1600">
-                <a:solidFill>
-                  <a:schemeClr val="tx1"/>
-                </a:solidFill>
-                <a:latin typeface="Arial" panose="020B0604020202020204" pitchFamily="34" charset="0"/>
-              </a:defRPr>
-            </a:lvl3pPr>
-            <a:lvl4pPr marL="1600200" indent="-228600" eaLnBrk="0" hangingPunct="0">
-              <a:defRPr sz="1600">
-                <a:solidFill>
-                  <a:schemeClr val="tx1"/>
-                </a:solidFill>
-                <a:latin typeface="Arial" panose="020B0604020202020204" pitchFamily="34" charset="0"/>
-              </a:defRPr>
-            </a:lvl4pPr>
-            <a:lvl5pPr marL="2057400" indent="-228600" eaLnBrk="0" hangingPunct="0">
-              <a:defRPr sz="1600">
-                <a:solidFill>
-                  <a:schemeClr val="tx1"/>
-                </a:solidFill>
-                <a:latin typeface="Arial" panose="020B0604020202020204" pitchFamily="34" charset="0"/>
-              </a:defRPr>
-            </a:lvl5pPr>
-            <a:lvl6pPr marL="2514600" indent="-228600" eaLnBrk="0" fontAlgn="base" hangingPunct="0">
-              <a:spcBef>
-                <a:spcPct val="0"/>
-              </a:spcBef>
-              <a:spcAft>
-                <a:spcPct val="0"/>
-              </a:spcAft>
-              <a:defRPr sz="1600">
-                <a:solidFill>
-                  <a:schemeClr val="tx1"/>
-                </a:solidFill>
-                <a:latin typeface="Arial" panose="020B0604020202020204" pitchFamily="34" charset="0"/>
-              </a:defRPr>
-            </a:lvl6pPr>
-            <a:lvl7pPr marL="2971800" indent="-228600" eaLnBrk="0" fontAlgn="base" hangingPunct="0">
-              <a:spcBef>
-                <a:spcPct val="0"/>
-              </a:spcBef>
-              <a:spcAft>
-                <a:spcPct val="0"/>
-              </a:spcAft>
-              <a:defRPr sz="1600">
-                <a:solidFill>
-                  <a:schemeClr val="tx1"/>
-                </a:solidFill>
-                <a:latin typeface="Arial" panose="020B0604020202020204" pitchFamily="34" charset="0"/>
-              </a:defRPr>
-            </a:lvl7pPr>
-            <a:lvl8pPr marL="3429000" indent="-228600" eaLnBrk="0" fontAlgn="base" hangingPunct="0">
-              <a:spcBef>
-                <a:spcPct val="0"/>
-              </a:spcBef>
-              <a:spcAft>
-                <a:spcPct val="0"/>
-              </a:spcAft>
-              <a:defRPr sz="1600">
-                <a:solidFill>
-                  <a:schemeClr val="tx1"/>
-                </a:solidFill>
-                <a:latin typeface="Arial" panose="020B0604020202020204" pitchFamily="34" charset="0"/>
-              </a:defRPr>
-            </a:lvl8pPr>
-            <a:lvl9pPr marL="3886200" indent="-228600" eaLnBrk="0" fontAlgn="base" hangingPunct="0">
-              <a:spcBef>
-                <a:spcPct val="0"/>
-              </a:spcBef>
-              <a:spcAft>
-                <a:spcPct val="0"/>
-              </a:spcAft>
-              <a:defRPr sz="1600">
-                <a:solidFill>
-                  <a:schemeClr val="tx1"/>
-                </a:solidFill>
-                <a:latin typeface="Arial" panose="020B0604020202020204" pitchFamily="34" charset="0"/>
-              </a:defRPr>
-            </a:lvl9pPr>
-          </a:lstStyle>
-          <a:p>
-            <a:pPr algn="ctr" eaLnBrk="1" hangingPunct="1">
-              <a:lnSpc>
-                <a:spcPct val="150000"/>
-              </a:lnSpc>
-            </a:pPr>
-            <a:r>
-              <a:rPr lang="zh-CN" altLang="en-US" b="1" dirty="0">
-                <a:solidFill>
-                  <a:schemeClr val="bg1"/>
-                </a:solidFill>
-                <a:latin typeface="Franklin Gothic Book" panose="020B0503020102020204" pitchFamily="34" charset="0"/>
-                <a:ea typeface="微软雅黑" panose="020B0503020204020204" pitchFamily="34" charset="-122"/>
-              </a:rPr>
-              <a:t>依赖倒置</a:t>
-            </a:r>
-            <a:endParaRPr lang="zh-CN" b="1" dirty="0">
-              <a:solidFill>
-                <a:schemeClr val="bg1"/>
-              </a:solidFill>
-              <a:latin typeface="Franklin Gothic Book" panose="020B0503020102020204" pitchFamily="34" charset="0"/>
-              <a:ea typeface="微软雅黑" panose="020B0503020204020204" pitchFamily="34" charset="-122"/>
-            </a:endParaRPr>
-          </a:p>
-        </p:txBody>
-      </p:sp>
-    </p:spTree>
-    <p:extLst>
-      <p:ext uri="{BB962C8B-B14F-4D97-AF65-F5344CB8AC3E}">
-        <p14:creationId xmlns:p14="http://schemas.microsoft.com/office/powerpoint/2010/main" val="4084272990"/>
-      </p:ext>
-    </p:extLst>
-  </p:cSld>
-  <p:clrMapOvr>
-    <a:masterClrMapping/>
-  </p:clrMapOvr>
-</p:sld>
-</file>
-
-<file path=ppt/slides/slide30.xml><?xml version="1.0" encoding="utf-8"?>
+<file path=ppt/slides/slide31.xml><?xml version="1.0" encoding="utf-8"?>
 <p:sld xmlns:a="http://schemas.openxmlformats.org/drawingml/2006/main" xmlns:r="http://schemas.openxmlformats.org/officeDocument/2006/relationships" xmlns:p="http://schemas.openxmlformats.org/presentationml/2006/main">
   <p:cSld>
     <p:spTree>
@@ -9426,294 +9572,6 @@
 </p:sld>
 </file>
 
-<file path=ppt/slides/slide31.xml><?xml version="1.0" encoding="utf-8"?>
-<p:sld xmlns:a="http://schemas.openxmlformats.org/drawingml/2006/main" xmlns:r="http://schemas.openxmlformats.org/officeDocument/2006/relationships" xmlns:p="http://schemas.openxmlformats.org/presentationml/2006/main">
-  <p:cSld>
-    <p:spTree>
-      <p:nvGrpSpPr>
-        <p:cNvPr id="1" name=""/>
-        <p:cNvGrpSpPr/>
-        <p:nvPr/>
-      </p:nvGrpSpPr>
-      <p:grpSpPr>
-        <a:xfrm>
-          <a:off x="0" y="0"/>
-          <a:ext cx="0" cy="0"/>
-          <a:chOff x="0" y="0"/>
-          <a:chExt cx="0" cy="0"/>
-        </a:xfrm>
-      </p:grpSpPr>
-      <p:sp>
-        <p:nvSpPr>
-          <p:cNvPr id="2" name="文本占位符 1">
-            <a:extLst>
-              <a:ext uri="{FF2B5EF4-FFF2-40B4-BE49-F238E27FC236}">
-                <a16:creationId xmlns:a16="http://schemas.microsoft.com/office/drawing/2014/main" id="{BAC7A425-3A2E-480C-9BA3-62724B374079}"/>
-              </a:ext>
-            </a:extLst>
-          </p:cNvPr>
-          <p:cNvSpPr>
-            <a:spLocks noGrp="1"/>
-          </p:cNvSpPr>
-          <p:nvPr>
-            <p:ph type="body" sz="quarter" idx="11"/>
-          </p:nvPr>
-        </p:nvSpPr>
-        <p:spPr/>
-        <p:txBody>
-          <a:bodyPr/>
-          <a:lstStyle/>
-          <a:p>
-            <a:endParaRPr lang="en-US"/>
-          </a:p>
-        </p:txBody>
-      </p:sp>
-      <p:sp>
-        <p:nvSpPr>
-          <p:cNvPr id="3" name="文本占位符 2">
-            <a:extLst>
-              <a:ext uri="{FF2B5EF4-FFF2-40B4-BE49-F238E27FC236}">
-                <a16:creationId xmlns:a16="http://schemas.microsoft.com/office/drawing/2014/main" id="{A8478F12-827D-4F26-B22A-41E76BCC7616}"/>
-              </a:ext>
-            </a:extLst>
-          </p:cNvPr>
-          <p:cNvSpPr>
-            <a:spLocks noGrp="1"/>
-          </p:cNvSpPr>
-          <p:nvPr>
-            <p:ph type="body" sz="quarter" idx="12"/>
-          </p:nvPr>
-        </p:nvSpPr>
-        <p:spPr/>
-        <p:txBody>
-          <a:bodyPr/>
-          <a:lstStyle/>
-          <a:p>
-            <a:endParaRPr lang="en-US"/>
-          </a:p>
-        </p:txBody>
-      </p:sp>
-      <p:sp>
-        <p:nvSpPr>
-          <p:cNvPr id="4" name="矩形 3">
-            <a:extLst>
-              <a:ext uri="{FF2B5EF4-FFF2-40B4-BE49-F238E27FC236}">
-                <a16:creationId xmlns:a16="http://schemas.microsoft.com/office/drawing/2014/main" id="{8D23002C-FDF4-478F-AD52-73A9CD89A473}"/>
-              </a:ext>
-            </a:extLst>
-          </p:cNvPr>
-          <p:cNvSpPr/>
-          <p:nvPr/>
-        </p:nvSpPr>
-        <p:spPr>
-          <a:xfrm>
-            <a:off x="2282102" y="1948488"/>
-            <a:ext cx="619080" cy="523220"/>
-          </a:xfrm>
-          <a:prstGeom prst="rect">
-            <a:avLst/>
-          </a:prstGeom>
-          <a:solidFill>
-            <a:schemeClr val="accent6"/>
-          </a:solidFill>
-        </p:spPr>
-        <p:txBody>
-          <a:bodyPr wrap="none">
-            <a:spAutoFit/>
-          </a:bodyPr>
-          <a:lstStyle/>
-          <a:p>
-            <a:r>
-              <a:rPr lang="zh-CN" altLang="en-US" sz="2800" dirty="0">
-                <a:solidFill>
-                  <a:schemeClr val="bg1"/>
-                </a:solidFill>
-                <a:latin typeface="Impact" panose="020B0806030902050204" pitchFamily="34" charset="0"/>
-              </a:rPr>
-              <a:t> </a:t>
-            </a:r>
-            <a:r>
-              <a:rPr lang="en-US" altLang="zh-CN" sz="2800" dirty="0">
-                <a:solidFill>
-                  <a:schemeClr val="bg1"/>
-                </a:solidFill>
-                <a:latin typeface="Impact" panose="020B0806030902050204" pitchFamily="34" charset="0"/>
-              </a:rPr>
-              <a:t>04</a:t>
-            </a:r>
-          </a:p>
-        </p:txBody>
-      </p:sp>
-      <p:sp>
-        <p:nvSpPr>
-          <p:cNvPr id="5" name="TextBox 4">
-            <a:extLst>
-              <a:ext uri="{FF2B5EF4-FFF2-40B4-BE49-F238E27FC236}">
-                <a16:creationId xmlns:a16="http://schemas.microsoft.com/office/drawing/2014/main" id="{B400B9AB-C0F2-4C52-84F8-857D8EC72C00}"/>
-              </a:ext>
-            </a:extLst>
-          </p:cNvPr>
-          <p:cNvSpPr txBox="1">
-            <a:spLocks noChangeArrowheads="1"/>
-          </p:cNvSpPr>
-          <p:nvPr/>
-        </p:nvSpPr>
-        <p:spPr bwMode="auto">
-          <a:xfrm>
-            <a:off x="3005875" y="2011635"/>
-            <a:ext cx="3495039" cy="417871"/>
-          </a:xfrm>
-          <a:prstGeom prst="rect">
-            <a:avLst/>
-          </a:prstGeom>
-          <a:solidFill>
-            <a:schemeClr val="accent6"/>
-          </a:solidFill>
-          <a:ln>
-            <a:noFill/>
-          </a:ln>
-        </p:spPr>
-        <p:txBody>
-          <a:bodyPr wrap="square">
-            <a:spAutoFit/>
-          </a:bodyPr>
-          <a:lstStyle>
-            <a:lvl1pPr eaLnBrk="0" hangingPunct="0">
-              <a:defRPr sz="1600">
-                <a:solidFill>
-                  <a:schemeClr val="tx1"/>
-                </a:solidFill>
-                <a:latin typeface="Arial" panose="020B0604020202020204" pitchFamily="34" charset="0"/>
-              </a:defRPr>
-            </a:lvl1pPr>
-            <a:lvl2pPr marL="742950" indent="-285750" eaLnBrk="0" hangingPunct="0">
-              <a:defRPr sz="1600">
-                <a:solidFill>
-                  <a:schemeClr val="tx1"/>
-                </a:solidFill>
-                <a:latin typeface="Arial" panose="020B0604020202020204" pitchFamily="34" charset="0"/>
-              </a:defRPr>
-            </a:lvl2pPr>
-            <a:lvl3pPr marL="1143000" indent="-228600" eaLnBrk="0" hangingPunct="0">
-              <a:defRPr sz="1600">
-                <a:solidFill>
-                  <a:schemeClr val="tx1"/>
-                </a:solidFill>
-                <a:latin typeface="Arial" panose="020B0604020202020204" pitchFamily="34" charset="0"/>
-              </a:defRPr>
-            </a:lvl3pPr>
-            <a:lvl4pPr marL="1600200" indent="-228600" eaLnBrk="0" hangingPunct="0">
-              <a:defRPr sz="1600">
-                <a:solidFill>
-                  <a:schemeClr val="tx1"/>
-                </a:solidFill>
-                <a:latin typeface="Arial" panose="020B0604020202020204" pitchFamily="34" charset="0"/>
-              </a:defRPr>
-            </a:lvl4pPr>
-            <a:lvl5pPr marL="2057400" indent="-228600" eaLnBrk="0" hangingPunct="0">
-              <a:defRPr sz="1600">
-                <a:solidFill>
-                  <a:schemeClr val="tx1"/>
-                </a:solidFill>
-                <a:latin typeface="Arial" panose="020B0604020202020204" pitchFamily="34" charset="0"/>
-              </a:defRPr>
-            </a:lvl5pPr>
-            <a:lvl6pPr marL="2514600" indent="-228600" eaLnBrk="0" fontAlgn="base" hangingPunct="0">
-              <a:spcBef>
-                <a:spcPct val="0"/>
-              </a:spcBef>
-              <a:spcAft>
-                <a:spcPct val="0"/>
-              </a:spcAft>
-              <a:defRPr sz="1600">
-                <a:solidFill>
-                  <a:schemeClr val="tx1"/>
-                </a:solidFill>
-                <a:latin typeface="Arial" panose="020B0604020202020204" pitchFamily="34" charset="0"/>
-              </a:defRPr>
-            </a:lvl6pPr>
-            <a:lvl7pPr marL="2971800" indent="-228600" eaLnBrk="0" fontAlgn="base" hangingPunct="0">
-              <a:spcBef>
-                <a:spcPct val="0"/>
-              </a:spcBef>
-              <a:spcAft>
-                <a:spcPct val="0"/>
-              </a:spcAft>
-              <a:defRPr sz="1600">
-                <a:solidFill>
-                  <a:schemeClr val="tx1"/>
-                </a:solidFill>
-                <a:latin typeface="Arial" panose="020B0604020202020204" pitchFamily="34" charset="0"/>
-              </a:defRPr>
-            </a:lvl7pPr>
-            <a:lvl8pPr marL="3429000" indent="-228600" eaLnBrk="0" fontAlgn="base" hangingPunct="0">
-              <a:spcBef>
-                <a:spcPct val="0"/>
-              </a:spcBef>
-              <a:spcAft>
-                <a:spcPct val="0"/>
-              </a:spcAft>
-              <a:defRPr sz="1600">
-                <a:solidFill>
-                  <a:schemeClr val="tx1"/>
-                </a:solidFill>
-                <a:latin typeface="Arial" panose="020B0604020202020204" pitchFamily="34" charset="0"/>
-              </a:defRPr>
-            </a:lvl8pPr>
-            <a:lvl9pPr marL="3886200" indent="-228600" eaLnBrk="0" fontAlgn="base" hangingPunct="0">
-              <a:spcBef>
-                <a:spcPct val="0"/>
-              </a:spcBef>
-              <a:spcAft>
-                <a:spcPct val="0"/>
-              </a:spcAft>
-              <a:defRPr sz="1600">
-                <a:solidFill>
-                  <a:schemeClr val="tx1"/>
-                </a:solidFill>
-                <a:latin typeface="Arial" panose="020B0604020202020204" pitchFamily="34" charset="0"/>
-              </a:defRPr>
-            </a:lvl9pPr>
-          </a:lstStyle>
-          <a:p>
-            <a:pPr algn="ctr" eaLnBrk="1" hangingPunct="1">
-              <a:lnSpc>
-                <a:spcPct val="150000"/>
-              </a:lnSpc>
-            </a:pPr>
-            <a:r>
-              <a:rPr lang="zh-CN" altLang="en-US" b="1" dirty="0">
-                <a:solidFill>
-                  <a:schemeClr val="bg1"/>
-                </a:solidFill>
-                <a:latin typeface="Franklin Gothic Book" panose="020B0503020102020204" pitchFamily="34" charset="0"/>
-                <a:ea typeface="微软雅黑" panose="020B0503020204020204" pitchFamily="34" charset="-122"/>
-              </a:rPr>
-              <a:t>延伸主题</a:t>
-            </a:r>
-            <a:endParaRPr lang="zh-CN" b="1" dirty="0">
-              <a:solidFill>
-                <a:schemeClr val="bg1"/>
-              </a:solidFill>
-              <a:latin typeface="Franklin Gothic Book" panose="020B0503020102020204" pitchFamily="34" charset="0"/>
-              <a:ea typeface="微软雅黑" panose="020B0503020204020204" pitchFamily="34" charset="-122"/>
-            </a:endParaRPr>
-          </a:p>
-        </p:txBody>
-      </p:sp>
-    </p:spTree>
-    <p:extLst>
-      <p:ext uri="{BB962C8B-B14F-4D97-AF65-F5344CB8AC3E}">
-        <p14:creationId xmlns:p14="http://schemas.microsoft.com/office/powerpoint/2010/main" val="811590094"/>
-      </p:ext>
-    </p:extLst>
-  </p:cSld>
-  <p:clrMapOvr>
-    <a:masterClrMapping/>
-  </p:clrMapOvr>
-</p:sld>
-</file>
-
 <file path=ppt/slides/slide32.xml><?xml version="1.0" encoding="utf-8"?>
 <p:sld xmlns:a="http://schemas.openxmlformats.org/drawingml/2006/main" xmlns:r="http://schemas.openxmlformats.org/officeDocument/2006/relationships" xmlns:p="http://schemas.openxmlformats.org/presentationml/2006/main">
   <p:cSld>
@@ -9736,7 +9594,7 @@
           <p:cNvPr id="2" name="文本占位符 1">
             <a:extLst>
               <a:ext uri="{FF2B5EF4-FFF2-40B4-BE49-F238E27FC236}">
-                <a16:creationId xmlns:a16="http://schemas.microsoft.com/office/drawing/2014/main" id="{2AB6B398-09F3-4F6A-AF70-46D7640DCBCE}"/>
+                <a16:creationId xmlns:a16="http://schemas.microsoft.com/office/drawing/2014/main" id="{BAC7A425-3A2E-480C-9BA3-62724B374079}"/>
               </a:ext>
             </a:extLst>
           </p:cNvPr>
@@ -9752,11 +9610,7 @@
           <a:bodyPr/>
           <a:lstStyle/>
           <a:p>
-            <a:r>
-              <a:rPr lang="zh-CN" altLang="en-US" dirty="0"/>
-              <a:t>单元测试</a:t>
-            </a:r>
-            <a:endParaRPr lang="en-US" dirty="0"/>
+            <a:endParaRPr lang="en-US"/>
           </a:p>
         </p:txBody>
       </p:sp>
@@ -9765,7 +9619,7 @@
           <p:cNvPr id="3" name="文本占位符 2">
             <a:extLst>
               <a:ext uri="{FF2B5EF4-FFF2-40B4-BE49-F238E27FC236}">
-                <a16:creationId xmlns:a16="http://schemas.microsoft.com/office/drawing/2014/main" id="{948F757E-C5DD-4D2F-A170-FCE354E582AD}"/>
+                <a16:creationId xmlns:a16="http://schemas.microsoft.com/office/drawing/2014/main" id="{A8478F12-827D-4F26-B22A-41E76BCC7616}"/>
               </a:ext>
             </a:extLst>
           </p:cNvPr>
@@ -9785,10 +9639,218 @@
           </a:p>
         </p:txBody>
       </p:sp>
+      <p:sp>
+        <p:nvSpPr>
+          <p:cNvPr id="4" name="矩形 3">
+            <a:extLst>
+              <a:ext uri="{FF2B5EF4-FFF2-40B4-BE49-F238E27FC236}">
+                <a16:creationId xmlns:a16="http://schemas.microsoft.com/office/drawing/2014/main" id="{8D23002C-FDF4-478F-AD52-73A9CD89A473}"/>
+              </a:ext>
+            </a:extLst>
+          </p:cNvPr>
+          <p:cNvSpPr/>
+          <p:nvPr/>
+        </p:nvSpPr>
+        <p:spPr>
+          <a:xfrm>
+            <a:off x="2282102" y="1948488"/>
+            <a:ext cx="619080" cy="523220"/>
+          </a:xfrm>
+          <a:prstGeom prst="rect">
+            <a:avLst/>
+          </a:prstGeom>
+          <a:solidFill>
+            <a:schemeClr val="accent6"/>
+          </a:solidFill>
+        </p:spPr>
+        <p:txBody>
+          <a:bodyPr wrap="none">
+            <a:spAutoFit/>
+          </a:bodyPr>
+          <a:lstStyle/>
+          <a:p>
+            <a:r>
+              <a:rPr lang="zh-CN" altLang="en-US" sz="2800" dirty="0">
+                <a:solidFill>
+                  <a:schemeClr val="bg1"/>
+                </a:solidFill>
+                <a:latin typeface="Impact" panose="020B0806030902050204" pitchFamily="34" charset="0"/>
+              </a:rPr>
+              <a:t> </a:t>
+            </a:r>
+            <a:r>
+              <a:rPr lang="en-US" altLang="zh-CN" sz="2800" dirty="0">
+                <a:solidFill>
+                  <a:schemeClr val="bg1"/>
+                </a:solidFill>
+                <a:latin typeface="Impact" panose="020B0806030902050204" pitchFamily="34" charset="0"/>
+              </a:rPr>
+              <a:t>04</a:t>
+            </a:r>
+          </a:p>
+        </p:txBody>
+      </p:sp>
+      <p:sp>
+        <p:nvSpPr>
+          <p:cNvPr id="5" name="TextBox 4">
+            <a:extLst>
+              <a:ext uri="{FF2B5EF4-FFF2-40B4-BE49-F238E27FC236}">
+                <a16:creationId xmlns:a16="http://schemas.microsoft.com/office/drawing/2014/main" id="{B400B9AB-C0F2-4C52-84F8-857D8EC72C00}"/>
+              </a:ext>
+            </a:extLst>
+          </p:cNvPr>
+          <p:cNvSpPr txBox="1">
+            <a:spLocks noChangeArrowheads="1"/>
+          </p:cNvSpPr>
+          <p:nvPr/>
+        </p:nvSpPr>
+        <p:spPr bwMode="auto">
+          <a:xfrm>
+            <a:off x="3005875" y="2011635"/>
+            <a:ext cx="3495039" cy="417871"/>
+          </a:xfrm>
+          <a:prstGeom prst="rect">
+            <a:avLst/>
+          </a:prstGeom>
+          <a:solidFill>
+            <a:schemeClr val="accent6"/>
+          </a:solidFill>
+          <a:ln>
+            <a:noFill/>
+          </a:ln>
+        </p:spPr>
+        <p:txBody>
+          <a:bodyPr wrap="square">
+            <a:spAutoFit/>
+          </a:bodyPr>
+          <a:lstStyle>
+            <a:lvl1pPr eaLnBrk="0" hangingPunct="0">
+              <a:defRPr sz="1600">
+                <a:solidFill>
+                  <a:schemeClr val="tx1"/>
+                </a:solidFill>
+                <a:latin typeface="Arial" panose="020B0604020202020204" pitchFamily="34" charset="0"/>
+              </a:defRPr>
+            </a:lvl1pPr>
+            <a:lvl2pPr marL="742950" indent="-285750" eaLnBrk="0" hangingPunct="0">
+              <a:defRPr sz="1600">
+                <a:solidFill>
+                  <a:schemeClr val="tx1"/>
+                </a:solidFill>
+                <a:latin typeface="Arial" panose="020B0604020202020204" pitchFamily="34" charset="0"/>
+              </a:defRPr>
+            </a:lvl2pPr>
+            <a:lvl3pPr marL="1143000" indent="-228600" eaLnBrk="0" hangingPunct="0">
+              <a:defRPr sz="1600">
+                <a:solidFill>
+                  <a:schemeClr val="tx1"/>
+                </a:solidFill>
+                <a:latin typeface="Arial" panose="020B0604020202020204" pitchFamily="34" charset="0"/>
+              </a:defRPr>
+            </a:lvl3pPr>
+            <a:lvl4pPr marL="1600200" indent="-228600" eaLnBrk="0" hangingPunct="0">
+              <a:defRPr sz="1600">
+                <a:solidFill>
+                  <a:schemeClr val="tx1"/>
+                </a:solidFill>
+                <a:latin typeface="Arial" panose="020B0604020202020204" pitchFamily="34" charset="0"/>
+              </a:defRPr>
+            </a:lvl4pPr>
+            <a:lvl5pPr marL="2057400" indent="-228600" eaLnBrk="0" hangingPunct="0">
+              <a:defRPr sz="1600">
+                <a:solidFill>
+                  <a:schemeClr val="tx1"/>
+                </a:solidFill>
+                <a:latin typeface="Arial" panose="020B0604020202020204" pitchFamily="34" charset="0"/>
+              </a:defRPr>
+            </a:lvl5pPr>
+            <a:lvl6pPr marL="2514600" indent="-228600" eaLnBrk="0" fontAlgn="base" hangingPunct="0">
+              <a:spcBef>
+                <a:spcPct val="0"/>
+              </a:spcBef>
+              <a:spcAft>
+                <a:spcPct val="0"/>
+              </a:spcAft>
+              <a:defRPr sz="1600">
+                <a:solidFill>
+                  <a:schemeClr val="tx1"/>
+                </a:solidFill>
+                <a:latin typeface="Arial" panose="020B0604020202020204" pitchFamily="34" charset="0"/>
+              </a:defRPr>
+            </a:lvl6pPr>
+            <a:lvl7pPr marL="2971800" indent="-228600" eaLnBrk="0" fontAlgn="base" hangingPunct="0">
+              <a:spcBef>
+                <a:spcPct val="0"/>
+              </a:spcBef>
+              <a:spcAft>
+                <a:spcPct val="0"/>
+              </a:spcAft>
+              <a:defRPr sz="1600">
+                <a:solidFill>
+                  <a:schemeClr val="tx1"/>
+                </a:solidFill>
+                <a:latin typeface="Arial" panose="020B0604020202020204" pitchFamily="34" charset="0"/>
+              </a:defRPr>
+            </a:lvl7pPr>
+            <a:lvl8pPr marL="3429000" indent="-228600" eaLnBrk="0" fontAlgn="base" hangingPunct="0">
+              <a:spcBef>
+                <a:spcPct val="0"/>
+              </a:spcBef>
+              <a:spcAft>
+                <a:spcPct val="0"/>
+              </a:spcAft>
+              <a:defRPr sz="1600">
+                <a:solidFill>
+                  <a:schemeClr val="tx1"/>
+                </a:solidFill>
+                <a:latin typeface="Arial" panose="020B0604020202020204" pitchFamily="34" charset="0"/>
+              </a:defRPr>
+            </a:lvl8pPr>
+            <a:lvl9pPr marL="3886200" indent="-228600" eaLnBrk="0" fontAlgn="base" hangingPunct="0">
+              <a:spcBef>
+                <a:spcPct val="0"/>
+              </a:spcBef>
+              <a:spcAft>
+                <a:spcPct val="0"/>
+              </a:spcAft>
+              <a:defRPr sz="1600">
+                <a:solidFill>
+                  <a:schemeClr val="tx1"/>
+                </a:solidFill>
+                <a:latin typeface="Arial" panose="020B0604020202020204" pitchFamily="34" charset="0"/>
+              </a:defRPr>
+            </a:lvl9pPr>
+          </a:lstStyle>
+          <a:p>
+            <a:pPr algn="ctr" eaLnBrk="1" hangingPunct="1">
+              <a:lnSpc>
+                <a:spcPct val="150000"/>
+              </a:lnSpc>
+            </a:pPr>
+            <a:r>
+              <a:rPr lang="zh-CN" altLang="en-US" b="1" dirty="0">
+                <a:solidFill>
+                  <a:schemeClr val="bg1"/>
+                </a:solidFill>
+                <a:latin typeface="Franklin Gothic Book" panose="020B0503020102020204" pitchFamily="34" charset="0"/>
+                <a:ea typeface="微软雅黑" panose="020B0503020204020204" pitchFamily="34" charset="-122"/>
+              </a:rPr>
+              <a:t>延伸主题</a:t>
+            </a:r>
+            <a:endParaRPr lang="zh-CN" b="1" dirty="0">
+              <a:solidFill>
+                <a:schemeClr val="bg1"/>
+              </a:solidFill>
+              <a:latin typeface="Franklin Gothic Book" panose="020B0503020102020204" pitchFamily="34" charset="0"/>
+              <a:ea typeface="微软雅黑" panose="020B0503020204020204" pitchFamily="34" charset="-122"/>
+            </a:endParaRPr>
+          </a:p>
+        </p:txBody>
+      </p:sp>
     </p:spTree>
     <p:extLst>
       <p:ext uri="{BB962C8B-B14F-4D97-AF65-F5344CB8AC3E}">
-        <p14:creationId xmlns:p14="http://schemas.microsoft.com/office/powerpoint/2010/main" val="1039296967"/>
+        <p14:creationId xmlns:p14="http://schemas.microsoft.com/office/powerpoint/2010/main" val="811590094"/>
       </p:ext>
     </p:extLst>
   </p:cSld>
@@ -9817,10 +9879,10 @@
       </p:grpSpPr>
       <p:sp>
         <p:nvSpPr>
-          <p:cNvPr id="2" name="Text Placeholder 1">
+          <p:cNvPr id="2" name="文本占位符 1">
             <a:extLst>
               <a:ext uri="{FF2B5EF4-FFF2-40B4-BE49-F238E27FC236}">
-                <a16:creationId xmlns:a16="http://schemas.microsoft.com/office/drawing/2014/main" id="{C7CDA22C-CF6D-9F4B-9A1F-AEF758DFEFEE}"/>
+                <a16:creationId xmlns:a16="http://schemas.microsoft.com/office/drawing/2014/main" id="{2AB6B398-09F3-4F6A-AF70-46D7640DCBCE}"/>
               </a:ext>
             </a:extLst>
           </p:cNvPr>
@@ -9838,26 +9900,18 @@
           <a:p>
             <a:r>
               <a:rPr lang="zh-CN" altLang="en-US" dirty="0"/>
-              <a:t>实践</a:t>
-            </a:r>
-            <a:r>
-              <a:rPr lang="en-US" altLang="zh-CN" dirty="0"/>
-              <a:t>-</a:t>
-            </a:r>
-            <a:r>
-              <a:rPr lang="zh-CN" altLang="en-US" dirty="0"/>
-              <a:t>现有代码重构</a:t>
-            </a:r>
-            <a:endParaRPr lang="en-CN" dirty="0"/>
-          </a:p>
-        </p:txBody>
-      </p:sp>
-      <p:sp>
-        <p:nvSpPr>
-          <p:cNvPr id="3" name="Text Placeholder 2">
+              <a:t>单元测试</a:t>
+            </a:r>
+            <a:endParaRPr lang="en-US" dirty="0"/>
+          </a:p>
+        </p:txBody>
+      </p:sp>
+      <p:sp>
+        <p:nvSpPr>
+          <p:cNvPr id="3" name="文本占位符 2">
             <a:extLst>
               <a:ext uri="{FF2B5EF4-FFF2-40B4-BE49-F238E27FC236}">
-                <a16:creationId xmlns:a16="http://schemas.microsoft.com/office/drawing/2014/main" id="{F674E8E0-E862-A04D-9432-27129094EB6B}"/>
+                <a16:creationId xmlns:a16="http://schemas.microsoft.com/office/drawing/2014/main" id="{948F757E-C5DD-4D2F-A170-FCE354E582AD}"/>
               </a:ext>
             </a:extLst>
           </p:cNvPr>
@@ -9873,107 +9927,14 @@
           <a:bodyPr/>
           <a:lstStyle/>
           <a:p>
-            <a:endParaRPr lang="en-CN"/>
-          </a:p>
-        </p:txBody>
-      </p:sp>
-      <p:sp>
-        <p:nvSpPr>
-          <p:cNvPr id="4" name="文本框 3">
-            <a:extLst>
-              <a:ext uri="{FF2B5EF4-FFF2-40B4-BE49-F238E27FC236}">
-                <a16:creationId xmlns:a16="http://schemas.microsoft.com/office/drawing/2014/main" id="{E56015EA-A45E-4E6C-81E2-DF092D61A14D}"/>
-              </a:ext>
-            </a:extLst>
-          </p:cNvPr>
-          <p:cNvSpPr txBox="1"/>
-          <p:nvPr/>
-        </p:nvSpPr>
-        <p:spPr>
-          <a:xfrm>
-            <a:off x="1403648" y="915566"/>
-            <a:ext cx="3672408" cy="369332"/>
-          </a:xfrm>
-          <a:prstGeom prst="rect">
-            <a:avLst/>
-          </a:prstGeom>
-          <a:noFill/>
-        </p:spPr>
-        <p:txBody>
-          <a:bodyPr wrap="square" rtlCol="0">
-            <a:spAutoFit/>
-          </a:bodyPr>
-          <a:lstStyle/>
-          <a:p>
-            <a:r>
-              <a:rPr lang="zh-CN" altLang="en-US" dirty="0"/>
-              <a:t>没有实现依赖注入代码库的重构</a:t>
-            </a:r>
-            <a:endParaRPr lang="en-US" dirty="0"/>
-          </a:p>
-        </p:txBody>
-      </p:sp>
-      <p:sp>
-        <p:nvSpPr>
-          <p:cNvPr id="5" name="文本框 4">
-            <a:extLst>
-              <a:ext uri="{FF2B5EF4-FFF2-40B4-BE49-F238E27FC236}">
-                <a16:creationId xmlns:a16="http://schemas.microsoft.com/office/drawing/2014/main" id="{DD12A786-F4B1-4968-8E2F-1ADBC01F8662}"/>
-              </a:ext>
-            </a:extLst>
-          </p:cNvPr>
-          <p:cNvSpPr txBox="1"/>
-          <p:nvPr/>
-        </p:nvSpPr>
-        <p:spPr>
-          <a:xfrm>
-            <a:off x="3419872" y="1688991"/>
-            <a:ext cx="1319734" cy="1200329"/>
-          </a:xfrm>
-          <a:prstGeom prst="rect">
-            <a:avLst/>
-          </a:prstGeom>
-          <a:noFill/>
-        </p:spPr>
-        <p:txBody>
-          <a:bodyPr wrap="square" rtlCol="0">
-            <a:spAutoFit/>
-          </a:bodyPr>
-          <a:lstStyle/>
-          <a:p>
-            <a:r>
-              <a:rPr lang="zh-CN" altLang="en-US" dirty="0"/>
-              <a:t>旧的不变，</a:t>
-            </a:r>
-            <a:endParaRPr lang="en-US" altLang="zh-CN" dirty="0"/>
-          </a:p>
-          <a:p>
-            <a:r>
-              <a:rPr lang="zh-CN" altLang="en-US" dirty="0"/>
-              <a:t>新的创建，</a:t>
-            </a:r>
-            <a:endParaRPr lang="en-US" altLang="zh-CN" dirty="0"/>
-          </a:p>
-          <a:p>
-            <a:r>
-              <a:rPr lang="zh-CN" altLang="en-US" dirty="0"/>
-              <a:t>一步切换，</a:t>
-            </a:r>
-            <a:endParaRPr lang="en-US" altLang="zh-CN" dirty="0"/>
-          </a:p>
-          <a:p>
-            <a:r>
-              <a:rPr lang="zh-CN" altLang="en-US" dirty="0"/>
-              <a:t>旧的再见。</a:t>
-            </a:r>
-            <a:endParaRPr lang="en-US" dirty="0"/>
+            <a:endParaRPr lang="en-US"/>
           </a:p>
         </p:txBody>
       </p:sp>
     </p:spTree>
     <p:extLst>
       <p:ext uri="{BB962C8B-B14F-4D97-AF65-F5344CB8AC3E}">
-        <p14:creationId xmlns:p14="http://schemas.microsoft.com/office/powerpoint/2010/main" val="1925989410"/>
+        <p14:creationId xmlns:p14="http://schemas.microsoft.com/office/powerpoint/2010/main" val="1039296967"/>
       </p:ext>
     </p:extLst>
   </p:cSld>
@@ -10005,7 +9966,7 @@
           <p:cNvPr id="2" name="文本占位符 1">
             <a:extLst>
               <a:ext uri="{FF2B5EF4-FFF2-40B4-BE49-F238E27FC236}">
-                <a16:creationId xmlns:a16="http://schemas.microsoft.com/office/drawing/2014/main" id="{603E2D02-8EA4-4DCD-B054-B6ED490E31AD}"/>
+                <a16:creationId xmlns:a16="http://schemas.microsoft.com/office/drawing/2014/main" id="{072BF33B-6632-44D1-9273-3EEA893DFA28}"/>
               </a:ext>
             </a:extLst>
           </p:cNvPr>
@@ -10023,19 +9984,12 @@
           <a:p>
             <a:r>
               <a:rPr lang="zh-CN" altLang="en-US" dirty="0"/>
-              <a:t>实践</a:t>
+              <a:t>单元测试中的</a:t>
             </a:r>
             <a:r>
               <a:rPr lang="en-US" altLang="zh-CN" dirty="0"/>
-              <a:t>-</a:t>
-            </a:r>
-            <a:r>
-              <a:rPr lang="zh-CN" altLang="en-US" dirty="0"/>
-              <a:t>现有代码重构</a:t>
-            </a:r>
-            <a:endParaRPr lang="en-CN" dirty="0"/>
-          </a:p>
-          <a:p>
+              <a:t>Mock</a:t>
+            </a:r>
             <a:endParaRPr lang="en-US" dirty="0"/>
           </a:p>
         </p:txBody>
@@ -10045,7 +9999,7 @@
           <p:cNvPr id="3" name="文本占位符 2">
             <a:extLst>
               <a:ext uri="{FF2B5EF4-FFF2-40B4-BE49-F238E27FC236}">
-                <a16:creationId xmlns:a16="http://schemas.microsoft.com/office/drawing/2014/main" id="{D46AB326-1EF4-4871-8377-ED500097C396}"/>
+                <a16:creationId xmlns:a16="http://schemas.microsoft.com/office/drawing/2014/main" id="{200E0E97-8845-47BC-91A9-5E0DB4D6F84E}"/>
               </a:ext>
             </a:extLst>
           </p:cNvPr>
@@ -10065,50 +10019,10 @@
           </a:p>
         </p:txBody>
       </p:sp>
-      <p:sp>
-        <p:nvSpPr>
-          <p:cNvPr id="4" name="文本框 3">
-            <a:extLst>
-              <a:ext uri="{FF2B5EF4-FFF2-40B4-BE49-F238E27FC236}">
-                <a16:creationId xmlns:a16="http://schemas.microsoft.com/office/drawing/2014/main" id="{431FC4DB-F91D-46EA-A03A-CF4F74FA7934}"/>
-              </a:ext>
-            </a:extLst>
-          </p:cNvPr>
-          <p:cNvSpPr txBox="1"/>
-          <p:nvPr/>
-        </p:nvSpPr>
-        <p:spPr>
-          <a:xfrm>
-            <a:off x="1331640" y="1275606"/>
-            <a:ext cx="2664296" cy="369332"/>
-          </a:xfrm>
-          <a:prstGeom prst="rect">
-            <a:avLst/>
-          </a:prstGeom>
-          <a:noFill/>
-        </p:spPr>
-        <p:txBody>
-          <a:bodyPr wrap="square" rtlCol="0">
-            <a:spAutoFit/>
-          </a:bodyPr>
-          <a:lstStyle/>
-          <a:p>
-            <a:r>
-              <a:rPr lang="en-US" dirty="0"/>
-              <a:t>Channel</a:t>
-            </a:r>
-            <a:r>
-              <a:rPr lang="zh-CN" altLang="en-US" dirty="0"/>
-              <a:t>代码的初步尝试</a:t>
-            </a:r>
-            <a:endParaRPr lang="en-US" dirty="0"/>
-          </a:p>
-        </p:txBody>
-      </p:sp>
     </p:spTree>
     <p:extLst>
       <p:ext uri="{BB962C8B-B14F-4D97-AF65-F5344CB8AC3E}">
-        <p14:creationId xmlns:p14="http://schemas.microsoft.com/office/powerpoint/2010/main" val="2862931072"/>
+        <p14:creationId xmlns:p14="http://schemas.microsoft.com/office/powerpoint/2010/main" val="2234312416"/>
       </p:ext>
     </p:extLst>
   </p:cSld>
@@ -10137,10 +10051,10 @@
       </p:grpSpPr>
       <p:sp>
         <p:nvSpPr>
-          <p:cNvPr id="2" name="文本占位符 1">
+          <p:cNvPr id="2" name="Text Placeholder 1">
             <a:extLst>
               <a:ext uri="{FF2B5EF4-FFF2-40B4-BE49-F238E27FC236}">
-                <a16:creationId xmlns:a16="http://schemas.microsoft.com/office/drawing/2014/main" id="{BAC7A425-3A2E-480C-9BA3-62724B374079}"/>
+                <a16:creationId xmlns:a16="http://schemas.microsoft.com/office/drawing/2014/main" id="{C7CDA22C-CF6D-9F4B-9A1F-AEF758DFEFEE}"/>
               </a:ext>
             </a:extLst>
           </p:cNvPr>
@@ -10156,16 +10070,28 @@
           <a:bodyPr/>
           <a:lstStyle/>
           <a:p>
-            <a:endParaRPr lang="en-US"/>
-          </a:p>
-        </p:txBody>
-      </p:sp>
-      <p:sp>
-        <p:nvSpPr>
-          <p:cNvPr id="3" name="文本占位符 2">
+            <a:r>
+              <a:rPr lang="zh-CN" altLang="en-US" dirty="0"/>
+              <a:t>实践</a:t>
+            </a:r>
+            <a:r>
+              <a:rPr lang="en-US" altLang="zh-CN" dirty="0"/>
+              <a:t>-</a:t>
+            </a:r>
+            <a:r>
+              <a:rPr lang="zh-CN" altLang="en-US" dirty="0"/>
+              <a:t>现有代码重构</a:t>
+            </a:r>
+            <a:endParaRPr lang="en-CN" dirty="0"/>
+          </a:p>
+        </p:txBody>
+      </p:sp>
+      <p:sp>
+        <p:nvSpPr>
+          <p:cNvPr id="3" name="Text Placeholder 2">
             <a:extLst>
               <a:ext uri="{FF2B5EF4-FFF2-40B4-BE49-F238E27FC236}">
-                <a16:creationId xmlns:a16="http://schemas.microsoft.com/office/drawing/2014/main" id="{A8478F12-827D-4F26-B22A-41E76BCC7616}"/>
+                <a16:creationId xmlns:a16="http://schemas.microsoft.com/office/drawing/2014/main" id="{F674E8E0-E862-A04D-9432-27129094EB6B}"/>
               </a:ext>
             </a:extLst>
           </p:cNvPr>
@@ -10181,222 +10107,107 @@
           <a:bodyPr/>
           <a:lstStyle/>
           <a:p>
-            <a:endParaRPr lang="en-US"/>
-          </a:p>
-        </p:txBody>
-      </p:sp>
-      <p:sp>
-        <p:nvSpPr>
-          <p:cNvPr id="4" name="矩形 3">
+            <a:endParaRPr lang="en-CN"/>
+          </a:p>
+        </p:txBody>
+      </p:sp>
+      <p:sp>
+        <p:nvSpPr>
+          <p:cNvPr id="4" name="文本框 3">
             <a:extLst>
               <a:ext uri="{FF2B5EF4-FFF2-40B4-BE49-F238E27FC236}">
-                <a16:creationId xmlns:a16="http://schemas.microsoft.com/office/drawing/2014/main" id="{8D23002C-FDF4-478F-AD52-73A9CD89A473}"/>
+                <a16:creationId xmlns:a16="http://schemas.microsoft.com/office/drawing/2014/main" id="{E56015EA-A45E-4E6C-81E2-DF092D61A14D}"/>
               </a:ext>
             </a:extLst>
           </p:cNvPr>
-          <p:cNvSpPr/>
+          <p:cNvSpPr txBox="1"/>
           <p:nvPr/>
         </p:nvSpPr>
         <p:spPr>
           <a:xfrm>
-            <a:off x="2282102" y="1948488"/>
-            <a:ext cx="631904" cy="523220"/>
+            <a:off x="1403648" y="915566"/>
+            <a:ext cx="3672408" cy="369332"/>
           </a:xfrm>
           <a:prstGeom prst="rect">
             <a:avLst/>
           </a:prstGeom>
-          <a:solidFill>
-            <a:schemeClr val="accent6"/>
-          </a:solidFill>
+          <a:noFill/>
         </p:spPr>
         <p:txBody>
-          <a:bodyPr wrap="none">
+          <a:bodyPr wrap="square" rtlCol="0">
             <a:spAutoFit/>
           </a:bodyPr>
           <a:lstStyle/>
           <a:p>
             <a:r>
-              <a:rPr lang="zh-CN" altLang="en-US" sz="2800" dirty="0">
-                <a:solidFill>
-                  <a:schemeClr val="bg1"/>
-                </a:solidFill>
-                <a:latin typeface="Impact" panose="020B0806030902050204" pitchFamily="34" charset="0"/>
-              </a:rPr>
-              <a:t> </a:t>
-            </a:r>
-            <a:r>
-              <a:rPr lang="en-US" altLang="zh-CN" sz="2800" dirty="0">
-                <a:solidFill>
-                  <a:schemeClr val="bg1"/>
-                </a:solidFill>
-                <a:latin typeface="Impact" panose="020B0806030902050204" pitchFamily="34" charset="0"/>
-              </a:rPr>
-              <a:t>00</a:t>
-            </a:r>
-          </a:p>
-        </p:txBody>
-      </p:sp>
-      <p:sp>
-        <p:nvSpPr>
-          <p:cNvPr id="5" name="TextBox 4">
+              <a:rPr lang="zh-CN" altLang="en-US" dirty="0"/>
+              <a:t>没有实现依赖注入代码库的重构</a:t>
+            </a:r>
+            <a:endParaRPr lang="en-US" dirty="0"/>
+          </a:p>
+        </p:txBody>
+      </p:sp>
+      <p:sp>
+        <p:nvSpPr>
+          <p:cNvPr id="5" name="文本框 4">
             <a:extLst>
               <a:ext uri="{FF2B5EF4-FFF2-40B4-BE49-F238E27FC236}">
-                <a16:creationId xmlns:a16="http://schemas.microsoft.com/office/drawing/2014/main" id="{B400B9AB-C0F2-4C52-84F8-857D8EC72C00}"/>
+                <a16:creationId xmlns:a16="http://schemas.microsoft.com/office/drawing/2014/main" id="{DD12A786-F4B1-4968-8E2F-1ADBC01F8662}"/>
               </a:ext>
             </a:extLst>
           </p:cNvPr>
-          <p:cNvSpPr txBox="1">
-            <a:spLocks noChangeArrowheads="1"/>
-          </p:cNvSpPr>
+          <p:cNvSpPr txBox="1"/>
           <p:nvPr/>
         </p:nvSpPr>
-        <p:spPr bwMode="auto">
+        <p:spPr>
           <a:xfrm>
-            <a:off x="3005875" y="2011635"/>
-            <a:ext cx="3495039" cy="417871"/>
+            <a:off x="3419872" y="1688991"/>
+            <a:ext cx="1319734" cy="1200329"/>
           </a:xfrm>
           <a:prstGeom prst="rect">
             <a:avLst/>
           </a:prstGeom>
-          <a:solidFill>
-            <a:schemeClr val="accent6"/>
-          </a:solidFill>
-          <a:ln>
-            <a:noFill/>
-          </a:ln>
+          <a:noFill/>
         </p:spPr>
         <p:txBody>
-          <a:bodyPr wrap="square">
+          <a:bodyPr wrap="square" rtlCol="0">
             <a:spAutoFit/>
           </a:bodyPr>
-          <a:lstStyle>
-            <a:lvl1pPr eaLnBrk="0" hangingPunct="0">
-              <a:defRPr sz="1600">
-                <a:solidFill>
-                  <a:schemeClr val="tx1"/>
-                </a:solidFill>
-                <a:latin typeface="Arial" panose="020B0604020202020204" pitchFamily="34" charset="0"/>
-              </a:defRPr>
-            </a:lvl1pPr>
-            <a:lvl2pPr marL="742950" indent="-285750" eaLnBrk="0" hangingPunct="0">
-              <a:defRPr sz="1600">
-                <a:solidFill>
-                  <a:schemeClr val="tx1"/>
-                </a:solidFill>
-                <a:latin typeface="Arial" panose="020B0604020202020204" pitchFamily="34" charset="0"/>
-              </a:defRPr>
-            </a:lvl2pPr>
-            <a:lvl3pPr marL="1143000" indent="-228600" eaLnBrk="0" hangingPunct="0">
-              <a:defRPr sz="1600">
-                <a:solidFill>
-                  <a:schemeClr val="tx1"/>
-                </a:solidFill>
-                <a:latin typeface="Arial" panose="020B0604020202020204" pitchFamily="34" charset="0"/>
-              </a:defRPr>
-            </a:lvl3pPr>
-            <a:lvl4pPr marL="1600200" indent="-228600" eaLnBrk="0" hangingPunct="0">
-              <a:defRPr sz="1600">
-                <a:solidFill>
-                  <a:schemeClr val="tx1"/>
-                </a:solidFill>
-                <a:latin typeface="Arial" panose="020B0604020202020204" pitchFamily="34" charset="0"/>
-              </a:defRPr>
-            </a:lvl4pPr>
-            <a:lvl5pPr marL="2057400" indent="-228600" eaLnBrk="0" hangingPunct="0">
-              <a:defRPr sz="1600">
-                <a:solidFill>
-                  <a:schemeClr val="tx1"/>
-                </a:solidFill>
-                <a:latin typeface="Arial" panose="020B0604020202020204" pitchFamily="34" charset="0"/>
-              </a:defRPr>
-            </a:lvl5pPr>
-            <a:lvl6pPr marL="2514600" indent="-228600" eaLnBrk="0" fontAlgn="base" hangingPunct="0">
-              <a:spcBef>
-                <a:spcPct val="0"/>
-              </a:spcBef>
-              <a:spcAft>
-                <a:spcPct val="0"/>
-              </a:spcAft>
-              <a:defRPr sz="1600">
-                <a:solidFill>
-                  <a:schemeClr val="tx1"/>
-                </a:solidFill>
-                <a:latin typeface="Arial" panose="020B0604020202020204" pitchFamily="34" charset="0"/>
-              </a:defRPr>
-            </a:lvl6pPr>
-            <a:lvl7pPr marL="2971800" indent="-228600" eaLnBrk="0" fontAlgn="base" hangingPunct="0">
-              <a:spcBef>
-                <a:spcPct val="0"/>
-              </a:spcBef>
-              <a:spcAft>
-                <a:spcPct val="0"/>
-              </a:spcAft>
-              <a:defRPr sz="1600">
-                <a:solidFill>
-                  <a:schemeClr val="tx1"/>
-                </a:solidFill>
-                <a:latin typeface="Arial" panose="020B0604020202020204" pitchFamily="34" charset="0"/>
-              </a:defRPr>
-            </a:lvl7pPr>
-            <a:lvl8pPr marL="3429000" indent="-228600" eaLnBrk="0" fontAlgn="base" hangingPunct="0">
-              <a:spcBef>
-                <a:spcPct val="0"/>
-              </a:spcBef>
-              <a:spcAft>
-                <a:spcPct val="0"/>
-              </a:spcAft>
-              <a:defRPr sz="1600">
-                <a:solidFill>
-                  <a:schemeClr val="tx1"/>
-                </a:solidFill>
-                <a:latin typeface="Arial" panose="020B0604020202020204" pitchFamily="34" charset="0"/>
-              </a:defRPr>
-            </a:lvl8pPr>
-            <a:lvl9pPr marL="3886200" indent="-228600" eaLnBrk="0" fontAlgn="base" hangingPunct="0">
-              <a:spcBef>
-                <a:spcPct val="0"/>
-              </a:spcBef>
-              <a:spcAft>
-                <a:spcPct val="0"/>
-              </a:spcAft>
-              <a:defRPr sz="1600">
-                <a:solidFill>
-                  <a:schemeClr val="tx1"/>
-                </a:solidFill>
-                <a:latin typeface="Arial" panose="020B0604020202020204" pitchFamily="34" charset="0"/>
-              </a:defRPr>
-            </a:lvl9pPr>
-          </a:lstStyle>
-          <a:p>
-            <a:pPr algn="ctr" eaLnBrk="1" hangingPunct="1">
-              <a:lnSpc>
-                <a:spcPct val="150000"/>
-              </a:lnSpc>
-            </a:pPr>
-            <a:r>
-              <a:rPr lang="zh-CN" altLang="en-US" b="1" dirty="0">
-                <a:solidFill>
-                  <a:schemeClr val="bg1"/>
-                </a:solidFill>
-                <a:latin typeface="Franklin Gothic Book" panose="020B0503020102020204" pitchFamily="34" charset="0"/>
-                <a:ea typeface="微软雅黑" panose="020B0503020204020204" pitchFamily="34" charset="-122"/>
-              </a:rPr>
-              <a:t>结语</a:t>
-            </a:r>
-            <a:endParaRPr lang="zh-CN" b="1" dirty="0">
-              <a:solidFill>
-                <a:schemeClr val="bg1"/>
-              </a:solidFill>
-              <a:latin typeface="Franklin Gothic Book" panose="020B0503020102020204" pitchFamily="34" charset="0"/>
-              <a:ea typeface="微软雅黑" panose="020B0503020204020204" pitchFamily="34" charset="-122"/>
-            </a:endParaRPr>
+          <a:lstStyle/>
+          <a:p>
+            <a:r>
+              <a:rPr lang="zh-CN" altLang="en-US" dirty="0"/>
+              <a:t>旧的不变，</a:t>
+            </a:r>
+            <a:endParaRPr lang="en-US" altLang="zh-CN" dirty="0"/>
+          </a:p>
+          <a:p>
+            <a:r>
+              <a:rPr lang="zh-CN" altLang="en-US" dirty="0"/>
+              <a:t>新的创建，</a:t>
+            </a:r>
+            <a:endParaRPr lang="en-US" altLang="zh-CN" dirty="0"/>
+          </a:p>
+          <a:p>
+            <a:r>
+              <a:rPr lang="zh-CN" altLang="en-US" dirty="0"/>
+              <a:t>一步切换，</a:t>
+            </a:r>
+            <a:endParaRPr lang="en-US" altLang="zh-CN" dirty="0"/>
+          </a:p>
+          <a:p>
+            <a:r>
+              <a:rPr lang="zh-CN" altLang="en-US" dirty="0"/>
+              <a:t>旧的再见。</a:t>
+            </a:r>
+            <a:endParaRPr lang="en-US" dirty="0"/>
           </a:p>
         </p:txBody>
       </p:sp>
     </p:spTree>
     <p:extLst>
       <p:ext uri="{BB962C8B-B14F-4D97-AF65-F5344CB8AC3E}">
-        <p14:creationId xmlns:p14="http://schemas.microsoft.com/office/powerpoint/2010/main" val="2223094661"/>
+        <p14:creationId xmlns:p14="http://schemas.microsoft.com/office/powerpoint/2010/main" val="1925989410"/>
       </p:ext>
     </p:extLst>
   </p:cSld>
@@ -10428,7 +10239,7 @@
           <p:cNvPr id="2" name="文本占位符 1">
             <a:extLst>
               <a:ext uri="{FF2B5EF4-FFF2-40B4-BE49-F238E27FC236}">
-                <a16:creationId xmlns:a16="http://schemas.microsoft.com/office/drawing/2014/main" id="{7C46A7BF-5CEA-4F07-AAA3-AB3499DB63E7}"/>
+                <a16:creationId xmlns:a16="http://schemas.microsoft.com/office/drawing/2014/main" id="{603E2D02-8EA4-4DCD-B054-B6ED490E31AD}"/>
               </a:ext>
             </a:extLst>
           </p:cNvPr>
@@ -10444,7 +10255,22 @@
           <a:bodyPr/>
           <a:lstStyle/>
           <a:p>
-            <a:endParaRPr lang="en-US"/>
+            <a:r>
+              <a:rPr lang="zh-CN" altLang="en-US" dirty="0"/>
+              <a:t>实践</a:t>
+            </a:r>
+            <a:r>
+              <a:rPr lang="en-US" altLang="zh-CN" dirty="0"/>
+              <a:t>-</a:t>
+            </a:r>
+            <a:r>
+              <a:rPr lang="zh-CN" altLang="en-US" dirty="0"/>
+              <a:t>现有代码重构</a:t>
+            </a:r>
+            <a:endParaRPr lang="en-CN" dirty="0"/>
+          </a:p>
+          <a:p>
+            <a:endParaRPr lang="en-US" dirty="0"/>
           </a:p>
         </p:txBody>
       </p:sp>
@@ -10453,7 +10279,7 @@
           <p:cNvPr id="3" name="文本占位符 2">
             <a:extLst>
               <a:ext uri="{FF2B5EF4-FFF2-40B4-BE49-F238E27FC236}">
-                <a16:creationId xmlns:a16="http://schemas.microsoft.com/office/drawing/2014/main" id="{33053654-1205-435D-A3CF-67F7D94C2E01}"/>
+                <a16:creationId xmlns:a16="http://schemas.microsoft.com/office/drawing/2014/main" id="{D46AB326-1EF4-4871-8377-ED500097C396}"/>
               </a:ext>
             </a:extLst>
           </p:cNvPr>
@@ -10478,7 +10304,7 @@
           <p:cNvPr id="4" name="文本框 3">
             <a:extLst>
               <a:ext uri="{FF2B5EF4-FFF2-40B4-BE49-F238E27FC236}">
-                <a16:creationId xmlns:a16="http://schemas.microsoft.com/office/drawing/2014/main" id="{C2425AD8-858F-4593-A940-C487A89F6C95}"/>
+                <a16:creationId xmlns:a16="http://schemas.microsoft.com/office/drawing/2014/main" id="{431FC4DB-F91D-46EA-A03A-CF4F74FA7934}"/>
               </a:ext>
             </a:extLst>
           </p:cNvPr>
@@ -10487,8 +10313,8 @@
         </p:nvSpPr>
         <p:spPr>
           <a:xfrm>
-            <a:off x="1259632" y="1491630"/>
-            <a:ext cx="5400600" cy="1998689"/>
+            <a:off x="1331640" y="1275606"/>
+            <a:ext cx="2664296" cy="369332"/>
           </a:xfrm>
           <a:prstGeom prst="rect">
             <a:avLst/>
@@ -10501,244 +10327,22 @@
           </a:bodyPr>
           <a:lstStyle/>
           <a:p>
-            <a:pPr marL="171450" indent="-171450">
-              <a:lnSpc>
-                <a:spcPct val="150000"/>
-              </a:lnSpc>
-              <a:buFont typeface="Arial" panose="020B0604020202020204" pitchFamily="34" charset="0"/>
-              <a:buChar char="•"/>
-            </a:pPr>
-            <a:r>
-              <a:rPr lang="zh-CN" altLang="en-US" sz="1200" dirty="0">
-                <a:latin typeface="微软雅黑" panose="020B0503020204020204" pitchFamily="34" charset="-122"/>
-                <a:ea typeface="微软雅黑" panose="020B0503020204020204" pitchFamily="34" charset="-122"/>
-              </a:rPr>
-              <a:t>没有银弹！</a:t>
-            </a:r>
-            <a:r>
-              <a:rPr lang="en-US" altLang="zh-CN" sz="1200" dirty="0">
-                <a:latin typeface="微软雅黑" panose="020B0503020204020204" pitchFamily="34" charset="-122"/>
-                <a:ea typeface="微软雅黑" panose="020B0503020204020204" pitchFamily="34" charset="-122"/>
-              </a:rPr>
-              <a:t>--《</a:t>
-            </a:r>
-            <a:r>
-              <a:rPr lang="zh-CN" altLang="en-US" sz="1200" dirty="0">
-                <a:latin typeface="微软雅黑" panose="020B0503020204020204" pitchFamily="34" charset="-122"/>
-                <a:ea typeface="微软雅黑" panose="020B0503020204020204" pitchFamily="34" charset="-122"/>
-              </a:rPr>
-              <a:t>人月神话</a:t>
-            </a:r>
-            <a:r>
-              <a:rPr lang="en-US" altLang="zh-CN" sz="1200" dirty="0">
-                <a:latin typeface="微软雅黑" panose="020B0503020204020204" pitchFamily="34" charset="-122"/>
-                <a:ea typeface="微软雅黑" panose="020B0503020204020204" pitchFamily="34" charset="-122"/>
-              </a:rPr>
-              <a:t>》</a:t>
-            </a:r>
-          </a:p>
-          <a:p>
-            <a:pPr marL="171450" indent="-171450">
-              <a:lnSpc>
-                <a:spcPct val="150000"/>
-              </a:lnSpc>
-              <a:buFont typeface="Arial" panose="020B0604020202020204" pitchFamily="34" charset="0"/>
-              <a:buChar char="•"/>
-            </a:pPr>
-            <a:r>
-              <a:rPr lang="zh-CN" altLang="en-US" sz="1200" dirty="0">
-                <a:latin typeface="微软雅黑" panose="020B0503020204020204" pitchFamily="34" charset="-122"/>
-                <a:ea typeface="微软雅黑" panose="020B0503020204020204" pitchFamily="34" charset="-122"/>
-              </a:rPr>
-              <a:t>重构改进软件的设计</a:t>
-            </a:r>
-            <a:r>
-              <a:rPr lang="en-US" altLang="zh-CN" sz="1200" dirty="0">
-                <a:latin typeface="微软雅黑" panose="020B0503020204020204" pitchFamily="34" charset="-122"/>
-                <a:ea typeface="微软雅黑" panose="020B0503020204020204" pitchFamily="34" charset="-122"/>
-              </a:rPr>
-              <a:t>--《</a:t>
-            </a:r>
-            <a:r>
-              <a:rPr lang="zh-CN" altLang="en-US" sz="1200" dirty="0">
-                <a:latin typeface="微软雅黑" panose="020B0503020204020204" pitchFamily="34" charset="-122"/>
-                <a:ea typeface="微软雅黑" panose="020B0503020204020204" pitchFamily="34" charset="-122"/>
-              </a:rPr>
-              <a:t>重构</a:t>
-            </a:r>
-            <a:r>
-              <a:rPr lang="en-US" altLang="zh-CN" sz="1200" dirty="0">
-                <a:latin typeface="微软雅黑" panose="020B0503020204020204" pitchFamily="34" charset="-122"/>
-                <a:ea typeface="微软雅黑" panose="020B0503020204020204" pitchFamily="34" charset="-122"/>
-              </a:rPr>
-              <a:t>》</a:t>
-            </a:r>
-          </a:p>
-          <a:p>
-            <a:pPr marL="171450" indent="-171450">
-              <a:lnSpc>
-                <a:spcPct val="150000"/>
-              </a:lnSpc>
-              <a:buFont typeface="Arial" panose="020B0604020202020204" pitchFamily="34" charset="0"/>
-              <a:buChar char="•"/>
-            </a:pPr>
-            <a:r>
-              <a:rPr lang="zh-CN" altLang="en-US" sz="1200" dirty="0">
-                <a:latin typeface="微软雅黑" panose="020B0503020204020204" pitchFamily="34" charset="-122"/>
-                <a:ea typeface="微软雅黑" panose="020B0503020204020204" pitchFamily="34" charset="-122"/>
-              </a:rPr>
-              <a:t>所以良质不是方法，而是方法追求的目标</a:t>
-            </a:r>
-            <a:r>
-              <a:rPr lang="en-US" altLang="zh-CN" sz="1200" dirty="0">
-                <a:latin typeface="微软雅黑" panose="020B0503020204020204" pitchFamily="34" charset="-122"/>
-                <a:ea typeface="微软雅黑" panose="020B0503020204020204" pitchFamily="34" charset="-122"/>
-              </a:rPr>
-              <a:t> --《</a:t>
-            </a:r>
-            <a:r>
-              <a:rPr lang="zh-CN" altLang="en-US" sz="1200" dirty="0">
-                <a:latin typeface="微软雅黑" panose="020B0503020204020204" pitchFamily="34" charset="-122"/>
-                <a:ea typeface="微软雅黑" panose="020B0503020204020204" pitchFamily="34" charset="-122"/>
-              </a:rPr>
-              <a:t>禅与摩托车维修艺术</a:t>
-            </a:r>
-            <a:r>
-              <a:rPr lang="en-US" altLang="zh-CN" sz="1200" dirty="0">
-                <a:latin typeface="微软雅黑" panose="020B0503020204020204" pitchFamily="34" charset="-122"/>
-                <a:ea typeface="微软雅黑" panose="020B0503020204020204" pitchFamily="34" charset="-122"/>
-              </a:rPr>
-              <a:t>》</a:t>
-            </a:r>
-          </a:p>
-          <a:p>
-            <a:pPr marL="171450" indent="-171450">
-              <a:lnSpc>
-                <a:spcPct val="150000"/>
-              </a:lnSpc>
-              <a:buFont typeface="Arial" panose="020B0604020202020204" pitchFamily="34" charset="0"/>
-              <a:buChar char="•"/>
-            </a:pPr>
-            <a:r>
-              <a:rPr lang="zh-CN" altLang="en-US" sz="1200" dirty="0">
-                <a:latin typeface="微软雅黑" panose="020B0503020204020204" pitchFamily="34" charset="-122"/>
-                <a:ea typeface="微软雅黑" panose="020B0503020204020204" pitchFamily="34" charset="-122"/>
-              </a:rPr>
-              <a:t>学会在编码时听从直觉是一项需要培养的重要技能</a:t>
-            </a:r>
-            <a:r>
-              <a:rPr lang="en-US" altLang="zh-CN" sz="1200" dirty="0">
-                <a:latin typeface="微软雅黑" panose="020B0503020204020204" pitchFamily="34" charset="-122"/>
-                <a:ea typeface="微软雅黑" panose="020B0503020204020204" pitchFamily="34" charset="-122"/>
-              </a:rPr>
-              <a:t>--《</a:t>
-            </a:r>
-            <a:r>
-              <a:rPr lang="zh-CN" altLang="en-US" sz="1200" dirty="0">
-                <a:latin typeface="微软雅黑" panose="020B0503020204020204" pitchFamily="34" charset="-122"/>
-                <a:ea typeface="微软雅黑" panose="020B0503020204020204" pitchFamily="34" charset="-122"/>
-              </a:rPr>
-              <a:t>程序员修炼之道</a:t>
-            </a:r>
-            <a:r>
-              <a:rPr lang="en-US" altLang="zh-CN" sz="1200" dirty="0">
-                <a:latin typeface="微软雅黑" panose="020B0503020204020204" pitchFamily="34" charset="-122"/>
-                <a:ea typeface="微软雅黑" panose="020B0503020204020204" pitchFamily="34" charset="-122"/>
-              </a:rPr>
-              <a:t>》</a:t>
-            </a:r>
-          </a:p>
-          <a:p>
-            <a:pPr marL="171450" indent="-171450">
-              <a:lnSpc>
-                <a:spcPct val="150000"/>
-              </a:lnSpc>
-              <a:buFont typeface="Arial" panose="020B0604020202020204" pitchFamily="34" charset="0"/>
-              <a:buChar char="•"/>
-            </a:pPr>
-            <a:r>
-              <a:rPr lang="zh-CN" altLang="en-US" sz="1200" dirty="0">
-                <a:latin typeface="微软雅黑" panose="020B0503020204020204" pitchFamily="34" charset="-122"/>
-                <a:ea typeface="微软雅黑" panose="020B0503020204020204" pitchFamily="34" charset="-122"/>
-              </a:rPr>
-              <a:t>一切推倒了重来，终究是个继续</a:t>
-            </a:r>
-            <a:r>
-              <a:rPr lang="en-US" altLang="zh-CN" sz="1200" dirty="0">
-                <a:latin typeface="微软雅黑" panose="020B0503020204020204" pitchFamily="34" charset="-122"/>
-                <a:ea typeface="微软雅黑" panose="020B0503020204020204" pitchFamily="34" charset="-122"/>
-              </a:rPr>
-              <a:t>--《</a:t>
-            </a:r>
-            <a:r>
-              <a:rPr lang="zh-CN" altLang="en-US" sz="1200" dirty="0">
-                <a:latin typeface="微软雅黑" panose="020B0503020204020204" pitchFamily="34" charset="-122"/>
-                <a:ea typeface="微软雅黑" panose="020B0503020204020204" pitchFamily="34" charset="-122"/>
-              </a:rPr>
-              <a:t>长恨歌</a:t>
-            </a:r>
-            <a:r>
-              <a:rPr lang="en-US" altLang="zh-CN" sz="1200" dirty="0">
-                <a:latin typeface="微软雅黑" panose="020B0503020204020204" pitchFamily="34" charset="-122"/>
-                <a:ea typeface="微软雅黑" panose="020B0503020204020204" pitchFamily="34" charset="-122"/>
-              </a:rPr>
-              <a:t>》</a:t>
-            </a:r>
-          </a:p>
-          <a:p>
-            <a:pPr marL="171450" indent="-171450">
-              <a:lnSpc>
-                <a:spcPct val="150000"/>
-              </a:lnSpc>
-              <a:buFont typeface="Arial" panose="020B0604020202020204" pitchFamily="34" charset="0"/>
-              <a:buChar char="•"/>
-            </a:pPr>
-            <a:r>
-              <a:rPr lang="zh-CN" altLang="en-US" sz="1200" dirty="0">
-                <a:latin typeface="微软雅黑" panose="020B0503020204020204" pitchFamily="34" charset="-122"/>
-                <a:ea typeface="微软雅黑" panose="020B0503020204020204" pitchFamily="34" charset="-122"/>
-              </a:rPr>
-              <a:t>软件开发并非只是设计后实现功能和修复</a:t>
-            </a:r>
-            <a:r>
-              <a:rPr lang="en-US" altLang="zh-CN" sz="1200" dirty="0">
-                <a:latin typeface="微软雅黑" panose="020B0503020204020204" pitchFamily="34" charset="-122"/>
-                <a:ea typeface="微软雅黑" panose="020B0503020204020204" pitchFamily="34" charset="-122"/>
-              </a:rPr>
-              <a:t>bug</a:t>
-            </a:r>
-            <a:r>
-              <a:rPr lang="zh-CN" altLang="en-US" sz="1200" dirty="0">
-                <a:latin typeface="微软雅黑" panose="020B0503020204020204" pitchFamily="34" charset="-122"/>
-                <a:ea typeface="微软雅黑" panose="020B0503020204020204" pitchFamily="34" charset="-122"/>
-              </a:rPr>
-              <a:t>，还包括对现有代码持续不断的重构和再设计。</a:t>
-            </a:r>
-            <a:r>
-              <a:rPr lang="en-US" altLang="zh-CN" sz="1200" dirty="0">
-                <a:latin typeface="微软雅黑" panose="020B0503020204020204" pitchFamily="34" charset="-122"/>
-                <a:ea typeface="微软雅黑" panose="020B0503020204020204" pitchFamily="34" charset="-122"/>
-              </a:rPr>
-              <a:t>--</a:t>
-            </a:r>
-            <a:r>
-              <a:rPr lang="zh-CN" altLang="en-US" sz="1200" dirty="0">
-                <a:latin typeface="微软雅黑" panose="020B0503020204020204" pitchFamily="34" charset="-122"/>
-                <a:ea typeface="微软雅黑" panose="020B0503020204020204" pitchFamily="34" charset="-122"/>
-              </a:rPr>
-              <a:t>非著名人士。</a:t>
-            </a:r>
-            <a:endParaRPr lang="en-US" altLang="zh-CN" sz="1200" dirty="0">
-              <a:latin typeface="微软雅黑" panose="020B0503020204020204" pitchFamily="34" charset="-122"/>
-              <a:ea typeface="微软雅黑" panose="020B0503020204020204" pitchFamily="34" charset="-122"/>
-            </a:endParaRPr>
+            <a:r>
+              <a:rPr lang="en-US" dirty="0"/>
+              <a:t>Channel</a:t>
+            </a:r>
+            <a:r>
+              <a:rPr lang="zh-CN" altLang="en-US" dirty="0"/>
+              <a:t>代码的初步尝试</a:t>
+            </a:r>
+            <a:endParaRPr lang="en-US" dirty="0"/>
           </a:p>
         </p:txBody>
       </p:sp>
     </p:spTree>
     <p:extLst>
       <p:ext uri="{BB962C8B-B14F-4D97-AF65-F5344CB8AC3E}">
-        <p14:creationId xmlns:p14="http://schemas.microsoft.com/office/powerpoint/2010/main" val="3703408909"/>
+        <p14:creationId xmlns:p14="http://schemas.microsoft.com/office/powerpoint/2010/main" val="2862931072"/>
       </p:ext>
     </p:extLst>
   </p:cSld>
@@ -10770,6 +10374,294 @@
           <p:cNvPr id="2" name="文本占位符 1">
             <a:extLst>
               <a:ext uri="{FF2B5EF4-FFF2-40B4-BE49-F238E27FC236}">
+                <a16:creationId xmlns:a16="http://schemas.microsoft.com/office/drawing/2014/main" id="{BAC7A425-3A2E-480C-9BA3-62724B374079}"/>
+              </a:ext>
+            </a:extLst>
+          </p:cNvPr>
+          <p:cNvSpPr>
+            <a:spLocks noGrp="1"/>
+          </p:cNvSpPr>
+          <p:nvPr>
+            <p:ph type="body" sz="quarter" idx="11"/>
+          </p:nvPr>
+        </p:nvSpPr>
+        <p:spPr/>
+        <p:txBody>
+          <a:bodyPr/>
+          <a:lstStyle/>
+          <a:p>
+            <a:endParaRPr lang="en-US"/>
+          </a:p>
+        </p:txBody>
+      </p:sp>
+      <p:sp>
+        <p:nvSpPr>
+          <p:cNvPr id="3" name="文本占位符 2">
+            <a:extLst>
+              <a:ext uri="{FF2B5EF4-FFF2-40B4-BE49-F238E27FC236}">
+                <a16:creationId xmlns:a16="http://schemas.microsoft.com/office/drawing/2014/main" id="{A8478F12-827D-4F26-B22A-41E76BCC7616}"/>
+              </a:ext>
+            </a:extLst>
+          </p:cNvPr>
+          <p:cNvSpPr>
+            <a:spLocks noGrp="1"/>
+          </p:cNvSpPr>
+          <p:nvPr>
+            <p:ph type="body" sz="quarter" idx="12"/>
+          </p:nvPr>
+        </p:nvSpPr>
+        <p:spPr/>
+        <p:txBody>
+          <a:bodyPr/>
+          <a:lstStyle/>
+          <a:p>
+            <a:endParaRPr lang="en-US"/>
+          </a:p>
+        </p:txBody>
+      </p:sp>
+      <p:sp>
+        <p:nvSpPr>
+          <p:cNvPr id="4" name="矩形 3">
+            <a:extLst>
+              <a:ext uri="{FF2B5EF4-FFF2-40B4-BE49-F238E27FC236}">
+                <a16:creationId xmlns:a16="http://schemas.microsoft.com/office/drawing/2014/main" id="{8D23002C-FDF4-478F-AD52-73A9CD89A473}"/>
+              </a:ext>
+            </a:extLst>
+          </p:cNvPr>
+          <p:cNvSpPr/>
+          <p:nvPr/>
+        </p:nvSpPr>
+        <p:spPr>
+          <a:xfrm>
+            <a:off x="2282102" y="1948488"/>
+            <a:ext cx="631904" cy="523220"/>
+          </a:xfrm>
+          <a:prstGeom prst="rect">
+            <a:avLst/>
+          </a:prstGeom>
+          <a:solidFill>
+            <a:schemeClr val="accent6"/>
+          </a:solidFill>
+        </p:spPr>
+        <p:txBody>
+          <a:bodyPr wrap="none">
+            <a:spAutoFit/>
+          </a:bodyPr>
+          <a:lstStyle/>
+          <a:p>
+            <a:r>
+              <a:rPr lang="zh-CN" altLang="en-US" sz="2800" dirty="0">
+                <a:solidFill>
+                  <a:schemeClr val="bg1"/>
+                </a:solidFill>
+                <a:latin typeface="Impact" panose="020B0806030902050204" pitchFamily="34" charset="0"/>
+              </a:rPr>
+              <a:t> </a:t>
+            </a:r>
+            <a:r>
+              <a:rPr lang="en-US" altLang="zh-CN" sz="2800" dirty="0">
+                <a:solidFill>
+                  <a:schemeClr val="bg1"/>
+                </a:solidFill>
+                <a:latin typeface="Impact" panose="020B0806030902050204" pitchFamily="34" charset="0"/>
+              </a:rPr>
+              <a:t>00</a:t>
+            </a:r>
+          </a:p>
+        </p:txBody>
+      </p:sp>
+      <p:sp>
+        <p:nvSpPr>
+          <p:cNvPr id="5" name="TextBox 4">
+            <a:extLst>
+              <a:ext uri="{FF2B5EF4-FFF2-40B4-BE49-F238E27FC236}">
+                <a16:creationId xmlns:a16="http://schemas.microsoft.com/office/drawing/2014/main" id="{B400B9AB-C0F2-4C52-84F8-857D8EC72C00}"/>
+              </a:ext>
+            </a:extLst>
+          </p:cNvPr>
+          <p:cNvSpPr txBox="1">
+            <a:spLocks noChangeArrowheads="1"/>
+          </p:cNvSpPr>
+          <p:nvPr/>
+        </p:nvSpPr>
+        <p:spPr bwMode="auto">
+          <a:xfrm>
+            <a:off x="3005875" y="2011635"/>
+            <a:ext cx="3495039" cy="417871"/>
+          </a:xfrm>
+          <a:prstGeom prst="rect">
+            <a:avLst/>
+          </a:prstGeom>
+          <a:solidFill>
+            <a:schemeClr val="accent6"/>
+          </a:solidFill>
+          <a:ln>
+            <a:noFill/>
+          </a:ln>
+        </p:spPr>
+        <p:txBody>
+          <a:bodyPr wrap="square">
+            <a:spAutoFit/>
+          </a:bodyPr>
+          <a:lstStyle>
+            <a:lvl1pPr eaLnBrk="0" hangingPunct="0">
+              <a:defRPr sz="1600">
+                <a:solidFill>
+                  <a:schemeClr val="tx1"/>
+                </a:solidFill>
+                <a:latin typeface="Arial" panose="020B0604020202020204" pitchFamily="34" charset="0"/>
+              </a:defRPr>
+            </a:lvl1pPr>
+            <a:lvl2pPr marL="742950" indent="-285750" eaLnBrk="0" hangingPunct="0">
+              <a:defRPr sz="1600">
+                <a:solidFill>
+                  <a:schemeClr val="tx1"/>
+                </a:solidFill>
+                <a:latin typeface="Arial" panose="020B0604020202020204" pitchFamily="34" charset="0"/>
+              </a:defRPr>
+            </a:lvl2pPr>
+            <a:lvl3pPr marL="1143000" indent="-228600" eaLnBrk="0" hangingPunct="0">
+              <a:defRPr sz="1600">
+                <a:solidFill>
+                  <a:schemeClr val="tx1"/>
+                </a:solidFill>
+                <a:latin typeface="Arial" panose="020B0604020202020204" pitchFamily="34" charset="0"/>
+              </a:defRPr>
+            </a:lvl3pPr>
+            <a:lvl4pPr marL="1600200" indent="-228600" eaLnBrk="0" hangingPunct="0">
+              <a:defRPr sz="1600">
+                <a:solidFill>
+                  <a:schemeClr val="tx1"/>
+                </a:solidFill>
+                <a:latin typeface="Arial" panose="020B0604020202020204" pitchFamily="34" charset="0"/>
+              </a:defRPr>
+            </a:lvl4pPr>
+            <a:lvl5pPr marL="2057400" indent="-228600" eaLnBrk="0" hangingPunct="0">
+              <a:defRPr sz="1600">
+                <a:solidFill>
+                  <a:schemeClr val="tx1"/>
+                </a:solidFill>
+                <a:latin typeface="Arial" panose="020B0604020202020204" pitchFamily="34" charset="0"/>
+              </a:defRPr>
+            </a:lvl5pPr>
+            <a:lvl6pPr marL="2514600" indent="-228600" eaLnBrk="0" fontAlgn="base" hangingPunct="0">
+              <a:spcBef>
+                <a:spcPct val="0"/>
+              </a:spcBef>
+              <a:spcAft>
+                <a:spcPct val="0"/>
+              </a:spcAft>
+              <a:defRPr sz="1600">
+                <a:solidFill>
+                  <a:schemeClr val="tx1"/>
+                </a:solidFill>
+                <a:latin typeface="Arial" panose="020B0604020202020204" pitchFamily="34" charset="0"/>
+              </a:defRPr>
+            </a:lvl6pPr>
+            <a:lvl7pPr marL="2971800" indent="-228600" eaLnBrk="0" fontAlgn="base" hangingPunct="0">
+              <a:spcBef>
+                <a:spcPct val="0"/>
+              </a:spcBef>
+              <a:spcAft>
+                <a:spcPct val="0"/>
+              </a:spcAft>
+              <a:defRPr sz="1600">
+                <a:solidFill>
+                  <a:schemeClr val="tx1"/>
+                </a:solidFill>
+                <a:latin typeface="Arial" panose="020B0604020202020204" pitchFamily="34" charset="0"/>
+              </a:defRPr>
+            </a:lvl7pPr>
+            <a:lvl8pPr marL="3429000" indent="-228600" eaLnBrk="0" fontAlgn="base" hangingPunct="0">
+              <a:spcBef>
+                <a:spcPct val="0"/>
+              </a:spcBef>
+              <a:spcAft>
+                <a:spcPct val="0"/>
+              </a:spcAft>
+              <a:defRPr sz="1600">
+                <a:solidFill>
+                  <a:schemeClr val="tx1"/>
+                </a:solidFill>
+                <a:latin typeface="Arial" panose="020B0604020202020204" pitchFamily="34" charset="0"/>
+              </a:defRPr>
+            </a:lvl8pPr>
+            <a:lvl9pPr marL="3886200" indent="-228600" eaLnBrk="0" fontAlgn="base" hangingPunct="0">
+              <a:spcBef>
+                <a:spcPct val="0"/>
+              </a:spcBef>
+              <a:spcAft>
+                <a:spcPct val="0"/>
+              </a:spcAft>
+              <a:defRPr sz="1600">
+                <a:solidFill>
+                  <a:schemeClr val="tx1"/>
+                </a:solidFill>
+                <a:latin typeface="Arial" panose="020B0604020202020204" pitchFamily="34" charset="0"/>
+              </a:defRPr>
+            </a:lvl9pPr>
+          </a:lstStyle>
+          <a:p>
+            <a:pPr algn="ctr" eaLnBrk="1" hangingPunct="1">
+              <a:lnSpc>
+                <a:spcPct val="150000"/>
+              </a:lnSpc>
+            </a:pPr>
+            <a:r>
+              <a:rPr lang="zh-CN" altLang="en-US" b="1" dirty="0">
+                <a:solidFill>
+                  <a:schemeClr val="bg1"/>
+                </a:solidFill>
+                <a:latin typeface="Franklin Gothic Book" panose="020B0503020102020204" pitchFamily="34" charset="0"/>
+                <a:ea typeface="微软雅黑" panose="020B0503020204020204" pitchFamily="34" charset="-122"/>
+              </a:rPr>
+              <a:t>结语</a:t>
+            </a:r>
+            <a:endParaRPr lang="zh-CN" b="1" dirty="0">
+              <a:solidFill>
+                <a:schemeClr val="bg1"/>
+              </a:solidFill>
+              <a:latin typeface="Franklin Gothic Book" panose="020B0503020102020204" pitchFamily="34" charset="0"/>
+              <a:ea typeface="微软雅黑" panose="020B0503020204020204" pitchFamily="34" charset="-122"/>
+            </a:endParaRPr>
+          </a:p>
+        </p:txBody>
+      </p:sp>
+    </p:spTree>
+    <p:extLst>
+      <p:ext uri="{BB962C8B-B14F-4D97-AF65-F5344CB8AC3E}">
+        <p14:creationId xmlns:p14="http://schemas.microsoft.com/office/powerpoint/2010/main" val="2223094661"/>
+      </p:ext>
+    </p:extLst>
+  </p:cSld>
+  <p:clrMapOvr>
+    <a:masterClrMapping/>
+  </p:clrMapOvr>
+</p:sld>
+</file>
+
+<file path=ppt/slides/slide38.xml><?xml version="1.0" encoding="utf-8"?>
+<p:sld xmlns:a="http://schemas.openxmlformats.org/drawingml/2006/main" xmlns:r="http://schemas.openxmlformats.org/officeDocument/2006/relationships" xmlns:p="http://schemas.openxmlformats.org/presentationml/2006/main">
+  <p:cSld>
+    <p:spTree>
+      <p:nvGrpSpPr>
+        <p:cNvPr id="1" name=""/>
+        <p:cNvGrpSpPr/>
+        <p:nvPr/>
+      </p:nvGrpSpPr>
+      <p:grpSpPr>
+        <a:xfrm>
+          <a:off x="0" y="0"/>
+          <a:ext cx="0" cy="0"/>
+          <a:chOff x="0" y="0"/>
+          <a:chExt cx="0" cy="0"/>
+        </a:xfrm>
+      </p:grpSpPr>
+      <p:sp>
+        <p:nvSpPr>
+          <p:cNvPr id="2" name="文本占位符 1">
+            <a:extLst>
+              <a:ext uri="{FF2B5EF4-FFF2-40B4-BE49-F238E27FC236}">
                 <a16:creationId xmlns:a16="http://schemas.microsoft.com/office/drawing/2014/main" id="{84A755C7-CD68-4BF6-88FB-4E699BDAE6E7}"/>
               </a:ext>
             </a:extLst>
@@ -10996,7 +10888,707 @@
 </p:sld>
 </file>
 
-<file path=ppt/slides/slide38.xml><?xml version="1.0" encoding="utf-8"?>
+<file path=ppt/slides/slide39.xml><?xml version="1.0" encoding="utf-8"?>
+<p:sld xmlns:a="http://schemas.openxmlformats.org/drawingml/2006/main" xmlns:r="http://schemas.openxmlformats.org/officeDocument/2006/relationships" xmlns:p="http://schemas.openxmlformats.org/presentationml/2006/main">
+  <p:cSld>
+    <p:spTree>
+      <p:nvGrpSpPr>
+        <p:cNvPr id="1" name=""/>
+        <p:cNvGrpSpPr/>
+        <p:nvPr/>
+      </p:nvGrpSpPr>
+      <p:grpSpPr>
+        <a:xfrm>
+          <a:off x="0" y="0"/>
+          <a:ext cx="0" cy="0"/>
+          <a:chOff x="0" y="0"/>
+          <a:chExt cx="0" cy="0"/>
+        </a:xfrm>
+      </p:grpSpPr>
+      <p:sp>
+        <p:nvSpPr>
+          <p:cNvPr id="2" name="文本占位符 1">
+            <a:extLst>
+              <a:ext uri="{FF2B5EF4-FFF2-40B4-BE49-F238E27FC236}">
+                <a16:creationId xmlns:a16="http://schemas.microsoft.com/office/drawing/2014/main" id="{7C46A7BF-5CEA-4F07-AAA3-AB3499DB63E7}"/>
+              </a:ext>
+            </a:extLst>
+          </p:cNvPr>
+          <p:cNvSpPr>
+            <a:spLocks noGrp="1"/>
+          </p:cNvSpPr>
+          <p:nvPr>
+            <p:ph type="body" sz="quarter" idx="11"/>
+          </p:nvPr>
+        </p:nvSpPr>
+        <p:spPr/>
+        <p:txBody>
+          <a:bodyPr/>
+          <a:lstStyle/>
+          <a:p>
+            <a:r>
+              <a:rPr lang="zh-CN" altLang="en-US" dirty="0"/>
+              <a:t>一些名言</a:t>
+            </a:r>
+            <a:endParaRPr lang="en-US" dirty="0"/>
+          </a:p>
+        </p:txBody>
+      </p:sp>
+      <p:sp>
+        <p:nvSpPr>
+          <p:cNvPr id="3" name="文本占位符 2">
+            <a:extLst>
+              <a:ext uri="{FF2B5EF4-FFF2-40B4-BE49-F238E27FC236}">
+                <a16:creationId xmlns:a16="http://schemas.microsoft.com/office/drawing/2014/main" id="{33053654-1205-435D-A3CF-67F7D94C2E01}"/>
+              </a:ext>
+            </a:extLst>
+          </p:cNvPr>
+          <p:cNvSpPr>
+            <a:spLocks noGrp="1"/>
+          </p:cNvSpPr>
+          <p:nvPr>
+            <p:ph type="body" sz="quarter" idx="12"/>
+          </p:nvPr>
+        </p:nvSpPr>
+        <p:spPr/>
+        <p:txBody>
+          <a:bodyPr/>
+          <a:lstStyle/>
+          <a:p>
+            <a:endParaRPr lang="en-US"/>
+          </a:p>
+        </p:txBody>
+      </p:sp>
+      <p:sp>
+        <p:nvSpPr>
+          <p:cNvPr id="4" name="文本框 3">
+            <a:extLst>
+              <a:ext uri="{FF2B5EF4-FFF2-40B4-BE49-F238E27FC236}">
+                <a16:creationId xmlns:a16="http://schemas.microsoft.com/office/drawing/2014/main" id="{C2425AD8-858F-4593-A940-C487A89F6C95}"/>
+              </a:ext>
+            </a:extLst>
+          </p:cNvPr>
+          <p:cNvSpPr txBox="1"/>
+          <p:nvPr/>
+        </p:nvSpPr>
+        <p:spPr>
+          <a:xfrm>
+            <a:off x="1259632" y="1491630"/>
+            <a:ext cx="5400600" cy="1998689"/>
+          </a:xfrm>
+          <a:prstGeom prst="rect">
+            <a:avLst/>
+          </a:prstGeom>
+          <a:noFill/>
+        </p:spPr>
+        <p:txBody>
+          <a:bodyPr wrap="square" rtlCol="0">
+            <a:spAutoFit/>
+          </a:bodyPr>
+          <a:lstStyle/>
+          <a:p>
+            <a:pPr marL="171450" indent="-171450">
+              <a:lnSpc>
+                <a:spcPct val="150000"/>
+              </a:lnSpc>
+              <a:buFont typeface="Arial" panose="020B0604020202020204" pitchFamily="34" charset="0"/>
+              <a:buChar char="•"/>
+            </a:pPr>
+            <a:r>
+              <a:rPr lang="zh-CN" altLang="en-US" sz="1200" dirty="0">
+                <a:latin typeface="微软雅黑" panose="020B0503020204020204" pitchFamily="34" charset="-122"/>
+                <a:ea typeface="微软雅黑" panose="020B0503020204020204" pitchFamily="34" charset="-122"/>
+              </a:rPr>
+              <a:t>没有银弹！</a:t>
+            </a:r>
+            <a:r>
+              <a:rPr lang="en-US" altLang="zh-CN" sz="1200" dirty="0">
+                <a:latin typeface="微软雅黑" panose="020B0503020204020204" pitchFamily="34" charset="-122"/>
+                <a:ea typeface="微软雅黑" panose="020B0503020204020204" pitchFamily="34" charset="-122"/>
+              </a:rPr>
+              <a:t>--《</a:t>
+            </a:r>
+            <a:r>
+              <a:rPr lang="zh-CN" altLang="en-US" sz="1200" dirty="0">
+                <a:latin typeface="微软雅黑" panose="020B0503020204020204" pitchFamily="34" charset="-122"/>
+                <a:ea typeface="微软雅黑" panose="020B0503020204020204" pitchFamily="34" charset="-122"/>
+              </a:rPr>
+              <a:t>人月神话</a:t>
+            </a:r>
+            <a:r>
+              <a:rPr lang="en-US" altLang="zh-CN" sz="1200" dirty="0">
+                <a:latin typeface="微软雅黑" panose="020B0503020204020204" pitchFamily="34" charset="-122"/>
+                <a:ea typeface="微软雅黑" panose="020B0503020204020204" pitchFamily="34" charset="-122"/>
+              </a:rPr>
+              <a:t>》</a:t>
+            </a:r>
+          </a:p>
+          <a:p>
+            <a:pPr marL="171450" indent="-171450">
+              <a:lnSpc>
+                <a:spcPct val="150000"/>
+              </a:lnSpc>
+              <a:buFont typeface="Arial" panose="020B0604020202020204" pitchFamily="34" charset="0"/>
+              <a:buChar char="•"/>
+            </a:pPr>
+            <a:r>
+              <a:rPr lang="zh-CN" altLang="en-US" sz="1200" dirty="0">
+                <a:latin typeface="微软雅黑" panose="020B0503020204020204" pitchFamily="34" charset="-122"/>
+                <a:ea typeface="微软雅黑" panose="020B0503020204020204" pitchFamily="34" charset="-122"/>
+              </a:rPr>
+              <a:t>重构改进软件的设计</a:t>
+            </a:r>
+            <a:r>
+              <a:rPr lang="en-US" altLang="zh-CN" sz="1200" dirty="0">
+                <a:latin typeface="微软雅黑" panose="020B0503020204020204" pitchFamily="34" charset="-122"/>
+                <a:ea typeface="微软雅黑" panose="020B0503020204020204" pitchFamily="34" charset="-122"/>
+              </a:rPr>
+              <a:t>--《</a:t>
+            </a:r>
+            <a:r>
+              <a:rPr lang="zh-CN" altLang="en-US" sz="1200" dirty="0">
+                <a:latin typeface="微软雅黑" panose="020B0503020204020204" pitchFamily="34" charset="-122"/>
+                <a:ea typeface="微软雅黑" panose="020B0503020204020204" pitchFamily="34" charset="-122"/>
+              </a:rPr>
+              <a:t>重构</a:t>
+            </a:r>
+            <a:r>
+              <a:rPr lang="en-US" altLang="zh-CN" sz="1200" dirty="0">
+                <a:latin typeface="微软雅黑" panose="020B0503020204020204" pitchFamily="34" charset="-122"/>
+                <a:ea typeface="微软雅黑" panose="020B0503020204020204" pitchFamily="34" charset="-122"/>
+              </a:rPr>
+              <a:t>》</a:t>
+            </a:r>
+          </a:p>
+          <a:p>
+            <a:pPr marL="171450" indent="-171450">
+              <a:lnSpc>
+                <a:spcPct val="150000"/>
+              </a:lnSpc>
+              <a:buFont typeface="Arial" panose="020B0604020202020204" pitchFamily="34" charset="0"/>
+              <a:buChar char="•"/>
+            </a:pPr>
+            <a:r>
+              <a:rPr lang="zh-CN" altLang="en-US" sz="1200" dirty="0">
+                <a:latin typeface="微软雅黑" panose="020B0503020204020204" pitchFamily="34" charset="-122"/>
+                <a:ea typeface="微软雅黑" panose="020B0503020204020204" pitchFamily="34" charset="-122"/>
+              </a:rPr>
+              <a:t>所以良质不是方法，而是方法追求的目标</a:t>
+            </a:r>
+            <a:r>
+              <a:rPr lang="en-US" altLang="zh-CN" sz="1200" dirty="0">
+                <a:latin typeface="微软雅黑" panose="020B0503020204020204" pitchFamily="34" charset="-122"/>
+                <a:ea typeface="微软雅黑" panose="020B0503020204020204" pitchFamily="34" charset="-122"/>
+              </a:rPr>
+              <a:t> --《</a:t>
+            </a:r>
+            <a:r>
+              <a:rPr lang="zh-CN" altLang="en-US" sz="1200" dirty="0">
+                <a:latin typeface="微软雅黑" panose="020B0503020204020204" pitchFamily="34" charset="-122"/>
+                <a:ea typeface="微软雅黑" panose="020B0503020204020204" pitchFamily="34" charset="-122"/>
+              </a:rPr>
+              <a:t>禅与摩托车维修艺术</a:t>
+            </a:r>
+            <a:r>
+              <a:rPr lang="en-US" altLang="zh-CN" sz="1200" dirty="0">
+                <a:latin typeface="微软雅黑" panose="020B0503020204020204" pitchFamily="34" charset="-122"/>
+                <a:ea typeface="微软雅黑" panose="020B0503020204020204" pitchFamily="34" charset="-122"/>
+              </a:rPr>
+              <a:t>》</a:t>
+            </a:r>
+          </a:p>
+          <a:p>
+            <a:pPr marL="171450" indent="-171450">
+              <a:lnSpc>
+                <a:spcPct val="150000"/>
+              </a:lnSpc>
+              <a:buFont typeface="Arial" panose="020B0604020202020204" pitchFamily="34" charset="0"/>
+              <a:buChar char="•"/>
+            </a:pPr>
+            <a:r>
+              <a:rPr lang="zh-CN" altLang="en-US" sz="1200" dirty="0">
+                <a:latin typeface="微软雅黑" panose="020B0503020204020204" pitchFamily="34" charset="-122"/>
+                <a:ea typeface="微软雅黑" panose="020B0503020204020204" pitchFamily="34" charset="-122"/>
+              </a:rPr>
+              <a:t>学会在编码时听从直觉是一项需要培养的重要技能</a:t>
+            </a:r>
+            <a:r>
+              <a:rPr lang="en-US" altLang="zh-CN" sz="1200" dirty="0">
+                <a:latin typeface="微软雅黑" panose="020B0503020204020204" pitchFamily="34" charset="-122"/>
+                <a:ea typeface="微软雅黑" panose="020B0503020204020204" pitchFamily="34" charset="-122"/>
+              </a:rPr>
+              <a:t>--《</a:t>
+            </a:r>
+            <a:r>
+              <a:rPr lang="zh-CN" altLang="en-US" sz="1200" dirty="0">
+                <a:latin typeface="微软雅黑" panose="020B0503020204020204" pitchFamily="34" charset="-122"/>
+                <a:ea typeface="微软雅黑" panose="020B0503020204020204" pitchFamily="34" charset="-122"/>
+              </a:rPr>
+              <a:t>程序员修炼之道</a:t>
+            </a:r>
+            <a:r>
+              <a:rPr lang="en-US" altLang="zh-CN" sz="1200" dirty="0">
+                <a:latin typeface="微软雅黑" panose="020B0503020204020204" pitchFamily="34" charset="-122"/>
+                <a:ea typeface="微软雅黑" panose="020B0503020204020204" pitchFamily="34" charset="-122"/>
+              </a:rPr>
+              <a:t>》</a:t>
+            </a:r>
+          </a:p>
+          <a:p>
+            <a:pPr marL="171450" indent="-171450">
+              <a:lnSpc>
+                <a:spcPct val="150000"/>
+              </a:lnSpc>
+              <a:buFont typeface="Arial" panose="020B0604020202020204" pitchFamily="34" charset="0"/>
+              <a:buChar char="•"/>
+            </a:pPr>
+            <a:r>
+              <a:rPr lang="zh-CN" altLang="en-US" sz="1200" dirty="0">
+                <a:latin typeface="微软雅黑" panose="020B0503020204020204" pitchFamily="34" charset="-122"/>
+                <a:ea typeface="微软雅黑" panose="020B0503020204020204" pitchFamily="34" charset="-122"/>
+              </a:rPr>
+              <a:t>一切推倒了重来，终究是个继续</a:t>
+            </a:r>
+            <a:r>
+              <a:rPr lang="en-US" altLang="zh-CN" sz="1200" dirty="0">
+                <a:latin typeface="微软雅黑" panose="020B0503020204020204" pitchFamily="34" charset="-122"/>
+                <a:ea typeface="微软雅黑" panose="020B0503020204020204" pitchFamily="34" charset="-122"/>
+              </a:rPr>
+              <a:t>--《</a:t>
+            </a:r>
+            <a:r>
+              <a:rPr lang="zh-CN" altLang="en-US" sz="1200" dirty="0">
+                <a:latin typeface="微软雅黑" panose="020B0503020204020204" pitchFamily="34" charset="-122"/>
+                <a:ea typeface="微软雅黑" panose="020B0503020204020204" pitchFamily="34" charset="-122"/>
+              </a:rPr>
+              <a:t>长恨歌</a:t>
+            </a:r>
+            <a:r>
+              <a:rPr lang="en-US" altLang="zh-CN" sz="1200" dirty="0">
+                <a:latin typeface="微软雅黑" panose="020B0503020204020204" pitchFamily="34" charset="-122"/>
+                <a:ea typeface="微软雅黑" panose="020B0503020204020204" pitchFamily="34" charset="-122"/>
+              </a:rPr>
+              <a:t>》</a:t>
+            </a:r>
+          </a:p>
+          <a:p>
+            <a:pPr marL="171450" indent="-171450">
+              <a:lnSpc>
+                <a:spcPct val="150000"/>
+              </a:lnSpc>
+              <a:buFont typeface="Arial" panose="020B0604020202020204" pitchFamily="34" charset="0"/>
+              <a:buChar char="•"/>
+            </a:pPr>
+            <a:r>
+              <a:rPr lang="zh-CN" altLang="en-US" sz="1200" dirty="0">
+                <a:latin typeface="微软雅黑" panose="020B0503020204020204" pitchFamily="34" charset="-122"/>
+                <a:ea typeface="微软雅黑" panose="020B0503020204020204" pitchFamily="34" charset="-122"/>
+              </a:rPr>
+              <a:t>软件开发并非只是设计后实现功能和修复</a:t>
+            </a:r>
+            <a:r>
+              <a:rPr lang="en-US" altLang="zh-CN" sz="1200" dirty="0">
+                <a:latin typeface="微软雅黑" panose="020B0503020204020204" pitchFamily="34" charset="-122"/>
+                <a:ea typeface="微软雅黑" panose="020B0503020204020204" pitchFamily="34" charset="-122"/>
+              </a:rPr>
+              <a:t>bug</a:t>
+            </a:r>
+            <a:r>
+              <a:rPr lang="zh-CN" altLang="en-US" sz="1200" dirty="0">
+                <a:latin typeface="微软雅黑" panose="020B0503020204020204" pitchFamily="34" charset="-122"/>
+                <a:ea typeface="微软雅黑" panose="020B0503020204020204" pitchFamily="34" charset="-122"/>
+              </a:rPr>
+              <a:t>，还包括对现有代码持续不断的重构和再设计。</a:t>
+            </a:r>
+            <a:r>
+              <a:rPr lang="en-US" altLang="zh-CN" sz="1200" dirty="0">
+                <a:latin typeface="微软雅黑" panose="020B0503020204020204" pitchFamily="34" charset="-122"/>
+                <a:ea typeface="微软雅黑" panose="020B0503020204020204" pitchFamily="34" charset="-122"/>
+              </a:rPr>
+              <a:t>--</a:t>
+            </a:r>
+            <a:r>
+              <a:rPr lang="zh-CN" altLang="en-US" sz="1200" dirty="0">
+                <a:latin typeface="微软雅黑" panose="020B0503020204020204" pitchFamily="34" charset="-122"/>
+                <a:ea typeface="微软雅黑" panose="020B0503020204020204" pitchFamily="34" charset="-122"/>
+              </a:rPr>
+              <a:t>非著名人士。</a:t>
+            </a:r>
+            <a:endParaRPr lang="en-US" altLang="zh-CN" sz="1200" dirty="0">
+              <a:latin typeface="微软雅黑" panose="020B0503020204020204" pitchFamily="34" charset="-122"/>
+              <a:ea typeface="微软雅黑" panose="020B0503020204020204" pitchFamily="34" charset="-122"/>
+            </a:endParaRPr>
+          </a:p>
+        </p:txBody>
+      </p:sp>
+    </p:spTree>
+    <p:extLst>
+      <p:ext uri="{BB962C8B-B14F-4D97-AF65-F5344CB8AC3E}">
+        <p14:creationId xmlns:p14="http://schemas.microsoft.com/office/powerpoint/2010/main" val="3703408909"/>
+      </p:ext>
+    </p:extLst>
+  </p:cSld>
+  <p:clrMapOvr>
+    <a:masterClrMapping/>
+  </p:clrMapOvr>
+</p:sld>
+</file>
+
+<file path=ppt/slides/slide4.xml><?xml version="1.0" encoding="utf-8"?>
+<p:sld xmlns:a="http://schemas.openxmlformats.org/drawingml/2006/main" xmlns:r="http://schemas.openxmlformats.org/officeDocument/2006/relationships" xmlns:p="http://schemas.openxmlformats.org/presentationml/2006/main">
+  <p:cSld>
+    <p:spTree>
+      <p:nvGrpSpPr>
+        <p:cNvPr id="1" name=""/>
+        <p:cNvGrpSpPr/>
+        <p:nvPr/>
+      </p:nvGrpSpPr>
+      <p:grpSpPr>
+        <a:xfrm>
+          <a:off x="0" y="0"/>
+          <a:ext cx="0" cy="0"/>
+          <a:chOff x="0" y="0"/>
+          <a:chExt cx="0" cy="0"/>
+        </a:xfrm>
+      </p:grpSpPr>
+      <p:sp>
+        <p:nvSpPr>
+          <p:cNvPr id="2" name="Text Placeholder 1">
+            <a:extLst>
+              <a:ext uri="{FF2B5EF4-FFF2-40B4-BE49-F238E27FC236}">
+                <a16:creationId xmlns:a16="http://schemas.microsoft.com/office/drawing/2014/main" id="{C3174603-5956-7E43-8EEC-D48CA7730497}"/>
+              </a:ext>
+            </a:extLst>
+          </p:cNvPr>
+          <p:cNvSpPr>
+            <a:spLocks noGrp="1"/>
+          </p:cNvSpPr>
+          <p:nvPr>
+            <p:ph type="body" sz="quarter" idx="11"/>
+          </p:nvPr>
+        </p:nvSpPr>
+        <p:spPr/>
+        <p:txBody>
+          <a:bodyPr/>
+          <a:lstStyle/>
+          <a:p>
+            <a:r>
+              <a:rPr lang="en-CN" dirty="0"/>
+              <a:t>依赖倒置</a:t>
+            </a:r>
+          </a:p>
+          <a:p>
+            <a:endParaRPr lang="en-CN" dirty="0"/>
+          </a:p>
+        </p:txBody>
+      </p:sp>
+      <p:sp>
+        <p:nvSpPr>
+          <p:cNvPr id="3" name="Text Placeholder 2">
+            <a:extLst>
+              <a:ext uri="{FF2B5EF4-FFF2-40B4-BE49-F238E27FC236}">
+                <a16:creationId xmlns:a16="http://schemas.microsoft.com/office/drawing/2014/main" id="{DCDE4A44-F0D6-4147-A0DB-11504F259606}"/>
+              </a:ext>
+            </a:extLst>
+          </p:cNvPr>
+          <p:cNvSpPr>
+            <a:spLocks noGrp="1"/>
+          </p:cNvSpPr>
+          <p:nvPr>
+            <p:ph type="body" sz="quarter" idx="12"/>
+          </p:nvPr>
+        </p:nvSpPr>
+        <p:spPr/>
+        <p:txBody>
+          <a:bodyPr/>
+          <a:lstStyle/>
+          <a:p>
+            <a:endParaRPr lang="en-CN" dirty="0"/>
+          </a:p>
+        </p:txBody>
+      </p:sp>
+      <p:sp>
+        <p:nvSpPr>
+          <p:cNvPr id="6" name="Rectangle 5">
+            <a:extLst>
+              <a:ext uri="{FF2B5EF4-FFF2-40B4-BE49-F238E27FC236}">
+                <a16:creationId xmlns:a16="http://schemas.microsoft.com/office/drawing/2014/main" id="{B6409DED-0FAD-9B44-A242-4B4686E3A708}"/>
+              </a:ext>
+            </a:extLst>
+          </p:cNvPr>
+          <p:cNvSpPr/>
+          <p:nvPr/>
+        </p:nvSpPr>
+        <p:spPr>
+          <a:xfrm>
+            <a:off x="971600" y="1563638"/>
+            <a:ext cx="7704856" cy="2831544"/>
+          </a:xfrm>
+          <a:prstGeom prst="rect">
+            <a:avLst/>
+          </a:prstGeom>
+        </p:spPr>
+        <p:txBody>
+          <a:bodyPr wrap="square">
+            <a:spAutoFit/>
+          </a:bodyPr>
+          <a:lstStyle/>
+          <a:p>
+            <a:r>
+              <a:rPr lang="zh-CN" altLang="en-US" dirty="0">
+                <a:latin typeface="Menlo" panose="020B0609030804020204" pitchFamily="49" charset="0"/>
+              </a:rPr>
+              <a:t>在面向对象编程领域中，依赖倒置原则（</a:t>
+            </a:r>
+            <a:r>
+              <a:rPr lang="en-US" dirty="0">
+                <a:latin typeface="Menlo" panose="020B0609030804020204" pitchFamily="49" charset="0"/>
+              </a:rPr>
+              <a:t>Dependency inversion </a:t>
+            </a:r>
+            <a:r>
+              <a:rPr lang="en-US" dirty="0" err="1">
+                <a:latin typeface="Menlo" panose="020B0609030804020204" pitchFamily="49" charset="0"/>
+              </a:rPr>
+              <a:t>principle，DIP</a:t>
+            </a:r>
+            <a:r>
+              <a:rPr lang="en-US" dirty="0">
+                <a:latin typeface="Menlo" panose="020B0609030804020204" pitchFamily="49" charset="0"/>
+              </a:rPr>
+              <a:t>）</a:t>
+            </a:r>
+            <a:r>
+              <a:rPr lang="zh-CN" altLang="en-US" dirty="0">
+                <a:latin typeface="Menlo" panose="020B0609030804020204" pitchFamily="49" charset="0"/>
+              </a:rPr>
+              <a:t>是指一种特定的解耦（传统的依赖关系创建在高层次上，而具体的策略设置则应用在低层次的模块上）形式，使得高层次的模块不依赖于低层次的模块的实现细节，依赖关系被颠倒（反转），从而使得低层次模块依赖于高层次模块的需求抽象。</a:t>
+            </a:r>
+            <a:endParaRPr lang="en-US" altLang="zh-CN" dirty="0">
+              <a:latin typeface="Menlo" panose="020B0609030804020204" pitchFamily="49" charset="0"/>
+            </a:endParaRPr>
+          </a:p>
+          <a:p>
+            <a:r>
+              <a:rPr lang="en-US" sz="1400" b="0" i="0" dirty="0">
+                <a:solidFill>
+                  <a:srgbClr val="202122"/>
+                </a:solidFill>
+                <a:effectLst/>
+                <a:latin typeface="Arial" panose="020B0604020202020204" pitchFamily="34" charset="0"/>
+              </a:rPr>
+              <a:t>In </a:t>
+            </a:r>
+            <a:r>
+              <a:rPr lang="en-US" sz="1400" dirty="0">
+                <a:solidFill>
+                  <a:srgbClr val="202122"/>
+                </a:solidFill>
+                <a:latin typeface="Arial" panose="020B0604020202020204" pitchFamily="34" charset="0"/>
+                <a:hlinkClick r:id="rId2" tooltip="Object-oriented design">
+                  <a:extLst>
+                    <a:ext uri="{A12FA001-AC4F-418D-AE19-62706E023703}">
+                      <ahyp:hlinkClr xmlns:ahyp="http://schemas.microsoft.com/office/drawing/2018/hyperlinkcolor" val="tx"/>
+                    </a:ext>
+                  </a:extLst>
+                </a:hlinkClick>
+              </a:rPr>
+              <a:t>object-oriented design</a:t>
+            </a:r>
+            <a:r>
+              <a:rPr lang="en-US" sz="1400" dirty="0">
+                <a:solidFill>
+                  <a:srgbClr val="202122"/>
+                </a:solidFill>
+                <a:latin typeface="Arial" panose="020B0604020202020204" pitchFamily="34" charset="0"/>
+              </a:rPr>
+              <a:t>, </a:t>
+            </a:r>
+            <a:r>
+              <a:rPr lang="en-US" sz="1400" b="0" i="0" dirty="0">
+                <a:solidFill>
+                  <a:srgbClr val="202122"/>
+                </a:solidFill>
+                <a:effectLst/>
+                <a:latin typeface="Arial" panose="020B0604020202020204" pitchFamily="34" charset="0"/>
+              </a:rPr>
+              <a:t>the </a:t>
+            </a:r>
+            <a:r>
+              <a:rPr lang="en-US" sz="1400" b="1" i="0" dirty="0">
+                <a:solidFill>
+                  <a:srgbClr val="202122"/>
+                </a:solidFill>
+                <a:effectLst/>
+                <a:latin typeface="Arial" panose="020B0604020202020204" pitchFamily="34" charset="0"/>
+              </a:rPr>
+              <a:t>dependency inversion principle</a:t>
+            </a:r>
+            <a:r>
+              <a:rPr lang="en-US" sz="1400" b="0" i="0" dirty="0">
+                <a:solidFill>
+                  <a:srgbClr val="202122"/>
+                </a:solidFill>
+                <a:effectLst/>
+                <a:latin typeface="Arial" panose="020B0604020202020204" pitchFamily="34" charset="0"/>
+              </a:rPr>
+              <a:t> is a specific form of</a:t>
+            </a:r>
+            <a:r>
+              <a:rPr lang="en-US" sz="1400" dirty="0">
+                <a:solidFill>
+                  <a:srgbClr val="202122"/>
+                </a:solidFill>
+                <a:latin typeface="Arial" panose="020B0604020202020204" pitchFamily="34" charset="0"/>
+              </a:rPr>
+              <a:t> </a:t>
+            </a:r>
+            <a:r>
+              <a:rPr lang="en-US" sz="1400" dirty="0">
+                <a:solidFill>
+                  <a:srgbClr val="202122"/>
+                </a:solidFill>
+                <a:latin typeface="Arial" panose="020B0604020202020204" pitchFamily="34" charset="0"/>
+                <a:hlinkClick r:id="rId3" tooltip="Coupling (computer programming)">
+                  <a:extLst>
+                    <a:ext uri="{A12FA001-AC4F-418D-AE19-62706E023703}">
+                      <ahyp:hlinkClr xmlns:ahyp="http://schemas.microsoft.com/office/drawing/2018/hyperlinkcolor" val="tx"/>
+                    </a:ext>
+                  </a:extLst>
+                </a:hlinkClick>
+              </a:rPr>
+              <a:t>loosely coupling</a:t>
+            </a:r>
+            <a:r>
+              <a:rPr lang="en-US" sz="1400" dirty="0">
+                <a:solidFill>
+                  <a:srgbClr val="202122"/>
+                </a:solidFill>
+                <a:latin typeface="Arial" panose="020B0604020202020204" pitchFamily="34" charset="0"/>
+              </a:rPr>
+              <a:t> software </a:t>
+            </a:r>
+            <a:r>
+              <a:rPr lang="en-US" sz="1400" dirty="0">
+                <a:solidFill>
+                  <a:srgbClr val="202122"/>
+                </a:solidFill>
+                <a:latin typeface="Arial" panose="020B0604020202020204" pitchFamily="34" charset="0"/>
+                <a:hlinkClick r:id="rId4" tooltip="Modular programming">
+                  <a:extLst>
+                    <a:ext uri="{A12FA001-AC4F-418D-AE19-62706E023703}">
+                      <ahyp:hlinkClr xmlns:ahyp="http://schemas.microsoft.com/office/drawing/2018/hyperlinkcolor" val="tx"/>
+                    </a:ext>
+                  </a:extLst>
+                </a:hlinkClick>
+              </a:rPr>
+              <a:t>modules</a:t>
+            </a:r>
+            <a:r>
+              <a:rPr lang="en-US" sz="1400" dirty="0">
+                <a:solidFill>
+                  <a:srgbClr val="202122"/>
+                </a:solidFill>
+                <a:latin typeface="Arial" panose="020B0604020202020204" pitchFamily="34" charset="0"/>
+              </a:rPr>
+              <a:t>. When following this principle, the conventional </a:t>
+            </a:r>
+            <a:r>
+              <a:rPr lang="en-US" sz="1400" dirty="0">
+                <a:solidFill>
+                  <a:srgbClr val="202122"/>
+                </a:solidFill>
+                <a:latin typeface="Arial" panose="020B0604020202020204" pitchFamily="34" charset="0"/>
+                <a:hlinkClick r:id="rId5" tooltip="Dependency (computer science)">
+                  <a:extLst>
+                    <a:ext uri="{A12FA001-AC4F-418D-AE19-62706E023703}">
+                      <ahyp:hlinkClr xmlns:ahyp="http://schemas.microsoft.com/office/drawing/2018/hyperlinkcolor" val="tx"/>
+                    </a:ext>
+                  </a:extLst>
+                </a:hlinkClick>
+              </a:rPr>
+              <a:t>dependency</a:t>
+            </a:r>
+            <a:r>
+              <a:rPr lang="en-US" sz="1400" dirty="0">
+                <a:solidFill>
+                  <a:srgbClr val="202122"/>
+                </a:solidFill>
+                <a:latin typeface="Arial" panose="020B0604020202020204" pitchFamily="34" charset="0"/>
+              </a:rPr>
+              <a:t> relationships established from high-level, policy-setting modules to low-level, dependency modules are reversed, thus rendering high-level modules</a:t>
+            </a:r>
+            <a:r>
+              <a:rPr lang="en-US" sz="1400" b="0" i="0" dirty="0">
+                <a:solidFill>
+                  <a:srgbClr val="202122"/>
+                </a:solidFill>
+                <a:effectLst/>
+                <a:latin typeface="Arial" panose="020B0604020202020204" pitchFamily="34" charset="0"/>
+              </a:rPr>
+              <a:t> independent of the low-level module implementation details.</a:t>
+            </a:r>
+            <a:endParaRPr lang="en-US" altLang="zh-CN" sz="1400" dirty="0">
+              <a:latin typeface="Menlo" panose="020B0609030804020204" pitchFamily="49" charset="0"/>
+            </a:endParaRPr>
+          </a:p>
+          <a:p>
+            <a:endParaRPr lang="zh-CN" altLang="en-US" b="0" dirty="0">
+              <a:effectLst/>
+              <a:latin typeface="Menlo" panose="020B0609030804020204" pitchFamily="49" charset="0"/>
+            </a:endParaRPr>
+          </a:p>
+        </p:txBody>
+      </p:sp>
+      <p:sp>
+        <p:nvSpPr>
+          <p:cNvPr id="7" name="TextBox 6">
+            <a:extLst>
+              <a:ext uri="{FF2B5EF4-FFF2-40B4-BE49-F238E27FC236}">
+                <a16:creationId xmlns:a16="http://schemas.microsoft.com/office/drawing/2014/main" id="{1166E832-0FEF-4849-97E0-E13509FC616A}"/>
+              </a:ext>
+            </a:extLst>
+          </p:cNvPr>
+          <p:cNvSpPr txBox="1"/>
+          <p:nvPr/>
+        </p:nvSpPr>
+        <p:spPr>
+          <a:xfrm>
+            <a:off x="1115616" y="1006237"/>
+            <a:ext cx="646331" cy="369332"/>
+          </a:xfrm>
+          <a:prstGeom prst="rect">
+            <a:avLst/>
+          </a:prstGeom>
+          <a:noFill/>
+        </p:spPr>
+        <p:txBody>
+          <a:bodyPr wrap="none" rtlCol="0">
+            <a:spAutoFit/>
+          </a:bodyPr>
+          <a:lstStyle/>
+          <a:p>
+            <a:r>
+              <a:rPr lang="en-CN" dirty="0"/>
+              <a:t>概念</a:t>
+            </a:r>
+          </a:p>
+        </p:txBody>
+      </p:sp>
+    </p:spTree>
+    <p:extLst>
+      <p:ext uri="{BB962C8B-B14F-4D97-AF65-F5344CB8AC3E}">
+        <p14:creationId xmlns:p14="http://schemas.microsoft.com/office/powerpoint/2010/main" val="4282843939"/>
+      </p:ext>
+    </p:extLst>
+  </p:cSld>
+  <p:clrMapOvr>
+    <a:masterClrMapping/>
+  </p:clrMapOvr>
+</p:sld>
+</file>
+
+<file path=ppt/slides/slide40.xml><?xml version="1.0" encoding="utf-8"?>
 <p:sld xmlns:a="http://schemas.openxmlformats.org/drawingml/2006/main" xmlns:r="http://schemas.openxmlformats.org/officeDocument/2006/relationships" xmlns:p="http://schemas.openxmlformats.org/presentationml/2006/main">
   <p:cSld>
     <p:spTree>
@@ -11634,196 +12226,6 @@
 </p:sld>
 </file>
 
-<file path=ppt/slides/slide4.xml><?xml version="1.0" encoding="utf-8"?>
-<p:sld xmlns:a="http://schemas.openxmlformats.org/drawingml/2006/main" xmlns:r="http://schemas.openxmlformats.org/officeDocument/2006/relationships" xmlns:p="http://schemas.openxmlformats.org/presentationml/2006/main">
-  <p:cSld>
-    <p:spTree>
-      <p:nvGrpSpPr>
-        <p:cNvPr id="1" name=""/>
-        <p:cNvGrpSpPr/>
-        <p:nvPr/>
-      </p:nvGrpSpPr>
-      <p:grpSpPr>
-        <a:xfrm>
-          <a:off x="0" y="0"/>
-          <a:ext cx="0" cy="0"/>
-          <a:chOff x="0" y="0"/>
-          <a:chExt cx="0" cy="0"/>
-        </a:xfrm>
-      </p:grpSpPr>
-      <p:sp>
-        <p:nvSpPr>
-          <p:cNvPr id="2" name="Text Placeholder 1">
-            <a:extLst>
-              <a:ext uri="{FF2B5EF4-FFF2-40B4-BE49-F238E27FC236}">
-                <a16:creationId xmlns:a16="http://schemas.microsoft.com/office/drawing/2014/main" id="{C3174603-5956-7E43-8EEC-D48CA7730497}"/>
-              </a:ext>
-            </a:extLst>
-          </p:cNvPr>
-          <p:cNvSpPr>
-            <a:spLocks noGrp="1"/>
-          </p:cNvSpPr>
-          <p:nvPr>
-            <p:ph type="body" sz="quarter" idx="11"/>
-          </p:nvPr>
-        </p:nvSpPr>
-        <p:spPr/>
-        <p:txBody>
-          <a:bodyPr/>
-          <a:lstStyle/>
-          <a:p>
-            <a:r>
-              <a:rPr lang="en-CN" dirty="0"/>
-              <a:t>依赖倒置</a:t>
-            </a:r>
-          </a:p>
-          <a:p>
-            <a:endParaRPr lang="en-CN" dirty="0"/>
-          </a:p>
-        </p:txBody>
-      </p:sp>
-      <p:sp>
-        <p:nvSpPr>
-          <p:cNvPr id="3" name="Text Placeholder 2">
-            <a:extLst>
-              <a:ext uri="{FF2B5EF4-FFF2-40B4-BE49-F238E27FC236}">
-                <a16:creationId xmlns:a16="http://schemas.microsoft.com/office/drawing/2014/main" id="{DCDE4A44-F0D6-4147-A0DB-11504F259606}"/>
-              </a:ext>
-            </a:extLst>
-          </p:cNvPr>
-          <p:cNvSpPr>
-            <a:spLocks noGrp="1"/>
-          </p:cNvSpPr>
-          <p:nvPr>
-            <p:ph type="body" sz="quarter" idx="12"/>
-          </p:nvPr>
-        </p:nvSpPr>
-        <p:spPr/>
-        <p:txBody>
-          <a:bodyPr/>
-          <a:lstStyle/>
-          <a:p>
-            <a:endParaRPr lang="en-CN" dirty="0"/>
-          </a:p>
-        </p:txBody>
-      </p:sp>
-      <p:sp>
-        <p:nvSpPr>
-          <p:cNvPr id="6" name="Rectangle 5">
-            <a:extLst>
-              <a:ext uri="{FF2B5EF4-FFF2-40B4-BE49-F238E27FC236}">
-                <a16:creationId xmlns:a16="http://schemas.microsoft.com/office/drawing/2014/main" id="{B6409DED-0FAD-9B44-A242-4B4686E3A708}"/>
-              </a:ext>
-            </a:extLst>
-          </p:cNvPr>
-          <p:cNvSpPr/>
-          <p:nvPr/>
-        </p:nvSpPr>
-        <p:spPr>
-          <a:xfrm>
-            <a:off x="971600" y="1563638"/>
-            <a:ext cx="7704856" cy="1754326"/>
-          </a:xfrm>
-          <a:prstGeom prst="rect">
-            <a:avLst/>
-          </a:prstGeom>
-        </p:spPr>
-        <p:txBody>
-          <a:bodyPr wrap="square">
-            <a:spAutoFit/>
-          </a:bodyPr>
-          <a:lstStyle/>
-          <a:p>
-            <a:r>
-              <a:rPr lang="zh-CN" altLang="en-US" dirty="0">
-                <a:latin typeface="Menlo" panose="020B0609030804020204" pitchFamily="49" charset="0"/>
-              </a:rPr>
-              <a:t>在面向对象编程领域中，依赖倒置原则（</a:t>
-            </a:r>
-            <a:r>
-              <a:rPr lang="en-US" dirty="0">
-                <a:latin typeface="Menlo" panose="020B0609030804020204" pitchFamily="49" charset="0"/>
-              </a:rPr>
-              <a:t>Dependency inversion </a:t>
-            </a:r>
-            <a:r>
-              <a:rPr lang="en-US" dirty="0" err="1">
-                <a:latin typeface="Menlo" panose="020B0609030804020204" pitchFamily="49" charset="0"/>
-              </a:rPr>
-              <a:t>principle，DIP</a:t>
-            </a:r>
-            <a:r>
-              <a:rPr lang="en-US" dirty="0">
-                <a:latin typeface="Menlo" panose="020B0609030804020204" pitchFamily="49" charset="0"/>
-              </a:rPr>
-              <a:t>）</a:t>
-            </a:r>
-            <a:r>
-              <a:rPr lang="zh-CN" altLang="en-US" dirty="0">
-                <a:latin typeface="Menlo" panose="020B0609030804020204" pitchFamily="49" charset="0"/>
-              </a:rPr>
-              <a:t>是指一种特定的解耦（传统的依赖关系创建在高层次上，而具体的策略设置则应用在低层次的模块上）形式，使得高层次的模块不依赖于低层次的模块的实现细节，依赖关系被颠倒（反转），从而使得低层次模块依赖于高层次模块的需求抽象。</a:t>
-            </a:r>
-            <a:endParaRPr lang="en-US" altLang="zh-CN" dirty="0">
-              <a:latin typeface="Menlo" panose="020B0609030804020204" pitchFamily="49" charset="0"/>
-            </a:endParaRPr>
-          </a:p>
-          <a:p>
-            <a:endParaRPr lang="zh-CN" altLang="en-US" b="0" dirty="0">
-              <a:effectLst/>
-              <a:latin typeface="Menlo" panose="020B0609030804020204" pitchFamily="49" charset="0"/>
-            </a:endParaRPr>
-          </a:p>
-        </p:txBody>
-      </p:sp>
-      <p:sp>
-        <p:nvSpPr>
-          <p:cNvPr id="7" name="TextBox 6">
-            <a:extLst>
-              <a:ext uri="{FF2B5EF4-FFF2-40B4-BE49-F238E27FC236}">
-                <a16:creationId xmlns:a16="http://schemas.microsoft.com/office/drawing/2014/main" id="{1166E832-0FEF-4849-97E0-E13509FC616A}"/>
-              </a:ext>
-            </a:extLst>
-          </p:cNvPr>
-          <p:cNvSpPr txBox="1"/>
-          <p:nvPr/>
-        </p:nvSpPr>
-        <p:spPr>
-          <a:xfrm>
-            <a:off x="1115616" y="1006237"/>
-            <a:ext cx="646331" cy="369332"/>
-          </a:xfrm>
-          <a:prstGeom prst="rect">
-            <a:avLst/>
-          </a:prstGeom>
-          <a:noFill/>
-        </p:spPr>
-        <p:txBody>
-          <a:bodyPr wrap="none" rtlCol="0">
-            <a:spAutoFit/>
-          </a:bodyPr>
-          <a:lstStyle/>
-          <a:p>
-            <a:r>
-              <a:rPr lang="en-CN" dirty="0"/>
-              <a:t>概念</a:t>
-            </a:r>
-          </a:p>
-        </p:txBody>
-      </p:sp>
-    </p:spTree>
-    <p:extLst>
-      <p:ext uri="{BB962C8B-B14F-4D97-AF65-F5344CB8AC3E}">
-        <p14:creationId xmlns:p14="http://schemas.microsoft.com/office/powerpoint/2010/main" val="4282843939"/>
-      </p:ext>
-    </p:extLst>
-  </p:cSld>
-  <p:clrMapOvr>
-    <a:masterClrMapping/>
-  </p:clrMapOvr>
-</p:sld>
-</file>
-
 <file path=ppt/slides/slide5.xml><?xml version="1.0" encoding="utf-8"?>
 <p:sld xmlns:a="http://schemas.openxmlformats.org/drawingml/2006/main" xmlns:r="http://schemas.openxmlformats.org/officeDocument/2006/relationships" xmlns:p="http://schemas.openxmlformats.org/presentationml/2006/main">
   <p:cSld>
@@ -12043,10 +12445,10 @@
       </p:grpSpPr>
       <p:sp>
         <p:nvSpPr>
-          <p:cNvPr id="2" name="Text Placeholder 1">
+          <p:cNvPr id="2" name="文本占位符 1">
             <a:extLst>
               <a:ext uri="{FF2B5EF4-FFF2-40B4-BE49-F238E27FC236}">
-                <a16:creationId xmlns:a16="http://schemas.microsoft.com/office/drawing/2014/main" id="{092A0A82-197C-A941-8F08-7BBC8D68420B}"/>
+                <a16:creationId xmlns:a16="http://schemas.microsoft.com/office/drawing/2014/main" id="{DF9845AF-53C4-442C-8305-B58FF19945F0}"/>
               </a:ext>
             </a:extLst>
           </p:cNvPr>
@@ -12057,32 +12459,21 @@
             <p:ph type="body" sz="quarter" idx="11"/>
           </p:nvPr>
         </p:nvSpPr>
-        <p:spPr>
-          <a:xfrm>
-            <a:off x="549076" y="224061"/>
-            <a:ext cx="2798787" cy="287412"/>
-          </a:xfrm>
-        </p:spPr>
+        <p:spPr/>
         <p:txBody>
           <a:bodyPr/>
           <a:lstStyle/>
           <a:p>
-            <a:r>
-              <a:rPr lang="en-CN" dirty="0"/>
-              <a:t>依赖倒置</a:t>
-            </a:r>
-          </a:p>
-          <a:p>
-            <a:endParaRPr lang="en-CN" dirty="0"/>
-          </a:p>
-        </p:txBody>
-      </p:sp>
-      <p:sp>
-        <p:nvSpPr>
-          <p:cNvPr id="3" name="Text Placeholder 2">
+            <a:endParaRPr lang="en-US" dirty="0"/>
+          </a:p>
+        </p:txBody>
+      </p:sp>
+      <p:sp>
+        <p:nvSpPr>
+          <p:cNvPr id="3" name="文本占位符 2">
             <a:extLst>
               <a:ext uri="{FF2B5EF4-FFF2-40B4-BE49-F238E27FC236}">
-                <a16:creationId xmlns:a16="http://schemas.microsoft.com/office/drawing/2014/main" id="{BE0288B7-9AF6-834F-B0C5-DD7FA5349022}"/>
+                <a16:creationId xmlns:a16="http://schemas.microsoft.com/office/drawing/2014/main" id="{ED68C6D0-26A3-45AD-B881-1924ACB7F31B}"/>
               </a:ext>
             </a:extLst>
           </p:cNvPr>
@@ -12098,54 +12489,16 @@
           <a:bodyPr/>
           <a:lstStyle/>
           <a:p>
-            <a:endParaRPr lang="en-CN"/>
-          </a:p>
-        </p:txBody>
-      </p:sp>
-      <p:sp>
-        <p:nvSpPr>
-          <p:cNvPr id="4" name="Rectangle 3">
+            <a:endParaRPr lang="en-US"/>
+          </a:p>
+        </p:txBody>
+      </p:sp>
+      <p:sp>
+        <p:nvSpPr>
+          <p:cNvPr id="5" name="文本框 4">
             <a:extLst>
               <a:ext uri="{FF2B5EF4-FFF2-40B4-BE49-F238E27FC236}">
-                <a16:creationId xmlns:a16="http://schemas.microsoft.com/office/drawing/2014/main" id="{786996A4-3A85-2A4F-81C1-E1D492BB0CFF}"/>
-              </a:ext>
-            </a:extLst>
-          </p:cNvPr>
-          <p:cNvSpPr/>
-          <p:nvPr/>
-        </p:nvSpPr>
-        <p:spPr>
-          <a:xfrm>
-            <a:off x="827584" y="781423"/>
-            <a:ext cx="4572000" cy="646331"/>
-          </a:xfrm>
-          <a:prstGeom prst="rect">
-            <a:avLst/>
-          </a:prstGeom>
-        </p:spPr>
-        <p:txBody>
-          <a:bodyPr>
-            <a:spAutoFit/>
-          </a:bodyPr>
-          <a:lstStyle/>
-          <a:p>
-            <a:r>
-              <a:rPr lang="en-US" dirty="0" err="1"/>
-              <a:t>传统分层模式</a:t>
-            </a:r>
-            <a:endParaRPr lang="en-US" dirty="0"/>
-          </a:p>
-          <a:p>
-            <a:endParaRPr lang="en-CN" dirty="0"/>
-          </a:p>
-        </p:txBody>
-      </p:sp>
-      <p:sp>
-        <p:nvSpPr>
-          <p:cNvPr id="5" name="TextBox 4">
-            <a:extLst>
-              <a:ext uri="{FF2B5EF4-FFF2-40B4-BE49-F238E27FC236}">
-                <a16:creationId xmlns:a16="http://schemas.microsoft.com/office/drawing/2014/main" id="{5B811482-CA5B-DE42-A44B-510F389C9511}"/>
+                <a16:creationId xmlns:a16="http://schemas.microsoft.com/office/drawing/2014/main" id="{20428168-3215-4D2B-854C-F4B6CA714B2D}"/>
               </a:ext>
             </a:extLst>
           </p:cNvPr>
@@ -12154,8 +12507,8 @@
         </p:nvSpPr>
         <p:spPr>
           <a:xfrm>
-            <a:off x="899592" y="1275606"/>
-            <a:ext cx="7848872" cy="1077218"/>
+            <a:off x="683568" y="1635646"/>
+            <a:ext cx="8208912" cy="1200329"/>
           </a:xfrm>
           <a:prstGeom prst="rect">
             <a:avLst/>
@@ -12163,120 +12516,340 @@
           <a:noFill/>
         </p:spPr>
         <p:txBody>
-          <a:bodyPr wrap="square" rtlCol="0">
+          <a:bodyPr wrap="square">
             <a:spAutoFit/>
           </a:bodyPr>
           <a:lstStyle/>
           <a:p>
-            <a:pPr marL="285750" indent="-285750">
-              <a:buFont typeface="Arial" panose="020B0604020202020204" pitchFamily="34" charset="0"/>
-              <a:buChar char="•"/>
-            </a:pPr>
-            <a:r>
-              <a:rPr lang="en-CN" sz="1600" dirty="0"/>
-              <a:t>特点</a:t>
-            </a:r>
-            <a:endParaRPr lang="en-US" sz="1600" dirty="0"/>
-          </a:p>
-          <a:p>
-            <a:pPr marL="742950" lvl="1" indent="-285750">
-              <a:buFont typeface="Arial" panose="020B0604020202020204" pitchFamily="34" charset="0"/>
-              <a:buChar char="•"/>
-            </a:pPr>
-            <a:r>
-              <a:rPr lang="zh-CN" altLang="en-CN" sz="1600" dirty="0">
-                <a:latin typeface="+mn-ea"/>
-              </a:rPr>
-              <a:t>高层</a:t>
-            </a:r>
-            <a:r>
-              <a:rPr lang="zh-CN" altLang="en-US" sz="1600" dirty="0">
-                <a:latin typeface="+mn-ea"/>
-              </a:rPr>
-              <a:t>依赖低层，低层组件提供实现，高层组件使用低层组件提供的实现</a:t>
-            </a:r>
-            <a:endParaRPr lang="en-CN" sz="1600" dirty="0">
-              <a:latin typeface="+mn-ea"/>
-            </a:endParaRPr>
-          </a:p>
-          <a:p>
-            <a:pPr marL="285750" indent="-285750">
-              <a:buFont typeface="Arial" panose="020B0604020202020204" pitchFamily="34" charset="0"/>
-              <a:buChar char="•"/>
-            </a:pPr>
-            <a:r>
-              <a:rPr lang="en-CN" sz="1600" dirty="0"/>
-              <a:t>痛点</a:t>
-            </a:r>
-          </a:p>
-          <a:p>
-            <a:pPr marL="742950" lvl="1" indent="-285750">
-              <a:buFont typeface="Arial" panose="020B0604020202020204" pitchFamily="34" charset="0"/>
-              <a:buChar char="•"/>
-            </a:pPr>
-            <a:r>
-              <a:rPr lang="zh-CN" altLang="en-CN" sz="1600" dirty="0"/>
-              <a:t>高层次</a:t>
-            </a:r>
-            <a:r>
-              <a:rPr lang="zh-CN" altLang="en-US" sz="1600" dirty="0"/>
-              <a:t>组件难以复用、移植，测试。不同组件、服务边界模糊。</a:t>
-            </a:r>
-            <a:endParaRPr lang="en-CN" sz="1600" dirty="0"/>
-          </a:p>
-        </p:txBody>
-      </p:sp>
-      <p:pic>
-        <p:nvPicPr>
-          <p:cNvPr id="1028" name="Picture 4">
+            <a:r>
+              <a:rPr lang="zh-CN" altLang="en-US" b="0" i="0" dirty="0">
+                <a:solidFill>
+                  <a:srgbClr val="202122"/>
+                </a:solidFill>
+                <a:effectLst/>
+                <a:latin typeface="Arial" panose="020B0604020202020204" pitchFamily="34" charset="0"/>
+              </a:rPr>
+              <a:t>依赖反转原则由</a:t>
+            </a:r>
+            <a:r>
+              <a:rPr lang="zh-CN" altLang="en-US" b="0" i="0" u="none" strike="noStrike" dirty="0">
+                <a:solidFill>
+                  <a:srgbClr val="007A5E"/>
+                </a:solidFill>
+                <a:effectLst/>
+                <a:latin typeface="Arial" panose="020B0604020202020204" pitchFamily="34" charset="0"/>
+                <a:hlinkClick r:id="rId2"/>
+              </a:rPr>
+              <a:t>罗伯特</a:t>
+            </a:r>
+            <a:r>
+              <a:rPr lang="en-US" altLang="zh-CN" b="0" i="0" u="none" strike="noStrike" dirty="0">
+                <a:solidFill>
+                  <a:srgbClr val="007A5E"/>
+                </a:solidFill>
+                <a:effectLst/>
+                <a:latin typeface="Arial" panose="020B0604020202020204" pitchFamily="34" charset="0"/>
+                <a:hlinkClick r:id="rId2"/>
+              </a:rPr>
+              <a:t>·C·</a:t>
+            </a:r>
+            <a:r>
+              <a:rPr lang="zh-CN" altLang="en-US" b="0" i="0" u="none" strike="noStrike" dirty="0">
+                <a:solidFill>
+                  <a:srgbClr val="007A5E"/>
+                </a:solidFill>
+                <a:effectLst/>
+                <a:latin typeface="Arial" panose="020B0604020202020204" pitchFamily="34" charset="0"/>
+                <a:hlinkClick r:id="rId2"/>
+              </a:rPr>
+              <a:t>马丁</a:t>
+            </a:r>
+            <a:r>
+              <a:rPr lang="zh-CN" altLang="en-US" b="0" i="0" dirty="0">
+                <a:solidFill>
+                  <a:srgbClr val="202122"/>
+                </a:solidFill>
+                <a:effectLst/>
+                <a:latin typeface="Arial" panose="020B0604020202020204" pitchFamily="34" charset="0"/>
+              </a:rPr>
+              <a:t>提出，并且在数篇公开著作中被表述，包括论文</a:t>
+            </a:r>
+            <a:r>
+              <a:rPr lang="en-US" altLang="zh-CN" b="0" i="0" dirty="0">
+                <a:solidFill>
+                  <a:srgbClr val="202122"/>
+                </a:solidFill>
+                <a:effectLst/>
+                <a:latin typeface="Arial" panose="020B0604020202020204" pitchFamily="34" charset="0"/>
+              </a:rPr>
+              <a:t>《</a:t>
+            </a:r>
+            <a:r>
+              <a:rPr lang="zh-CN" altLang="en-US" b="0" i="0" dirty="0">
+                <a:solidFill>
+                  <a:srgbClr val="202122"/>
+                </a:solidFill>
+                <a:effectLst/>
+                <a:latin typeface="Arial" panose="020B0604020202020204" pitchFamily="34" charset="0"/>
+              </a:rPr>
+              <a:t>面向对象设计质量标准：对于依赖的分析</a:t>
+            </a:r>
+            <a:r>
+              <a:rPr lang="en-US" altLang="zh-CN" b="0" i="0" dirty="0">
+                <a:solidFill>
+                  <a:srgbClr val="202122"/>
+                </a:solidFill>
+                <a:effectLst/>
+                <a:latin typeface="Arial" panose="020B0604020202020204" pitchFamily="34" charset="0"/>
+              </a:rPr>
+              <a:t>》</a:t>
+            </a:r>
+            <a:r>
+              <a:rPr lang="en-US" altLang="zh-CN" b="0" i="0" u="none" strike="noStrike" baseline="30000" dirty="0">
+                <a:solidFill>
+                  <a:srgbClr val="0645AD"/>
+                </a:solidFill>
+                <a:effectLst/>
+                <a:latin typeface="Arial" panose="020B0604020202020204" pitchFamily="34" charset="0"/>
+                <a:hlinkClick r:id="rId3"/>
+              </a:rPr>
+              <a:t>[2]</a:t>
+            </a:r>
+            <a:r>
+              <a:rPr lang="zh-CN" altLang="en-US" b="0" i="0" dirty="0">
+                <a:solidFill>
+                  <a:srgbClr val="202122"/>
+                </a:solidFill>
+                <a:effectLst/>
+                <a:latin typeface="Arial" panose="020B0604020202020204" pitchFamily="34" charset="0"/>
+              </a:rPr>
+              <a:t>，以及一篇</a:t>
+            </a:r>
+            <a:r>
+              <a:rPr lang="en-US" altLang="zh-CN" b="0" i="0" dirty="0">
+                <a:solidFill>
+                  <a:srgbClr val="202122"/>
+                </a:solidFill>
+                <a:effectLst/>
+                <a:latin typeface="Arial" panose="020B0604020202020204" pitchFamily="34" charset="0"/>
+              </a:rPr>
+              <a:t>1996</a:t>
+            </a:r>
+            <a:r>
+              <a:rPr lang="zh-CN" altLang="en-US" b="0" i="0" dirty="0">
+                <a:solidFill>
+                  <a:srgbClr val="202122"/>
+                </a:solidFill>
+                <a:effectLst/>
+                <a:latin typeface="Arial" panose="020B0604020202020204" pitchFamily="34" charset="0"/>
+              </a:rPr>
+              <a:t>年出现在</a:t>
+            </a:r>
+            <a:r>
+              <a:rPr lang="en-US" altLang="zh-CN" b="0" i="0" dirty="0">
+                <a:solidFill>
+                  <a:srgbClr val="202122"/>
+                </a:solidFill>
+                <a:effectLst/>
+                <a:latin typeface="Arial" panose="020B0604020202020204" pitchFamily="34" charset="0"/>
+              </a:rPr>
+              <a:t>C++</a:t>
+            </a:r>
+            <a:r>
+              <a:rPr lang="zh-CN" altLang="en-US" b="0" i="0" dirty="0">
+                <a:solidFill>
+                  <a:srgbClr val="202122"/>
+                </a:solidFill>
+                <a:effectLst/>
+                <a:latin typeface="Arial" panose="020B0604020202020204" pitchFamily="34" charset="0"/>
+              </a:rPr>
+              <a:t>报道中的名为</a:t>
+            </a:r>
+            <a:r>
+              <a:rPr lang="en-US" altLang="zh-CN" b="0" i="0" dirty="0">
+                <a:solidFill>
+                  <a:srgbClr val="202122"/>
+                </a:solidFill>
+                <a:effectLst/>
+                <a:latin typeface="Arial" panose="020B0604020202020204" pitchFamily="34" charset="0"/>
+              </a:rPr>
+              <a:t>《</a:t>
+            </a:r>
+            <a:r>
+              <a:rPr lang="zh-CN" altLang="en-US" b="0" i="0" dirty="0">
+                <a:solidFill>
+                  <a:srgbClr val="202122"/>
+                </a:solidFill>
+                <a:effectLst/>
+                <a:latin typeface="Arial" panose="020B0604020202020204" pitchFamily="34" charset="0"/>
+              </a:rPr>
+              <a:t>依赖反转原则</a:t>
+            </a:r>
+            <a:r>
+              <a:rPr lang="en-US" altLang="zh-CN" b="0" i="0" dirty="0">
+                <a:solidFill>
+                  <a:srgbClr val="202122"/>
+                </a:solidFill>
+                <a:effectLst/>
+                <a:latin typeface="Arial" panose="020B0604020202020204" pitchFamily="34" charset="0"/>
+              </a:rPr>
+              <a:t>》</a:t>
+            </a:r>
+            <a:r>
+              <a:rPr lang="zh-CN" altLang="en-US" b="0" i="0" dirty="0">
+                <a:solidFill>
+                  <a:srgbClr val="202122"/>
+                </a:solidFill>
+                <a:effectLst/>
+                <a:latin typeface="Arial" panose="020B0604020202020204" pitchFamily="34" charset="0"/>
+              </a:rPr>
+              <a:t>的文章</a:t>
+            </a:r>
+            <a:r>
+              <a:rPr lang="en-US" altLang="zh-CN" b="0" i="0" u="none" strike="noStrike" baseline="30000" dirty="0">
+                <a:solidFill>
+                  <a:srgbClr val="0645AD"/>
+                </a:solidFill>
+                <a:effectLst/>
+                <a:latin typeface="Arial" panose="020B0604020202020204" pitchFamily="34" charset="0"/>
+                <a:hlinkClick r:id="rId4"/>
+              </a:rPr>
+              <a:t>[3]</a:t>
+            </a:r>
+            <a:r>
+              <a:rPr lang="zh-CN" altLang="en-US" b="0" i="0" dirty="0">
+                <a:solidFill>
+                  <a:srgbClr val="202122"/>
+                </a:solidFill>
+                <a:effectLst/>
+                <a:latin typeface="Arial" panose="020B0604020202020204" pitchFamily="34" charset="0"/>
+              </a:rPr>
+              <a:t>，和</a:t>
+            </a:r>
+            <a:r>
+              <a:rPr lang="en-US" altLang="zh-CN" b="0" i="0" dirty="0">
+                <a:solidFill>
+                  <a:srgbClr val="202122"/>
+                </a:solidFill>
+                <a:effectLst/>
+                <a:latin typeface="Arial" panose="020B0604020202020204" pitchFamily="34" charset="0"/>
+              </a:rPr>
+              <a:t>《</a:t>
+            </a:r>
+            <a:r>
+              <a:rPr lang="zh-CN" altLang="en-US" b="0" i="0" dirty="0">
+                <a:solidFill>
+                  <a:srgbClr val="202122"/>
+                </a:solidFill>
+                <a:effectLst/>
+                <a:latin typeface="Arial" panose="020B0604020202020204" pitchFamily="34" charset="0"/>
+              </a:rPr>
+              <a:t>敏捷软件开发，原则，模式和实践</a:t>
+            </a:r>
+            <a:r>
+              <a:rPr lang="en-US" altLang="zh-CN" b="0" i="0" dirty="0">
+                <a:solidFill>
+                  <a:srgbClr val="202122"/>
+                </a:solidFill>
+                <a:effectLst/>
+                <a:latin typeface="Arial" panose="020B0604020202020204" pitchFamily="34" charset="0"/>
+              </a:rPr>
+              <a:t>》</a:t>
+            </a:r>
+            <a:r>
+              <a:rPr lang="zh-CN" altLang="en-US" b="0" i="0" dirty="0">
+                <a:solidFill>
+                  <a:srgbClr val="202122"/>
+                </a:solidFill>
+                <a:effectLst/>
+                <a:latin typeface="Arial" panose="020B0604020202020204" pitchFamily="34" charset="0"/>
+              </a:rPr>
+              <a:t>，</a:t>
+            </a:r>
+            <a:r>
+              <a:rPr lang="en-US" altLang="zh-CN" b="0" i="0" dirty="0">
+                <a:solidFill>
+                  <a:srgbClr val="202122"/>
+                </a:solidFill>
+                <a:effectLst/>
+                <a:latin typeface="Arial" panose="020B0604020202020204" pitchFamily="34" charset="0"/>
+              </a:rPr>
+              <a:t>《C#</a:t>
+            </a:r>
+            <a:r>
+              <a:rPr lang="zh-CN" altLang="en-US" b="0" i="0" dirty="0">
+                <a:solidFill>
+                  <a:srgbClr val="202122"/>
+                </a:solidFill>
+                <a:effectLst/>
+                <a:latin typeface="Arial" panose="020B0604020202020204" pitchFamily="34" charset="0"/>
+              </a:rPr>
+              <a:t>中的敏捷原则，模式和实践</a:t>
+            </a:r>
+            <a:r>
+              <a:rPr lang="en-US" altLang="zh-CN" b="0" i="0" dirty="0">
+                <a:solidFill>
+                  <a:srgbClr val="202122"/>
+                </a:solidFill>
+                <a:effectLst/>
+                <a:latin typeface="Arial" panose="020B0604020202020204" pitchFamily="34" charset="0"/>
+              </a:rPr>
+              <a:t>》</a:t>
+            </a:r>
+            <a:r>
+              <a:rPr lang="zh-CN" altLang="en-US" b="0" i="0" dirty="0">
+                <a:solidFill>
+                  <a:srgbClr val="202122"/>
+                </a:solidFill>
+                <a:effectLst/>
+                <a:latin typeface="Arial" panose="020B0604020202020204" pitchFamily="34" charset="0"/>
+              </a:rPr>
+              <a:t>两本书。</a:t>
+            </a:r>
+            <a:endParaRPr lang="en-US" dirty="0"/>
+          </a:p>
+        </p:txBody>
+      </p:sp>
+      <p:sp>
+        <p:nvSpPr>
+          <p:cNvPr id="7" name="TextBox 4">
             <a:extLst>
               <a:ext uri="{FF2B5EF4-FFF2-40B4-BE49-F238E27FC236}">
-                <a16:creationId xmlns:a16="http://schemas.microsoft.com/office/drawing/2014/main" id="{F2A9571F-89AC-2740-BA7F-55294592D4B8}"/>
+                <a16:creationId xmlns:a16="http://schemas.microsoft.com/office/drawing/2014/main" id="{A531AB7B-5ECA-4030-92F0-820669E3F3D0}"/>
               </a:ext>
             </a:extLst>
           </p:cNvPr>
-          <p:cNvPicPr>
-            <a:picLocks noChangeAspect="1" noChangeArrowheads="1"/>
-          </p:cNvPicPr>
+          <p:cNvSpPr txBox="1"/>
           <p:nvPr/>
-        </p:nvPicPr>
-        <p:blipFill>
-          <a:blip r:embed="rId3">
-            <a:extLst>
-              <a:ext uri="{28A0092B-C50C-407E-A947-70E740481C1C}">
-                <a14:useLocalDpi xmlns:a14="http://schemas.microsoft.com/office/drawing/2010/main" val="0"/>
-              </a:ext>
-            </a:extLst>
-          </a:blip>
-          <a:srcRect/>
-          <a:stretch>
-            <a:fillRect/>
-          </a:stretch>
-        </p:blipFill>
-        <p:spPr bwMode="auto">
+        </p:nvSpPr>
+        <p:spPr>
           <a:xfrm>
-            <a:off x="1763688" y="2427734"/>
-            <a:ext cx="5504086" cy="1155576"/>
+            <a:off x="683568" y="1090940"/>
+            <a:ext cx="646331" cy="369332"/>
           </a:xfrm>
           <a:prstGeom prst="rect">
             <a:avLst/>
           </a:prstGeom>
           <a:noFill/>
-          <a:extLst>
-            <a:ext uri="{909E8E84-426E-40DD-AFC4-6F175D3DCCD1}">
-              <a14:hiddenFill xmlns:a14="http://schemas.microsoft.com/office/drawing/2010/main">
-                <a:solidFill>
-                  <a:srgbClr val="FFFFFF"/>
-                </a:solidFill>
-              </a14:hiddenFill>
-            </a:ext>
-          </a:extLst>
         </p:spPr>
-      </p:pic>
+        <p:txBody>
+          <a:bodyPr wrap="none" rtlCol="0">
+            <a:spAutoFit/>
+          </a:bodyPr>
+          <a:lstStyle/>
+          <a:p>
+            <a:r>
+              <a:rPr lang="zh-CN" altLang="en-US" dirty="0"/>
+              <a:t>出处</a:t>
+            </a:r>
+            <a:endParaRPr lang="en-CN" dirty="0"/>
+          </a:p>
+        </p:txBody>
+      </p:sp>
     </p:spTree>
     <p:extLst>
       <p:ext uri="{BB962C8B-B14F-4D97-AF65-F5344CB8AC3E}">
-        <p14:creationId xmlns:p14="http://schemas.microsoft.com/office/powerpoint/2010/main" val="1044474749"/>
+        <p14:creationId xmlns:p14="http://schemas.microsoft.com/office/powerpoint/2010/main" val="2750055325"/>
       </p:ext>
     </p:extLst>
   </p:cSld>
@@ -12308,7 +12881,7 @@
           <p:cNvPr id="2" name="Text Placeholder 1">
             <a:extLst>
               <a:ext uri="{FF2B5EF4-FFF2-40B4-BE49-F238E27FC236}">
-                <a16:creationId xmlns:a16="http://schemas.microsoft.com/office/drawing/2014/main" id="{3EAE36F9-AE4D-0C40-9BFC-8A7E738E45B9}"/>
+                <a16:creationId xmlns:a16="http://schemas.microsoft.com/office/drawing/2014/main" id="{092A0A82-197C-A941-8F08-7BBC8D68420B}"/>
               </a:ext>
             </a:extLst>
           </p:cNvPr>
@@ -12319,7 +12892,12 @@
             <p:ph type="body" sz="quarter" idx="11"/>
           </p:nvPr>
         </p:nvSpPr>
-        <p:spPr/>
+        <p:spPr>
+          <a:xfrm>
+            <a:off x="549076" y="224061"/>
+            <a:ext cx="2798787" cy="287412"/>
+          </a:xfrm>
+        </p:spPr>
         <p:txBody>
           <a:bodyPr/>
           <a:lstStyle/>
@@ -12329,6 +12907,9 @@
               <a:t>依赖倒置</a:t>
             </a:r>
           </a:p>
+          <a:p>
+            <a:endParaRPr lang="en-CN" dirty="0"/>
+          </a:p>
         </p:txBody>
       </p:sp>
       <p:sp>
@@ -12336,7 +12917,7 @@
           <p:cNvPr id="3" name="Text Placeholder 2">
             <a:extLst>
               <a:ext uri="{FF2B5EF4-FFF2-40B4-BE49-F238E27FC236}">
-                <a16:creationId xmlns:a16="http://schemas.microsoft.com/office/drawing/2014/main" id="{259C122A-6A4C-C942-B0B3-A5ED9C69D37A}"/>
+                <a16:creationId xmlns:a16="http://schemas.microsoft.com/office/drawing/2014/main" id="{BE0288B7-9AF6-834F-B0C5-DD7FA5349022}"/>
               </a:ext>
             </a:extLst>
           </p:cNvPr>
@@ -12352,16 +12933,140 @@
           <a:bodyPr/>
           <a:lstStyle/>
           <a:p>
+            <a:endParaRPr lang="en-CN"/>
+          </a:p>
+        </p:txBody>
+      </p:sp>
+      <p:sp>
+        <p:nvSpPr>
+          <p:cNvPr id="4" name="Rectangle 3">
+            <a:extLst>
+              <a:ext uri="{FF2B5EF4-FFF2-40B4-BE49-F238E27FC236}">
+                <a16:creationId xmlns:a16="http://schemas.microsoft.com/office/drawing/2014/main" id="{786996A4-3A85-2A4F-81C1-E1D492BB0CFF}"/>
+              </a:ext>
+            </a:extLst>
+          </p:cNvPr>
+          <p:cNvSpPr/>
+          <p:nvPr/>
+        </p:nvSpPr>
+        <p:spPr>
+          <a:xfrm>
+            <a:off x="827584" y="781423"/>
+            <a:ext cx="4572000" cy="646331"/>
+          </a:xfrm>
+          <a:prstGeom prst="rect">
+            <a:avLst/>
+          </a:prstGeom>
+        </p:spPr>
+        <p:txBody>
+          <a:bodyPr>
+            <a:spAutoFit/>
+          </a:bodyPr>
+          <a:lstStyle/>
+          <a:p>
+            <a:r>
+              <a:rPr lang="en-US" dirty="0" err="1"/>
+              <a:t>传统分层模式</a:t>
+            </a:r>
+            <a:endParaRPr lang="en-US" dirty="0"/>
+          </a:p>
+          <a:p>
             <a:endParaRPr lang="en-CN" dirty="0"/>
+          </a:p>
+        </p:txBody>
+      </p:sp>
+      <p:sp>
+        <p:nvSpPr>
+          <p:cNvPr id="5" name="TextBox 4">
+            <a:extLst>
+              <a:ext uri="{FF2B5EF4-FFF2-40B4-BE49-F238E27FC236}">
+                <a16:creationId xmlns:a16="http://schemas.microsoft.com/office/drawing/2014/main" id="{5B811482-CA5B-DE42-A44B-510F389C9511}"/>
+              </a:ext>
+            </a:extLst>
+          </p:cNvPr>
+          <p:cNvSpPr txBox="1"/>
+          <p:nvPr/>
+        </p:nvSpPr>
+        <p:spPr>
+          <a:xfrm>
+            <a:off x="899592" y="1275606"/>
+            <a:ext cx="7848872" cy="1077218"/>
+          </a:xfrm>
+          <a:prstGeom prst="rect">
+            <a:avLst/>
+          </a:prstGeom>
+          <a:noFill/>
+        </p:spPr>
+        <p:txBody>
+          <a:bodyPr wrap="square" rtlCol="0">
+            <a:spAutoFit/>
+          </a:bodyPr>
+          <a:lstStyle/>
+          <a:p>
+            <a:pPr marL="285750" indent="-285750">
+              <a:buFont typeface="Arial" panose="020B0604020202020204" pitchFamily="34" charset="0"/>
+              <a:buChar char="•"/>
+            </a:pPr>
+            <a:r>
+              <a:rPr lang="en-CN" sz="1600" dirty="0"/>
+              <a:t>特点</a:t>
+            </a:r>
+            <a:endParaRPr lang="en-US" sz="1600" dirty="0"/>
+          </a:p>
+          <a:p>
+            <a:pPr marL="742950" lvl="1" indent="-285750">
+              <a:buFont typeface="Arial" panose="020B0604020202020204" pitchFamily="34" charset="0"/>
+              <a:buChar char="•"/>
+            </a:pPr>
+            <a:r>
+              <a:rPr lang="zh-CN" altLang="en-CN" sz="1600" dirty="0">
+                <a:latin typeface="+mn-ea"/>
+              </a:rPr>
+              <a:t>高层</a:t>
+            </a:r>
+            <a:r>
+              <a:rPr lang="zh-CN" altLang="en-US" sz="1600" dirty="0">
+                <a:latin typeface="+mn-ea"/>
+              </a:rPr>
+              <a:t>依赖低层，低层组件提供实现，高层组件使用低层组件提供的实现</a:t>
+            </a:r>
+            <a:endParaRPr lang="en-CN" sz="1600" dirty="0">
+              <a:latin typeface="+mn-ea"/>
+            </a:endParaRPr>
+          </a:p>
+          <a:p>
+            <a:pPr marL="285750" indent="-285750">
+              <a:buFont typeface="Arial" panose="020B0604020202020204" pitchFamily="34" charset="0"/>
+              <a:buChar char="•"/>
+            </a:pPr>
+            <a:r>
+              <a:rPr lang="en-CN" sz="1600" dirty="0"/>
+              <a:t>痛点</a:t>
+            </a:r>
+          </a:p>
+          <a:p>
+            <a:pPr marL="742950" lvl="1" indent="-285750">
+              <a:buFont typeface="Arial" panose="020B0604020202020204" pitchFamily="34" charset="0"/>
+              <a:buChar char="•"/>
+            </a:pPr>
+            <a:r>
+              <a:rPr lang="zh-CN" altLang="en-CN" sz="1600" dirty="0"/>
+              <a:t>高层次</a:t>
+            </a:r>
+            <a:r>
+              <a:rPr lang="zh-CN" altLang="en-US" sz="1600" dirty="0"/>
+              <a:t>组件难以复用、移植，测试。不同组件、服务边界模糊。</a:t>
+            </a:r>
+            <a:endParaRPr lang="en-CN" sz="1600" dirty="0"/>
           </a:p>
         </p:txBody>
       </p:sp>
       <p:pic>
         <p:nvPicPr>
-          <p:cNvPr id="2050" name="Picture 2" descr="直接依赖项关系图">
+          <p:cNvPr id="1028" name="Picture 4">
             <a:extLst>
               <a:ext uri="{FF2B5EF4-FFF2-40B4-BE49-F238E27FC236}">
-                <a16:creationId xmlns:a16="http://schemas.microsoft.com/office/drawing/2014/main" id="{FFBBB3EA-3A1D-074B-AB85-9AB42CB26357}"/>
+                <a16:creationId xmlns:a16="http://schemas.microsoft.com/office/drawing/2014/main" id="{F2A9571F-89AC-2740-BA7F-55294592D4B8}"/>
               </a:ext>
             </a:extLst>
           </p:cNvPr>
@@ -12371,7 +13076,7 @@
           <p:nvPr/>
         </p:nvPicPr>
         <p:blipFill>
-          <a:blip r:embed="rId2">
+          <a:blip r:embed="rId3">
             <a:extLst>
               <a:ext uri="{28A0092B-C50C-407E-A947-70E740481C1C}">
                 <a14:useLocalDpi xmlns:a14="http://schemas.microsoft.com/office/drawing/2010/main" val="0"/>
@@ -12385,8 +13090,8 @@
         </p:blipFill>
         <p:spPr bwMode="auto">
           <a:xfrm>
-            <a:off x="1653616" y="699542"/>
-            <a:ext cx="6028903" cy="4443958"/>
+            <a:off x="1763688" y="2427734"/>
+            <a:ext cx="5504086" cy="1155576"/>
           </a:xfrm>
           <a:prstGeom prst="rect">
             <a:avLst/>
@@ -12406,7 +13111,7 @@
     </p:spTree>
     <p:extLst>
       <p:ext uri="{BB962C8B-B14F-4D97-AF65-F5344CB8AC3E}">
-        <p14:creationId xmlns:p14="http://schemas.microsoft.com/office/powerpoint/2010/main" val="2293813934"/>
+        <p14:creationId xmlns:p14="http://schemas.microsoft.com/office/powerpoint/2010/main" val="1044474749"/>
       </p:ext>
     </p:extLst>
   </p:cSld>
@@ -12438,7 +13143,7 @@
           <p:cNvPr id="2" name="Text Placeholder 1">
             <a:extLst>
               <a:ext uri="{FF2B5EF4-FFF2-40B4-BE49-F238E27FC236}">
-                <a16:creationId xmlns:a16="http://schemas.microsoft.com/office/drawing/2014/main" id="{5BE3CD42-9FBE-3448-AE5D-94A9C73C0811}"/>
+                <a16:creationId xmlns:a16="http://schemas.microsoft.com/office/drawing/2014/main" id="{3EAE36F9-AE4D-0C40-9BFC-8A7E738E45B9}"/>
               </a:ext>
             </a:extLst>
           </p:cNvPr>
@@ -12449,12 +13154,7 @@
             <p:ph type="body" sz="quarter" idx="11"/>
           </p:nvPr>
         </p:nvSpPr>
-        <p:spPr>
-          <a:xfrm>
-            <a:off x="549076" y="224061"/>
-            <a:ext cx="3446859" cy="287412"/>
-          </a:xfrm>
-        </p:spPr>
+        <p:spPr/>
         <p:txBody>
           <a:bodyPr/>
           <a:lstStyle/>
@@ -12464,9 +13164,6 @@
               <a:t>依赖倒置</a:t>
             </a:r>
           </a:p>
-          <a:p>
-            <a:endParaRPr lang="en-CN" dirty="0"/>
-          </a:p>
         </p:txBody>
       </p:sp>
       <p:sp>
@@ -12474,7 +13171,7 @@
           <p:cNvPr id="3" name="Text Placeholder 2">
             <a:extLst>
               <a:ext uri="{FF2B5EF4-FFF2-40B4-BE49-F238E27FC236}">
-                <a16:creationId xmlns:a16="http://schemas.microsoft.com/office/drawing/2014/main" id="{69AB4CC1-6927-7B40-9057-87BEC4CF61FC}"/>
+                <a16:creationId xmlns:a16="http://schemas.microsoft.com/office/drawing/2014/main" id="{259C122A-6A4C-C942-B0B3-A5ED9C69D37A}"/>
               </a:ext>
             </a:extLst>
           </p:cNvPr>
@@ -12494,47 +13191,12 @@
           </a:p>
         </p:txBody>
       </p:sp>
-      <p:sp>
-        <p:nvSpPr>
-          <p:cNvPr id="4" name="Rectangle 3">
-            <a:extLst>
-              <a:ext uri="{FF2B5EF4-FFF2-40B4-BE49-F238E27FC236}">
-                <a16:creationId xmlns:a16="http://schemas.microsoft.com/office/drawing/2014/main" id="{9C4154AD-222F-BD4A-8C88-1D956E8EE0D5}"/>
-              </a:ext>
-            </a:extLst>
-          </p:cNvPr>
-          <p:cNvSpPr/>
-          <p:nvPr/>
-        </p:nvSpPr>
-        <p:spPr>
-          <a:xfrm>
-            <a:off x="1115616" y="1059582"/>
-            <a:ext cx="4572000" cy="369332"/>
-          </a:xfrm>
-          <a:prstGeom prst="rect">
-            <a:avLst/>
-          </a:prstGeom>
-        </p:spPr>
-        <p:txBody>
-          <a:bodyPr>
-            <a:spAutoFit/>
-          </a:bodyPr>
-          <a:lstStyle/>
-          <a:p>
-            <a:r>
-              <a:rPr lang="en-US" dirty="0" err="1"/>
-              <a:t>依赖倒置</a:t>
-            </a:r>
-            <a:endParaRPr lang="en-CN" dirty="0"/>
-          </a:p>
-        </p:txBody>
-      </p:sp>
       <p:pic>
         <p:nvPicPr>
-          <p:cNvPr id="3074" name="Picture 2">
+          <p:cNvPr id="2050" name="Picture 2" descr="直接依赖项关系图">
             <a:extLst>
               <a:ext uri="{FF2B5EF4-FFF2-40B4-BE49-F238E27FC236}">
-                <a16:creationId xmlns:a16="http://schemas.microsoft.com/office/drawing/2014/main" id="{0F2B4A3D-2738-0A48-A2EB-A3881EEE222B}"/>
+                <a16:creationId xmlns:a16="http://schemas.microsoft.com/office/drawing/2014/main" id="{FFBBB3EA-3A1D-074B-AB85-9AB42CB26357}"/>
               </a:ext>
             </a:extLst>
           </p:cNvPr>
@@ -12558,8 +13220,8 @@
         </p:blipFill>
         <p:spPr bwMode="auto">
           <a:xfrm>
-            <a:off x="4283968" y="1021744"/>
-            <a:ext cx="4246612" cy="2664541"/>
+            <a:off x="1653616" y="699542"/>
+            <a:ext cx="6028903" cy="4443958"/>
           </a:xfrm>
           <a:prstGeom prst="rect">
             <a:avLst/>
@@ -12576,85 +13238,10 @@
           </a:extLst>
         </p:spPr>
       </p:pic>
-      <p:sp>
-        <p:nvSpPr>
-          <p:cNvPr id="6" name="TextBox 5">
-            <a:extLst>
-              <a:ext uri="{FF2B5EF4-FFF2-40B4-BE49-F238E27FC236}">
-                <a16:creationId xmlns:a16="http://schemas.microsoft.com/office/drawing/2014/main" id="{D0888385-EAF7-3042-8FB1-EF6D219BDEE1}"/>
-              </a:ext>
-            </a:extLst>
-          </p:cNvPr>
-          <p:cNvSpPr txBox="1"/>
-          <p:nvPr/>
-        </p:nvSpPr>
-        <p:spPr>
-          <a:xfrm>
-            <a:off x="1115616" y="1556087"/>
-            <a:ext cx="3168352" cy="1661993"/>
-          </a:xfrm>
-          <a:prstGeom prst="rect">
-            <a:avLst/>
-          </a:prstGeom>
-          <a:noFill/>
-        </p:spPr>
-        <p:txBody>
-          <a:bodyPr wrap="square" rtlCol="0">
-            <a:spAutoFit/>
-          </a:bodyPr>
-          <a:lstStyle/>
-          <a:p>
-            <a:pPr marL="285750" indent="-285750">
-              <a:buFont typeface="Arial" panose="020B0604020202020204" pitchFamily="34" charset="0"/>
-              <a:buChar char="•"/>
-            </a:pPr>
-            <a:r>
-              <a:rPr lang="en-CN" dirty="0"/>
-              <a:t>特点</a:t>
-            </a:r>
-          </a:p>
-          <a:p>
-            <a:pPr marL="742950" lvl="1" indent="-285750">
-              <a:buFont typeface="Arial" panose="020B0604020202020204" pitchFamily="34" charset="0"/>
-              <a:buChar char="•"/>
-            </a:pPr>
-            <a:r>
-              <a:rPr lang="zh-CN" altLang="en-CN" sz="1600" dirty="0"/>
-              <a:t>增加</a:t>
-            </a:r>
-            <a:r>
-              <a:rPr lang="zh-CN" altLang="en-US" sz="1600" dirty="0"/>
-              <a:t>抽象层，高层和低层都依赖抽象层，高层可随意切换低层实现</a:t>
-            </a:r>
-            <a:endParaRPr lang="en-CN" sz="1600" dirty="0"/>
-          </a:p>
-          <a:p>
-            <a:pPr marL="285750" indent="-285750">
-              <a:buFont typeface="Arial" panose="020B0604020202020204" pitchFamily="34" charset="0"/>
-              <a:buChar char="•"/>
-            </a:pPr>
-            <a:r>
-              <a:rPr lang="en-CN" dirty="0"/>
-              <a:t>缺点</a:t>
-            </a:r>
-          </a:p>
-          <a:p>
-            <a:pPr marL="742950" lvl="1" indent="-285750">
-              <a:buFont typeface="Arial" panose="020B0604020202020204" pitchFamily="34" charset="0"/>
-              <a:buChar char="•"/>
-            </a:pPr>
-            <a:r>
-              <a:rPr lang="zh-CN" altLang="en-US" sz="1600" dirty="0"/>
-              <a:t>相对增加结构复杂度</a:t>
-            </a:r>
-            <a:endParaRPr lang="en-US" altLang="zh-CN" sz="1600" dirty="0"/>
-          </a:p>
-        </p:txBody>
-      </p:sp>
     </p:spTree>
     <p:extLst>
       <p:ext uri="{BB962C8B-B14F-4D97-AF65-F5344CB8AC3E}">
-        <p14:creationId xmlns:p14="http://schemas.microsoft.com/office/powerpoint/2010/main" val="1580154493"/>
+        <p14:creationId xmlns:p14="http://schemas.microsoft.com/office/powerpoint/2010/main" val="2293813934"/>
       </p:ext>
     </p:extLst>
   </p:cSld>
@@ -12686,7 +13273,7 @@
           <p:cNvPr id="2" name="Text Placeholder 1">
             <a:extLst>
               <a:ext uri="{FF2B5EF4-FFF2-40B4-BE49-F238E27FC236}">
-                <a16:creationId xmlns:a16="http://schemas.microsoft.com/office/drawing/2014/main" id="{AC0A28B7-2B64-D445-8C48-54C70B700CE8}"/>
+                <a16:creationId xmlns:a16="http://schemas.microsoft.com/office/drawing/2014/main" id="{5BE3CD42-9FBE-3448-AE5D-94A9C73C0811}"/>
               </a:ext>
             </a:extLst>
           </p:cNvPr>
@@ -12697,7 +13284,12 @@
             <p:ph type="body" sz="quarter" idx="11"/>
           </p:nvPr>
         </p:nvSpPr>
-        <p:spPr/>
+        <p:spPr>
+          <a:xfrm>
+            <a:off x="549076" y="224061"/>
+            <a:ext cx="3446859" cy="287412"/>
+          </a:xfrm>
+        </p:spPr>
         <p:txBody>
           <a:bodyPr/>
           <a:lstStyle/>
@@ -12710,9 +13302,6 @@
           <a:p>
             <a:endParaRPr lang="en-CN" dirty="0"/>
           </a:p>
-          <a:p>
-            <a:endParaRPr lang="en-CN" dirty="0"/>
-          </a:p>
         </p:txBody>
       </p:sp>
       <p:sp>
@@ -12720,7 +13309,7 @@
           <p:cNvPr id="3" name="Text Placeholder 2">
             <a:extLst>
               <a:ext uri="{FF2B5EF4-FFF2-40B4-BE49-F238E27FC236}">
-                <a16:creationId xmlns:a16="http://schemas.microsoft.com/office/drawing/2014/main" id="{74A7D169-4A8C-CD4F-981B-14CB3CB67424}"/>
+                <a16:creationId xmlns:a16="http://schemas.microsoft.com/office/drawing/2014/main" id="{69AB4CC1-6927-7B40-9057-87BEC4CF61FC}"/>
               </a:ext>
             </a:extLst>
           </p:cNvPr>
@@ -12736,16 +13325,51 @@
           <a:bodyPr/>
           <a:lstStyle/>
           <a:p>
-            <a:endParaRPr lang="en-CN"/>
+            <a:endParaRPr lang="en-CN" dirty="0"/>
+          </a:p>
+        </p:txBody>
+      </p:sp>
+      <p:sp>
+        <p:nvSpPr>
+          <p:cNvPr id="4" name="Rectangle 3">
+            <a:extLst>
+              <a:ext uri="{FF2B5EF4-FFF2-40B4-BE49-F238E27FC236}">
+                <a16:creationId xmlns:a16="http://schemas.microsoft.com/office/drawing/2014/main" id="{9C4154AD-222F-BD4A-8C88-1D956E8EE0D5}"/>
+              </a:ext>
+            </a:extLst>
+          </p:cNvPr>
+          <p:cNvSpPr/>
+          <p:nvPr/>
+        </p:nvSpPr>
+        <p:spPr>
+          <a:xfrm>
+            <a:off x="1115616" y="1059582"/>
+            <a:ext cx="4572000" cy="369332"/>
+          </a:xfrm>
+          <a:prstGeom prst="rect">
+            <a:avLst/>
+          </a:prstGeom>
+        </p:spPr>
+        <p:txBody>
+          <a:bodyPr>
+            <a:spAutoFit/>
+          </a:bodyPr>
+          <a:lstStyle/>
+          <a:p>
+            <a:r>
+              <a:rPr lang="en-US" dirty="0" err="1"/>
+              <a:t>依赖倒置</a:t>
+            </a:r>
+            <a:endParaRPr lang="en-CN" dirty="0"/>
           </a:p>
         </p:txBody>
       </p:sp>
       <p:pic>
         <p:nvPicPr>
-          <p:cNvPr id="4098" name="Picture 2" descr="反转依赖项关系图">
+          <p:cNvPr id="3074" name="Picture 2">
             <a:extLst>
               <a:ext uri="{FF2B5EF4-FFF2-40B4-BE49-F238E27FC236}">
-                <a16:creationId xmlns:a16="http://schemas.microsoft.com/office/drawing/2014/main" id="{9887BCAB-ED64-DC45-BBCD-F874EA86AA7F}"/>
+                <a16:creationId xmlns:a16="http://schemas.microsoft.com/office/drawing/2014/main" id="{0F2B4A3D-2738-0A48-A2EB-A3881EEE222B}"/>
               </a:ext>
             </a:extLst>
           </p:cNvPr>
@@ -12755,7 +13379,7 @@
           <p:nvPr/>
         </p:nvPicPr>
         <p:blipFill>
-          <a:blip r:embed="rId2" cstate="print">
+          <a:blip r:embed="rId2">
             <a:extLst>
               <a:ext uri="{28A0092B-C50C-407E-A947-70E740481C1C}">
                 <a14:useLocalDpi xmlns:a14="http://schemas.microsoft.com/office/drawing/2010/main" val="0"/>
@@ -12769,8 +13393,8 @@
         </p:blipFill>
         <p:spPr bwMode="auto">
           <a:xfrm>
-            <a:off x="971600" y="969492"/>
-            <a:ext cx="7387550" cy="3845117"/>
+            <a:off x="4283968" y="1021744"/>
+            <a:ext cx="4246612" cy="2664541"/>
           </a:xfrm>
           <a:prstGeom prst="rect">
             <a:avLst/>
@@ -12787,10 +13411,85 @@
           </a:extLst>
         </p:spPr>
       </p:pic>
+      <p:sp>
+        <p:nvSpPr>
+          <p:cNvPr id="6" name="TextBox 5">
+            <a:extLst>
+              <a:ext uri="{FF2B5EF4-FFF2-40B4-BE49-F238E27FC236}">
+                <a16:creationId xmlns:a16="http://schemas.microsoft.com/office/drawing/2014/main" id="{D0888385-EAF7-3042-8FB1-EF6D219BDEE1}"/>
+              </a:ext>
+            </a:extLst>
+          </p:cNvPr>
+          <p:cNvSpPr txBox="1"/>
+          <p:nvPr/>
+        </p:nvSpPr>
+        <p:spPr>
+          <a:xfrm>
+            <a:off x="1115616" y="1556087"/>
+            <a:ext cx="3168352" cy="1661993"/>
+          </a:xfrm>
+          <a:prstGeom prst="rect">
+            <a:avLst/>
+          </a:prstGeom>
+          <a:noFill/>
+        </p:spPr>
+        <p:txBody>
+          <a:bodyPr wrap="square" rtlCol="0">
+            <a:spAutoFit/>
+          </a:bodyPr>
+          <a:lstStyle/>
+          <a:p>
+            <a:pPr marL="285750" indent="-285750">
+              <a:buFont typeface="Arial" panose="020B0604020202020204" pitchFamily="34" charset="0"/>
+              <a:buChar char="•"/>
+            </a:pPr>
+            <a:r>
+              <a:rPr lang="en-CN" dirty="0"/>
+              <a:t>特点</a:t>
+            </a:r>
+          </a:p>
+          <a:p>
+            <a:pPr marL="742950" lvl="1" indent="-285750">
+              <a:buFont typeface="Arial" panose="020B0604020202020204" pitchFamily="34" charset="0"/>
+              <a:buChar char="•"/>
+            </a:pPr>
+            <a:r>
+              <a:rPr lang="zh-CN" altLang="en-CN" sz="1600" dirty="0"/>
+              <a:t>增加</a:t>
+            </a:r>
+            <a:r>
+              <a:rPr lang="zh-CN" altLang="en-US" sz="1600" dirty="0"/>
+              <a:t>抽象层，高层和低层都依赖抽象层，高层可随意切换低层实现</a:t>
+            </a:r>
+            <a:endParaRPr lang="en-CN" sz="1600" dirty="0"/>
+          </a:p>
+          <a:p>
+            <a:pPr marL="285750" indent="-285750">
+              <a:buFont typeface="Arial" panose="020B0604020202020204" pitchFamily="34" charset="0"/>
+              <a:buChar char="•"/>
+            </a:pPr>
+            <a:r>
+              <a:rPr lang="en-CN" dirty="0"/>
+              <a:t>缺点</a:t>
+            </a:r>
+          </a:p>
+          <a:p>
+            <a:pPr marL="742950" lvl="1" indent="-285750">
+              <a:buFont typeface="Arial" panose="020B0604020202020204" pitchFamily="34" charset="0"/>
+              <a:buChar char="•"/>
+            </a:pPr>
+            <a:r>
+              <a:rPr lang="zh-CN" altLang="en-US" sz="1600" dirty="0"/>
+              <a:t>相对增加结构复杂度</a:t>
+            </a:r>
+            <a:endParaRPr lang="en-US" altLang="zh-CN" sz="1600" dirty="0"/>
+          </a:p>
+        </p:txBody>
+      </p:sp>
     </p:spTree>
     <p:extLst>
       <p:ext uri="{BB962C8B-B14F-4D97-AF65-F5344CB8AC3E}">
-        <p14:creationId xmlns:p14="http://schemas.microsoft.com/office/powerpoint/2010/main" val="1745668444"/>
+        <p14:creationId xmlns:p14="http://schemas.microsoft.com/office/powerpoint/2010/main" val="1580154493"/>
       </p:ext>
     </p:extLst>
   </p:cSld>
